--- a/NOTEBOOK/P8.pptx
+++ b/NOTEBOOK/P8.pptx
@@ -1,45 +1,38 @@
 
 <file path=ppt/presentation.xml><?xml version="1.0" encoding="utf-8"?>
-<p:presentation xmlns:a="http://schemas.openxmlformats.org/drawingml/2006/main" xmlns:r="http://schemas.openxmlformats.org/officeDocument/2006/relationships" xmlns:mc="http://schemas.openxmlformats.org/markup-compatibility/2006" xmlns:mv="urn:schemas-microsoft-com:mac:vml" xmlns:p="http://schemas.openxmlformats.org/presentationml/2006/main" xmlns:c="http://schemas.openxmlformats.org/drawingml/2006/chart" xmlns:dgm="http://schemas.openxmlformats.org/drawingml/2006/diagram" xmlns:o="urn:schemas-microsoft-com:office:office" xmlns:v="urn:schemas-microsoft-com:vml" xmlns:pvml="urn:schemas-microsoft-com:office:powerpoint" xmlns:com="http://schemas.openxmlformats.org/drawingml/2006/compatibility" xmlns:p14="http://schemas.microsoft.com/office/powerpoint/2010/main" xmlns:p15="http://schemas.microsoft.com/office/powerpoint/2012/main" xmlns:ahyp="http://schemas.microsoft.com/office/drawing/2018/hyperlinkcolor" autoCompressPictures="0" embedTrueTypeFonts="1" strictFirstAndLastChars="0" saveSubsetFonts="1">
+<p:presentation xmlns:a="http://schemas.openxmlformats.org/drawingml/2006/main" xmlns:r="http://schemas.openxmlformats.org/officeDocument/2006/relationships" xmlns:p="http://schemas.openxmlformats.org/presentationml/2006/main" strictFirstAndLastChars="0" embedTrueTypeFonts="1" saveSubsetFonts="1" autoCompressPictures="0">
   <p:sldMasterIdLst>
-    <p:sldMasterId id="2147483659" r:id="rId4"/>
+    <p:sldMasterId id="2147483659" r:id="rId1"/>
   </p:sldMasterIdLst>
   <p:notesMasterIdLst>
-    <p:notesMasterId r:id="rId5"/>
+    <p:notesMasterId r:id="rId6"/>
   </p:notesMasterIdLst>
   <p:sldIdLst>
-    <p:sldId id="256" r:id="rId6"/>
-    <p:sldId id="257" r:id="rId7"/>
-    <p:sldId id="258" r:id="rId8"/>
-    <p:sldId id="259" r:id="rId9"/>
+    <p:sldId id="256" r:id="rId2"/>
+    <p:sldId id="257" r:id="rId3"/>
+    <p:sldId id="258" r:id="rId4"/>
+    <p:sldId id="259" r:id="rId5"/>
   </p:sldIdLst>
-  <p:sldSz cy="7200000" cx="9000000"/>
+  <p:sldSz cx="8999538" cy="7199313"/>
   <p:notesSz cx="6858000" cy="9144000"/>
   <p:embeddedFontLst>
     <p:embeddedFont>
-      <p:font typeface="Economica"/>
-      <p:regular r:id="rId10"/>
-      <p:bold r:id="rId11"/>
-      <p:italic r:id="rId12"/>
-      <p:boldItalic r:id="rId13"/>
+      <p:font typeface="Economica" panose="020B0604020202020204" charset="0"/>
+      <p:regular r:id="rId7"/>
+      <p:bold r:id="rId8"/>
+      <p:italic r:id="rId9"/>
+      <p:boldItalic r:id="rId10"/>
     </p:embeddedFont>
     <p:embeddedFont>
-      <p:font typeface="Lato"/>
-      <p:regular r:id="rId14"/>
-      <p:bold r:id="rId15"/>
-      <p:italic r:id="rId16"/>
-      <p:boldItalic r:id="rId17"/>
-    </p:embeddedFont>
-    <p:embeddedFont>
-      <p:font typeface="Open Sans"/>
-      <p:regular r:id="rId18"/>
-      <p:bold r:id="rId19"/>
-      <p:italic r:id="rId20"/>
-      <p:boldItalic r:id="rId21"/>
+      <p:font typeface="Open Sans" panose="020B0606030504020204" pitchFamily="34" charset="0"/>
+      <p:regular r:id="rId11"/>
+      <p:bold r:id="rId12"/>
+      <p:italic r:id="rId13"/>
+      <p:boldItalic r:id="rId14"/>
     </p:embeddedFont>
   </p:embeddedFontLst>
   <p:defaultTextStyle>
-    <a:defPPr lvl="0" marR="0" rtl="0" algn="l">
+    <a:defPPr marR="0" lvl="0" algn="l" rtl="0">
       <a:lnSpc>
         <a:spcPct val="100000"/>
       </a:lnSpc>
@@ -50,7 +43,7 @@
         <a:spcPts val="0"/>
       </a:spcAft>
     </a:defPPr>
-    <a:lvl1pPr lvl="0" marR="0" rtl="0" algn="l">
+    <a:lvl1pPr marR="0" lvl="0" algn="l" rtl="0">
       <a:lnSpc>
         <a:spcPct val="100000"/>
       </a:lnSpc>
@@ -64,7 +57,7 @@
         <a:srgbClr val="000000"/>
       </a:buClr>
       <a:buFont typeface="Arial"/>
-      <a:defRPr b="0" i="0" sz="1400" u="none" cap="none" strike="noStrike">
+      <a:defRPr sz="1400" b="0" i="0" u="none" strike="noStrike" cap="none">
         <a:solidFill>
           <a:srgbClr val="000000"/>
         </a:solidFill>
@@ -74,7 +67,7 @@
         <a:sym typeface="Arial"/>
       </a:defRPr>
     </a:lvl1pPr>
-    <a:lvl2pPr lvl="1" marR="0" rtl="0" algn="l">
+    <a:lvl2pPr marR="0" lvl="1" algn="l" rtl="0">
       <a:lnSpc>
         <a:spcPct val="100000"/>
       </a:lnSpc>
@@ -88,7 +81,7 @@
         <a:srgbClr val="000000"/>
       </a:buClr>
       <a:buFont typeface="Arial"/>
-      <a:defRPr b="0" i="0" sz="1400" u="none" cap="none" strike="noStrike">
+      <a:defRPr sz="1400" b="0" i="0" u="none" strike="noStrike" cap="none">
         <a:solidFill>
           <a:srgbClr val="000000"/>
         </a:solidFill>
@@ -98,7 +91,7 @@
         <a:sym typeface="Arial"/>
       </a:defRPr>
     </a:lvl2pPr>
-    <a:lvl3pPr lvl="2" marR="0" rtl="0" algn="l">
+    <a:lvl3pPr marR="0" lvl="2" algn="l" rtl="0">
       <a:lnSpc>
         <a:spcPct val="100000"/>
       </a:lnSpc>
@@ -112,7 +105,7 @@
         <a:srgbClr val="000000"/>
       </a:buClr>
       <a:buFont typeface="Arial"/>
-      <a:defRPr b="0" i="0" sz="1400" u="none" cap="none" strike="noStrike">
+      <a:defRPr sz="1400" b="0" i="0" u="none" strike="noStrike" cap="none">
         <a:solidFill>
           <a:srgbClr val="000000"/>
         </a:solidFill>
@@ -122,7 +115,7 @@
         <a:sym typeface="Arial"/>
       </a:defRPr>
     </a:lvl3pPr>
-    <a:lvl4pPr lvl="3" marR="0" rtl="0" algn="l">
+    <a:lvl4pPr marR="0" lvl="3" algn="l" rtl="0">
       <a:lnSpc>
         <a:spcPct val="100000"/>
       </a:lnSpc>
@@ -136,7 +129,7 @@
         <a:srgbClr val="000000"/>
       </a:buClr>
       <a:buFont typeface="Arial"/>
-      <a:defRPr b="0" i="0" sz="1400" u="none" cap="none" strike="noStrike">
+      <a:defRPr sz="1400" b="0" i="0" u="none" strike="noStrike" cap="none">
         <a:solidFill>
           <a:srgbClr val="000000"/>
         </a:solidFill>
@@ -146,7 +139,7 @@
         <a:sym typeface="Arial"/>
       </a:defRPr>
     </a:lvl4pPr>
-    <a:lvl5pPr lvl="4" marR="0" rtl="0" algn="l">
+    <a:lvl5pPr marR="0" lvl="4" algn="l" rtl="0">
       <a:lnSpc>
         <a:spcPct val="100000"/>
       </a:lnSpc>
@@ -160,7 +153,7 @@
         <a:srgbClr val="000000"/>
       </a:buClr>
       <a:buFont typeface="Arial"/>
-      <a:defRPr b="0" i="0" sz="1400" u="none" cap="none" strike="noStrike">
+      <a:defRPr sz="1400" b="0" i="0" u="none" strike="noStrike" cap="none">
         <a:solidFill>
           <a:srgbClr val="000000"/>
         </a:solidFill>
@@ -170,7 +163,7 @@
         <a:sym typeface="Arial"/>
       </a:defRPr>
     </a:lvl5pPr>
-    <a:lvl6pPr lvl="5" marR="0" rtl="0" algn="l">
+    <a:lvl6pPr marR="0" lvl="5" algn="l" rtl="0">
       <a:lnSpc>
         <a:spcPct val="100000"/>
       </a:lnSpc>
@@ -184,7 +177,7 @@
         <a:srgbClr val="000000"/>
       </a:buClr>
       <a:buFont typeface="Arial"/>
-      <a:defRPr b="0" i="0" sz="1400" u="none" cap="none" strike="noStrike">
+      <a:defRPr sz="1400" b="0" i="0" u="none" strike="noStrike" cap="none">
         <a:solidFill>
           <a:srgbClr val="000000"/>
         </a:solidFill>
@@ -194,7 +187,7 @@
         <a:sym typeface="Arial"/>
       </a:defRPr>
     </a:lvl6pPr>
-    <a:lvl7pPr lvl="6" marR="0" rtl="0" algn="l">
+    <a:lvl7pPr marR="0" lvl="6" algn="l" rtl="0">
       <a:lnSpc>
         <a:spcPct val="100000"/>
       </a:lnSpc>
@@ -208,7 +201,7 @@
         <a:srgbClr val="000000"/>
       </a:buClr>
       <a:buFont typeface="Arial"/>
-      <a:defRPr b="0" i="0" sz="1400" u="none" cap="none" strike="noStrike">
+      <a:defRPr sz="1400" b="0" i="0" u="none" strike="noStrike" cap="none">
         <a:solidFill>
           <a:srgbClr val="000000"/>
         </a:solidFill>
@@ -218,7 +211,7 @@
         <a:sym typeface="Arial"/>
       </a:defRPr>
     </a:lvl7pPr>
-    <a:lvl8pPr lvl="7" marR="0" rtl="0" algn="l">
+    <a:lvl8pPr marR="0" lvl="7" algn="l" rtl="0">
       <a:lnSpc>
         <a:spcPct val="100000"/>
       </a:lnSpc>
@@ -232,7 +225,7 @@
         <a:srgbClr val="000000"/>
       </a:buClr>
       <a:buFont typeface="Arial"/>
-      <a:defRPr b="0" i="0" sz="1400" u="none" cap="none" strike="noStrike">
+      <a:defRPr sz="1400" b="0" i="0" u="none" strike="noStrike" cap="none">
         <a:solidFill>
           <a:srgbClr val="000000"/>
         </a:solidFill>
@@ -242,7 +235,7 @@
         <a:sym typeface="Arial"/>
       </a:defRPr>
     </a:lvl8pPr>
-    <a:lvl9pPr lvl="8" marR="0" rtl="0" algn="l">
+    <a:lvl9pPr marR="0" lvl="8" algn="l" rtl="0">
       <a:lnSpc>
         <a:spcPct val="100000"/>
       </a:lnSpc>
@@ -256,7 +249,7 @@
         <a:srgbClr val="000000"/>
       </a:buClr>
       <a:buFont typeface="Arial"/>
-      <a:defRPr b="0" i="0" sz="1400" u="none" cap="none" strike="noStrike">
+      <a:defRPr sz="1400" b="0" i="0" u="none" strike="noStrike" cap="none">
         <a:solidFill>
           <a:srgbClr val="000000"/>
         </a:solidFill>
@@ -269,7 +262,7 @@
   </p:defaultTextStyle>
   <p:extLst>
     <p:ext uri="{EFAFB233-063F-42B5-8137-9DF3F51BA10A}">
-      <p15:sldGuideLst>
+      <p15:sldGuideLst xmlns:p15="http://schemas.microsoft.com/office/powerpoint/2012/main">
         <p15:guide id="1" orient="horz" pos="2268">
           <p15:clr>
             <a:srgbClr val="747775"/>
@@ -286,12 +279,124 @@
 </p:presentation>
 </file>
 
+<file path=ppt/changesInfos/changesInfo1.xml><?xml version="1.0" encoding="utf-8"?>
+<pc:chgInfo xmlns:a="http://schemas.openxmlformats.org/drawingml/2006/main" xmlns:r="http://schemas.openxmlformats.org/officeDocument/2006/relationships" xmlns:ac="http://schemas.microsoft.com/office/drawing/2013/main/command" xmlns:pc="http://schemas.microsoft.com/office/powerpoint/2013/main/command">
+  <pc:docChgLst>
+    <pc:chgData name="antoine" userId="1d0f2c56cec148b8" providerId="LiveId" clId="{306A5878-16F8-4F29-8860-5A915D1CD50D}"/>
+    <pc:docChg chg="custSel modSld">
+      <pc:chgData name="antoine" userId="1d0f2c56cec148b8" providerId="LiveId" clId="{306A5878-16F8-4F29-8860-5A915D1CD50D}" dt="2023-12-07T14:56:49.380" v="11" actId="478"/>
+      <pc:docMkLst>
+        <pc:docMk/>
+      </pc:docMkLst>
+      <pc:sldChg chg="delSp modSp mod">
+        <pc:chgData name="antoine" userId="1d0f2c56cec148b8" providerId="LiveId" clId="{306A5878-16F8-4F29-8860-5A915D1CD50D}" dt="2023-12-07T14:56:41.632" v="4" actId="478"/>
+        <pc:sldMkLst>
+          <pc:docMk/>
+          <pc:sldMk cId="0" sldId="257"/>
+        </pc:sldMkLst>
+        <pc:spChg chg="del mod">
+          <ac:chgData name="antoine" userId="1d0f2c56cec148b8" providerId="LiveId" clId="{306A5878-16F8-4F29-8860-5A915D1CD50D}" dt="2023-12-07T14:56:41.632" v="4" actId="478"/>
+          <ac:spMkLst>
+            <pc:docMk/>
+            <pc:sldMk cId="0" sldId="257"/>
+            <ac:spMk id="69" creationId="{00000000-0000-0000-0000-000000000000}"/>
+          </ac:spMkLst>
+        </pc:spChg>
+        <pc:spChg chg="del mod">
+          <ac:chgData name="antoine" userId="1d0f2c56cec148b8" providerId="LiveId" clId="{306A5878-16F8-4F29-8860-5A915D1CD50D}" dt="2023-12-07T14:56:40.526" v="3" actId="478"/>
+          <ac:spMkLst>
+            <pc:docMk/>
+            <pc:sldMk cId="0" sldId="257"/>
+            <ac:spMk id="70" creationId="{00000000-0000-0000-0000-000000000000}"/>
+          </ac:spMkLst>
+        </pc:spChg>
+        <pc:spChg chg="del">
+          <ac:chgData name="antoine" userId="1d0f2c56cec148b8" providerId="LiveId" clId="{306A5878-16F8-4F29-8860-5A915D1CD50D}" dt="2023-12-07T14:56:38.417" v="0" actId="478"/>
+          <ac:spMkLst>
+            <pc:docMk/>
+            <pc:sldMk cId="0" sldId="257"/>
+            <ac:spMk id="71" creationId="{00000000-0000-0000-0000-000000000000}"/>
+          </ac:spMkLst>
+        </pc:spChg>
+      </pc:sldChg>
+      <pc:sldChg chg="delSp modSp mod">
+        <pc:chgData name="antoine" userId="1d0f2c56cec148b8" providerId="LiveId" clId="{306A5878-16F8-4F29-8860-5A915D1CD50D}" dt="2023-12-07T14:56:45.445" v="8" actId="478"/>
+        <pc:sldMkLst>
+          <pc:docMk/>
+          <pc:sldMk cId="0" sldId="258"/>
+        </pc:sldMkLst>
+        <pc:spChg chg="del mod">
+          <ac:chgData name="antoine" userId="1d0f2c56cec148b8" providerId="LiveId" clId="{306A5878-16F8-4F29-8860-5A915D1CD50D}" dt="2023-12-07T14:56:45.445" v="8" actId="478"/>
+          <ac:spMkLst>
+            <pc:docMk/>
+            <pc:sldMk cId="0" sldId="258"/>
+            <ac:spMk id="83" creationId="{00000000-0000-0000-0000-000000000000}"/>
+          </ac:spMkLst>
+        </pc:spChg>
+        <pc:spChg chg="del">
+          <ac:chgData name="antoine" userId="1d0f2c56cec148b8" providerId="LiveId" clId="{306A5878-16F8-4F29-8860-5A915D1CD50D}" dt="2023-12-07T14:56:43.527" v="5" actId="478"/>
+          <ac:spMkLst>
+            <pc:docMk/>
+            <pc:sldMk cId="0" sldId="258"/>
+            <ac:spMk id="84" creationId="{00000000-0000-0000-0000-000000000000}"/>
+          </ac:spMkLst>
+        </pc:spChg>
+        <pc:spChg chg="del">
+          <ac:chgData name="antoine" userId="1d0f2c56cec148b8" providerId="LiveId" clId="{306A5878-16F8-4F29-8860-5A915D1CD50D}" dt="2023-12-07T14:56:44.186" v="6" actId="478"/>
+          <ac:spMkLst>
+            <pc:docMk/>
+            <pc:sldMk cId="0" sldId="258"/>
+            <ac:spMk id="85" creationId="{00000000-0000-0000-0000-000000000000}"/>
+          </ac:spMkLst>
+        </pc:spChg>
+      </pc:sldChg>
+      <pc:sldChg chg="delSp mod">
+        <pc:chgData name="antoine" userId="1d0f2c56cec148b8" providerId="LiveId" clId="{306A5878-16F8-4F29-8860-5A915D1CD50D}" dt="2023-12-07T14:56:49.380" v="11" actId="478"/>
+        <pc:sldMkLst>
+          <pc:docMk/>
+          <pc:sldMk cId="0" sldId="259"/>
+        </pc:sldMkLst>
+        <pc:spChg chg="del">
+          <ac:chgData name="antoine" userId="1d0f2c56cec148b8" providerId="LiveId" clId="{306A5878-16F8-4F29-8860-5A915D1CD50D}" dt="2023-12-07T14:56:49.380" v="11" actId="478"/>
+          <ac:spMkLst>
+            <pc:docMk/>
+            <pc:sldMk cId="0" sldId="259"/>
+            <ac:spMk id="98" creationId="{00000000-0000-0000-0000-000000000000}"/>
+          </ac:spMkLst>
+        </pc:spChg>
+        <pc:spChg chg="del">
+          <ac:chgData name="antoine" userId="1d0f2c56cec148b8" providerId="LiveId" clId="{306A5878-16F8-4F29-8860-5A915D1CD50D}" dt="2023-12-07T14:56:47.516" v="9" actId="478"/>
+          <ac:spMkLst>
+            <pc:docMk/>
+            <pc:sldMk cId="0" sldId="259"/>
+            <ac:spMk id="99" creationId="{00000000-0000-0000-0000-000000000000}"/>
+          </ac:spMkLst>
+        </pc:spChg>
+        <pc:spChg chg="del">
+          <ac:chgData name="antoine" userId="1d0f2c56cec148b8" providerId="LiveId" clId="{306A5878-16F8-4F29-8860-5A915D1CD50D}" dt="2023-12-07T14:56:48.238" v="10" actId="478"/>
+          <ac:spMkLst>
+            <pc:docMk/>
+            <pc:sldMk cId="0" sldId="259"/>
+            <ac:spMk id="100" creationId="{00000000-0000-0000-0000-000000000000}"/>
+          </ac:spMkLst>
+        </pc:spChg>
+      </pc:sldChg>
+    </pc:docChg>
+  </pc:docChgLst>
+</pc:chgInfo>
+</file>
+
 <file path=ppt/notesMasters/notesMaster1.xml><?xml version="1.0" encoding="utf-8"?>
-<p:notesMaster xmlns:a="http://schemas.openxmlformats.org/drawingml/2006/main" xmlns:r="http://schemas.openxmlformats.org/officeDocument/2006/relationships" xmlns:mc="http://schemas.openxmlformats.org/markup-compatibility/2006" xmlns:mv="urn:schemas-microsoft-com:mac:vml" xmlns:p="http://schemas.openxmlformats.org/presentationml/2006/main" xmlns:c="http://schemas.openxmlformats.org/drawingml/2006/chart" xmlns:dgm="http://schemas.openxmlformats.org/drawingml/2006/diagram" xmlns:o="urn:schemas-microsoft-com:office:office" xmlns:v="urn:schemas-microsoft-com:vml" xmlns:pvml="urn:schemas-microsoft-com:office:powerpoint" xmlns:com="http://schemas.openxmlformats.org/drawingml/2006/compatibility" xmlns:p14="http://schemas.microsoft.com/office/powerpoint/2010/main" xmlns:p15="http://schemas.microsoft.com/office/powerpoint/2012/main" xmlns:ahyp="http://schemas.microsoft.com/office/drawing/2018/hyperlinkcolor">
+<p:notesMaster xmlns:a="http://schemas.openxmlformats.org/drawingml/2006/main" xmlns:r="http://schemas.openxmlformats.org/officeDocument/2006/relationships" xmlns:p="http://schemas.openxmlformats.org/presentationml/2006/main">
   <p:cSld>
+    <p:bg>
+      <p:bgRef idx="1001">
+        <a:schemeClr val="bg1"/>
+      </p:bgRef>
+    </p:bg>
     <p:spTree>
       <p:nvGrpSpPr>
-        <p:cNvPr id="2" name="Shape 2"/>
+        <p:cNvPr id="1" name="Shape 2"/>
         <p:cNvGrpSpPr/>
         <p:nvPr/>
       </p:nvGrpSpPr>
@@ -306,9 +411,11 @@
       <p:sp>
         <p:nvSpPr>
           <p:cNvPr id="3" name="Google Shape;3;n"/>
-          <p:cNvSpPr/>
+          <p:cNvSpPr>
+            <a:spLocks noGrp="1" noRot="1" noChangeAspect="1"/>
+          </p:cNvSpPr>
           <p:nvPr>
-            <p:ph idx="2" type="sldImg"/>
+            <p:ph type="sldImg" idx="2"/>
           </p:nvPr>
         </p:nvSpPr>
         <p:spPr>
@@ -317,9 +424,13 @@
             <a:ext cx="4286400" cy="3429000"/>
           </a:xfrm>
           <a:custGeom>
-            <a:rect b="b" l="l" r="r" t="t"/>
+            <a:avLst/>
+            <a:gdLst/>
+            <a:ahLst/>
+            <a:cxnLst/>
+            <a:rect l="l" t="t" r="r" b="b"/>
             <a:pathLst>
-              <a:path extrusionOk="0" h="120000" w="120000">
+              <a:path w="120000" h="120000" extrusionOk="0">
                 <a:moveTo>
                   <a:pt x="0" y="0"/>
                 </a:moveTo>
@@ -337,23 +448,25 @@
             </a:pathLst>
           </a:custGeom>
           <a:noFill/>
-          <a:ln cap="flat" cmpd="sng" w="9525">
+          <a:ln w="9525" cap="flat" cmpd="sng">
             <a:solidFill>
               <a:srgbClr val="000000"/>
             </a:solidFill>
             <a:prstDash val="solid"/>
             <a:round/>
-            <a:headEnd len="sm" w="sm" type="none"/>
-            <a:tailEnd len="sm" w="sm" type="none"/>
+            <a:headEnd type="none" w="sm" len="sm"/>
+            <a:tailEnd type="none" w="sm" len="sm"/>
           </a:ln>
         </p:spPr>
       </p:sp>
       <p:sp>
         <p:nvSpPr>
           <p:cNvPr id="4" name="Google Shape;4;n"/>
-          <p:cNvSpPr txBox="1"/>
+          <p:cNvSpPr txBox="1">
+            <a:spLocks noGrp="1"/>
+          </p:cNvSpPr>
           <p:nvPr>
-            <p:ph idx="1" type="body"/>
+            <p:ph type="body" idx="1"/>
           </p:nvPr>
         </p:nvSpPr>
         <p:spPr>
@@ -370,11 +483,11 @@
           </a:ln>
         </p:spPr>
         <p:txBody>
-          <a:bodyPr anchorCtr="0" anchor="t" bIns="91425" lIns="91425" spcFirstLastPara="1" rIns="91425" wrap="square" tIns="91425">
+          <a:bodyPr spcFirstLastPara="1" wrap="square" lIns="91425" tIns="91425" rIns="91425" bIns="91425" anchor="t" anchorCtr="0">
             <a:noAutofit/>
           </a:bodyPr>
           <a:lstStyle>
-            <a:lvl1pPr indent="-298450" lvl="0" marL="457200">
+            <a:lvl1pPr marL="457200" lvl="0" indent="-298450">
               <a:spcBef>
                 <a:spcPts val="0"/>
               </a:spcBef>
@@ -385,7 +498,7 @@
               <a:buChar char="●"/>
               <a:defRPr sz="1100"/>
             </a:lvl1pPr>
-            <a:lvl2pPr indent="-298450" lvl="1" marL="914400">
+            <a:lvl2pPr marL="914400" lvl="1" indent="-298450">
               <a:spcBef>
                 <a:spcPts val="0"/>
               </a:spcBef>
@@ -396,7 +509,7 @@
               <a:buChar char="○"/>
               <a:defRPr sz="1100"/>
             </a:lvl2pPr>
-            <a:lvl3pPr indent="-298450" lvl="2" marL="1371600">
+            <a:lvl3pPr marL="1371600" lvl="2" indent="-298450">
               <a:spcBef>
                 <a:spcPts val="0"/>
               </a:spcBef>
@@ -407,7 +520,7 @@
               <a:buChar char="■"/>
               <a:defRPr sz="1100"/>
             </a:lvl3pPr>
-            <a:lvl4pPr indent="-298450" lvl="3" marL="1828800">
+            <a:lvl4pPr marL="1828800" lvl="3" indent="-298450">
               <a:spcBef>
                 <a:spcPts val="0"/>
               </a:spcBef>
@@ -418,7 +531,7 @@
               <a:buChar char="●"/>
               <a:defRPr sz="1100"/>
             </a:lvl4pPr>
-            <a:lvl5pPr indent="-298450" lvl="4" marL="2286000">
+            <a:lvl5pPr marL="2286000" lvl="4" indent="-298450">
               <a:spcBef>
                 <a:spcPts val="0"/>
               </a:spcBef>
@@ -429,7 +542,7 @@
               <a:buChar char="○"/>
               <a:defRPr sz="1100"/>
             </a:lvl5pPr>
-            <a:lvl6pPr indent="-298450" lvl="5" marL="2743200">
+            <a:lvl6pPr marL="2743200" lvl="5" indent="-298450">
               <a:spcBef>
                 <a:spcPts val="0"/>
               </a:spcBef>
@@ -440,7 +553,7 @@
               <a:buChar char="■"/>
               <a:defRPr sz="1100"/>
             </a:lvl6pPr>
-            <a:lvl7pPr indent="-298450" lvl="6" marL="3200400">
+            <a:lvl7pPr marL="3200400" lvl="6" indent="-298450">
               <a:spcBef>
                 <a:spcPts val="0"/>
               </a:spcBef>
@@ -451,7 +564,7 @@
               <a:buChar char="●"/>
               <a:defRPr sz="1100"/>
             </a:lvl7pPr>
-            <a:lvl8pPr indent="-298450" lvl="7" marL="3657600">
+            <a:lvl8pPr marL="3657600" lvl="7" indent="-298450">
               <a:spcBef>
                 <a:spcPts val="0"/>
               </a:spcBef>
@@ -462,7 +575,7 @@
               <a:buChar char="○"/>
               <a:defRPr sz="1100"/>
             </a:lvl8pPr>
-            <a:lvl9pPr indent="-298450" lvl="8" marL="4114800">
+            <a:lvl9pPr marL="4114800" lvl="8" indent="-298450">
               <a:spcBef>
                 <a:spcPts val="0"/>
               </a:spcBef>
@@ -474,14 +587,16 @@
               <a:defRPr sz="1100"/>
             </a:lvl9pPr>
           </a:lstStyle>
-          <a:p/>
+          <a:p>
+            <a:endParaRPr/>
+          </a:p>
         </p:txBody>
       </p:sp>
     </p:spTree>
   </p:cSld>
-  <p:clrMap accent1="accent1" accent2="accent2" accent3="accent3" accent4="accent4" accent5="accent5" accent6="accent6" bg1="lt1" bg2="dk2" tx1="dk1" tx2="lt2" folHlink="folHlink" hlink="hlink"/>
+  <p:clrMap bg1="lt1" tx1="dk1" bg2="dk2" tx2="lt2" accent1="accent1" accent2="accent2" accent3="accent3" accent4="accent4" accent5="accent5" accent6="accent6" hlink="hlink" folHlink="folHlink"/>
   <p:notesStyle>
-    <a:defPPr lvl="0" marR="0" rtl="0" algn="l">
+    <a:defPPr marR="0" lvl="0" algn="l" rtl="0">
       <a:lnSpc>
         <a:spcPct val="100000"/>
       </a:lnSpc>
@@ -492,7 +607,7 @@
         <a:spcPts val="0"/>
       </a:spcAft>
     </a:defPPr>
-    <a:lvl1pPr lvl="0" marR="0" rtl="0" algn="l">
+    <a:lvl1pPr marR="0" lvl="0" algn="l" rtl="0">
       <a:lnSpc>
         <a:spcPct val="100000"/>
       </a:lnSpc>
@@ -506,7 +621,7 @@
         <a:srgbClr val="000000"/>
       </a:buClr>
       <a:buFont typeface="Arial"/>
-      <a:defRPr b="0" i="0" sz="1400" u="none" cap="none" strike="noStrike">
+      <a:defRPr sz="1400" b="0" i="0" u="none" strike="noStrike" cap="none">
         <a:solidFill>
           <a:srgbClr val="000000"/>
         </a:solidFill>
@@ -516,7 +631,7 @@
         <a:sym typeface="Arial"/>
       </a:defRPr>
     </a:lvl1pPr>
-    <a:lvl2pPr lvl="1" marR="0" rtl="0" algn="l">
+    <a:lvl2pPr marR="0" lvl="1" algn="l" rtl="0">
       <a:lnSpc>
         <a:spcPct val="100000"/>
       </a:lnSpc>
@@ -530,7 +645,7 @@
         <a:srgbClr val="000000"/>
       </a:buClr>
       <a:buFont typeface="Arial"/>
-      <a:defRPr b="0" i="0" sz="1400" u="none" cap="none" strike="noStrike">
+      <a:defRPr sz="1400" b="0" i="0" u="none" strike="noStrike" cap="none">
         <a:solidFill>
           <a:srgbClr val="000000"/>
         </a:solidFill>
@@ -540,7 +655,7 @@
         <a:sym typeface="Arial"/>
       </a:defRPr>
     </a:lvl2pPr>
-    <a:lvl3pPr lvl="2" marR="0" rtl="0" algn="l">
+    <a:lvl3pPr marR="0" lvl="2" algn="l" rtl="0">
       <a:lnSpc>
         <a:spcPct val="100000"/>
       </a:lnSpc>
@@ -554,7 +669,7 @@
         <a:srgbClr val="000000"/>
       </a:buClr>
       <a:buFont typeface="Arial"/>
-      <a:defRPr b="0" i="0" sz="1400" u="none" cap="none" strike="noStrike">
+      <a:defRPr sz="1400" b="0" i="0" u="none" strike="noStrike" cap="none">
         <a:solidFill>
           <a:srgbClr val="000000"/>
         </a:solidFill>
@@ -564,7 +679,7 @@
         <a:sym typeface="Arial"/>
       </a:defRPr>
     </a:lvl3pPr>
-    <a:lvl4pPr lvl="3" marR="0" rtl="0" algn="l">
+    <a:lvl4pPr marR="0" lvl="3" algn="l" rtl="0">
       <a:lnSpc>
         <a:spcPct val="100000"/>
       </a:lnSpc>
@@ -578,7 +693,7 @@
         <a:srgbClr val="000000"/>
       </a:buClr>
       <a:buFont typeface="Arial"/>
-      <a:defRPr b="0" i="0" sz="1400" u="none" cap="none" strike="noStrike">
+      <a:defRPr sz="1400" b="0" i="0" u="none" strike="noStrike" cap="none">
         <a:solidFill>
           <a:srgbClr val="000000"/>
         </a:solidFill>
@@ -588,7 +703,7 @@
         <a:sym typeface="Arial"/>
       </a:defRPr>
     </a:lvl4pPr>
-    <a:lvl5pPr lvl="4" marR="0" rtl="0" algn="l">
+    <a:lvl5pPr marR="0" lvl="4" algn="l" rtl="0">
       <a:lnSpc>
         <a:spcPct val="100000"/>
       </a:lnSpc>
@@ -602,7 +717,7 @@
         <a:srgbClr val="000000"/>
       </a:buClr>
       <a:buFont typeface="Arial"/>
-      <a:defRPr b="0" i="0" sz="1400" u="none" cap="none" strike="noStrike">
+      <a:defRPr sz="1400" b="0" i="0" u="none" strike="noStrike" cap="none">
         <a:solidFill>
           <a:srgbClr val="000000"/>
         </a:solidFill>
@@ -612,7 +727,7 @@
         <a:sym typeface="Arial"/>
       </a:defRPr>
     </a:lvl5pPr>
-    <a:lvl6pPr lvl="5" marR="0" rtl="0" algn="l">
+    <a:lvl6pPr marR="0" lvl="5" algn="l" rtl="0">
       <a:lnSpc>
         <a:spcPct val="100000"/>
       </a:lnSpc>
@@ -626,7 +741,7 @@
         <a:srgbClr val="000000"/>
       </a:buClr>
       <a:buFont typeface="Arial"/>
-      <a:defRPr b="0" i="0" sz="1400" u="none" cap="none" strike="noStrike">
+      <a:defRPr sz="1400" b="0" i="0" u="none" strike="noStrike" cap="none">
         <a:solidFill>
           <a:srgbClr val="000000"/>
         </a:solidFill>
@@ -636,7 +751,7 @@
         <a:sym typeface="Arial"/>
       </a:defRPr>
     </a:lvl6pPr>
-    <a:lvl7pPr lvl="6" marR="0" rtl="0" algn="l">
+    <a:lvl7pPr marR="0" lvl="6" algn="l" rtl="0">
       <a:lnSpc>
         <a:spcPct val="100000"/>
       </a:lnSpc>
@@ -650,7 +765,7 @@
         <a:srgbClr val="000000"/>
       </a:buClr>
       <a:buFont typeface="Arial"/>
-      <a:defRPr b="0" i="0" sz="1400" u="none" cap="none" strike="noStrike">
+      <a:defRPr sz="1400" b="0" i="0" u="none" strike="noStrike" cap="none">
         <a:solidFill>
           <a:srgbClr val="000000"/>
         </a:solidFill>
@@ -660,7 +775,7 @@
         <a:sym typeface="Arial"/>
       </a:defRPr>
     </a:lvl7pPr>
-    <a:lvl8pPr lvl="7" marR="0" rtl="0" algn="l">
+    <a:lvl8pPr marR="0" lvl="7" algn="l" rtl="0">
       <a:lnSpc>
         <a:spcPct val="100000"/>
       </a:lnSpc>
@@ -674,7 +789,7 @@
         <a:srgbClr val="000000"/>
       </a:buClr>
       <a:buFont typeface="Arial"/>
-      <a:defRPr b="0" i="0" sz="1400" u="none" cap="none" strike="noStrike">
+      <a:defRPr sz="1400" b="0" i="0" u="none" strike="noStrike" cap="none">
         <a:solidFill>
           <a:srgbClr val="000000"/>
         </a:solidFill>
@@ -684,7 +799,7 @@
         <a:sym typeface="Arial"/>
       </a:defRPr>
     </a:lvl8pPr>
-    <a:lvl9pPr lvl="8" marR="0" rtl="0" algn="l">
+    <a:lvl9pPr marR="0" lvl="8" algn="l" rtl="0">
       <a:lnSpc>
         <a:spcPct val="100000"/>
       </a:lnSpc>
@@ -698,7 +813,7 @@
         <a:srgbClr val="000000"/>
       </a:buClr>
       <a:buFont typeface="Arial"/>
-      <a:defRPr b="0" i="0" sz="1400" u="none" cap="none" strike="noStrike">
+      <a:defRPr sz="1400" b="0" i="0" u="none" strike="noStrike" cap="none">
         <a:solidFill>
           <a:srgbClr val="000000"/>
         </a:solidFill>
@@ -713,11 +828,11 @@
 </file>
 
 <file path=ppt/notesSlides/notesSlide1.xml><?xml version="1.0" encoding="utf-8"?>
-<p:notes xmlns:a="http://schemas.openxmlformats.org/drawingml/2006/main" xmlns:r="http://schemas.openxmlformats.org/officeDocument/2006/relationships" xmlns:mc="http://schemas.openxmlformats.org/markup-compatibility/2006" xmlns:mv="urn:schemas-microsoft-com:mac:vml" xmlns:p="http://schemas.openxmlformats.org/presentationml/2006/main" xmlns:c="http://schemas.openxmlformats.org/drawingml/2006/chart" xmlns:dgm="http://schemas.openxmlformats.org/drawingml/2006/diagram" xmlns:o="urn:schemas-microsoft-com:office:office" xmlns:v="urn:schemas-microsoft-com:vml" xmlns:pvml="urn:schemas-microsoft-com:office:powerpoint" xmlns:com="http://schemas.openxmlformats.org/drawingml/2006/compatibility" xmlns:p14="http://schemas.microsoft.com/office/powerpoint/2010/main" xmlns:p15="http://schemas.microsoft.com/office/powerpoint/2012/main" xmlns:ahyp="http://schemas.microsoft.com/office/drawing/2018/hyperlinkcolor" showMasterPhAnim="0" showMasterSp="0">
+<p:notes xmlns:a="http://schemas.openxmlformats.org/drawingml/2006/main" xmlns:r="http://schemas.openxmlformats.org/officeDocument/2006/relationships" xmlns:p="http://schemas.openxmlformats.org/presentationml/2006/main" showMasterSp="0" showMasterPhAnim="0">
   <p:cSld>
     <p:spTree>
       <p:nvGrpSpPr>
-        <p:cNvPr id="58" name="Shape 58"/>
+        <p:cNvPr id="1" name="Shape 58"/>
         <p:cNvGrpSpPr/>
         <p:nvPr/>
       </p:nvGrpSpPr>
@@ -732,9 +847,11 @@
       <p:sp>
         <p:nvSpPr>
           <p:cNvPr id="59" name="Google Shape;59;p:notes"/>
-          <p:cNvSpPr/>
+          <p:cNvSpPr>
+            <a:spLocks noGrp="1" noRot="1" noChangeAspect="1"/>
+          </p:cNvSpPr>
           <p:nvPr>
-            <p:ph idx="2" type="sldImg"/>
+            <p:ph type="sldImg" idx="2"/>
           </p:nvPr>
         </p:nvSpPr>
         <p:spPr>
@@ -743,9 +860,13 @@
             <a:ext cx="4286400" cy="3429000"/>
           </a:xfrm>
           <a:custGeom>
-            <a:rect b="b" l="l" r="r" t="t"/>
+            <a:avLst/>
+            <a:gdLst/>
+            <a:ahLst/>
+            <a:cxnLst/>
+            <a:rect l="l" t="t" r="r" b="b"/>
             <a:pathLst>
-              <a:path extrusionOk="0" h="120000" w="120000">
+              <a:path w="120000" h="120000" extrusionOk="0">
                 <a:moveTo>
                   <a:pt x="0" y="0"/>
                 </a:moveTo>
@@ -767,9 +888,11 @@
       <p:sp>
         <p:nvSpPr>
           <p:cNvPr id="60" name="Google Shape;60;p:notes"/>
-          <p:cNvSpPr txBox="1"/>
+          <p:cNvSpPr txBox="1">
+            <a:spLocks noGrp="1"/>
+          </p:cNvSpPr>
           <p:nvPr>
-            <p:ph idx="1" type="body"/>
+            <p:ph type="body" idx="1"/>
           </p:nvPr>
         </p:nvSpPr>
         <p:spPr>
@@ -782,12 +905,12 @@
           </a:prstGeom>
         </p:spPr>
         <p:txBody>
-          <a:bodyPr anchorCtr="0" anchor="t" bIns="91425" lIns="91425" spcFirstLastPara="1" rIns="91425" wrap="square" tIns="91425">
+          <a:bodyPr spcFirstLastPara="1" wrap="square" lIns="91425" tIns="91425" rIns="91425" bIns="91425" anchor="t" anchorCtr="0">
             <a:noAutofit/>
           </a:bodyPr>
           <a:lstStyle/>
           <a:p>
-            <a:pPr indent="0" lvl="0" marL="0" rtl="0" algn="l">
+            <a:pPr marL="0" lvl="0" indent="0" algn="l" rtl="0">
               <a:spcBef>
                 <a:spcPts val="0"/>
               </a:spcBef>
@@ -796,9 +919,6 @@
               </a:spcAft>
               <a:buNone/>
             </a:pPr>
-            <a:r>
-              <a:t/>
-            </a:r>
             <a:endParaRPr/>
           </a:p>
         </p:txBody>
@@ -812,11 +932,11 @@
 </file>
 
 <file path=ppt/notesSlides/notesSlide2.xml><?xml version="1.0" encoding="utf-8"?>
-<p:notes xmlns:a="http://schemas.openxmlformats.org/drawingml/2006/main" xmlns:r="http://schemas.openxmlformats.org/officeDocument/2006/relationships" xmlns:mc="http://schemas.openxmlformats.org/markup-compatibility/2006" xmlns:mv="urn:schemas-microsoft-com:mac:vml" xmlns:p="http://schemas.openxmlformats.org/presentationml/2006/main" xmlns:c="http://schemas.openxmlformats.org/drawingml/2006/chart" xmlns:dgm="http://schemas.openxmlformats.org/drawingml/2006/diagram" xmlns:o="urn:schemas-microsoft-com:office:office" xmlns:v="urn:schemas-microsoft-com:vml" xmlns:pvml="urn:schemas-microsoft-com:office:powerpoint" xmlns:com="http://schemas.openxmlformats.org/drawingml/2006/compatibility" xmlns:p14="http://schemas.microsoft.com/office/powerpoint/2010/main" xmlns:p15="http://schemas.microsoft.com/office/powerpoint/2012/main" xmlns:ahyp="http://schemas.microsoft.com/office/drawing/2018/hyperlinkcolor" showMasterPhAnim="0" showMasterSp="0">
+<p:notes xmlns:a="http://schemas.openxmlformats.org/drawingml/2006/main" xmlns:r="http://schemas.openxmlformats.org/officeDocument/2006/relationships" xmlns:p="http://schemas.openxmlformats.org/presentationml/2006/main" showMasterSp="0" showMasterPhAnim="0">
   <p:cSld>
     <p:spTree>
       <p:nvGrpSpPr>
-        <p:cNvPr id="64" name="Shape 64"/>
+        <p:cNvPr id="1" name="Shape 64"/>
         <p:cNvGrpSpPr/>
         <p:nvPr/>
       </p:nvGrpSpPr>
@@ -831,20 +951,26 @@
       <p:sp>
         <p:nvSpPr>
           <p:cNvPr id="65" name="Google Shape;65;g2881ff39d0b_1_0:notes"/>
-          <p:cNvSpPr/>
+          <p:cNvSpPr>
+            <a:spLocks noGrp="1" noRot="1" noChangeAspect="1"/>
+          </p:cNvSpPr>
           <p:nvPr>
-            <p:ph idx="2" type="sldImg"/>
+            <p:ph type="sldImg" idx="2"/>
           </p:nvPr>
         </p:nvSpPr>
         <p:spPr>
           <a:xfrm>
-            <a:off x="1286122" y="685800"/>
-            <a:ext cx="4286400" cy="3429000"/>
+            <a:off x="1285875" y="685800"/>
+            <a:ext cx="4286250" cy="3429000"/>
           </a:xfrm>
           <a:custGeom>
-            <a:rect b="b" l="l" r="r" t="t"/>
+            <a:avLst/>
+            <a:gdLst/>
+            <a:ahLst/>
+            <a:cxnLst/>
+            <a:rect l="l" t="t" r="r" b="b"/>
             <a:pathLst>
-              <a:path extrusionOk="0" h="120000" w="120000">
+              <a:path w="120000" h="120000" extrusionOk="0">
                 <a:moveTo>
                   <a:pt x="0" y="0"/>
                 </a:moveTo>
@@ -866,9 +992,11 @@
       <p:sp>
         <p:nvSpPr>
           <p:cNvPr id="66" name="Google Shape;66;g2881ff39d0b_1_0:notes"/>
-          <p:cNvSpPr txBox="1"/>
+          <p:cNvSpPr txBox="1">
+            <a:spLocks noGrp="1"/>
+          </p:cNvSpPr>
           <p:nvPr>
-            <p:ph idx="1" type="body"/>
+            <p:ph type="body" idx="1"/>
           </p:nvPr>
         </p:nvSpPr>
         <p:spPr>
@@ -881,12 +1009,12 @@
           </a:prstGeom>
         </p:spPr>
         <p:txBody>
-          <a:bodyPr anchorCtr="0" anchor="t" bIns="91425" lIns="91425" spcFirstLastPara="1" rIns="91425" wrap="square" tIns="91425">
+          <a:bodyPr spcFirstLastPara="1" wrap="square" lIns="91425" tIns="91425" rIns="91425" bIns="91425" anchor="t" anchorCtr="0">
             <a:noAutofit/>
           </a:bodyPr>
           <a:lstStyle/>
           <a:p>
-            <a:pPr indent="0" lvl="0" marL="0" rtl="0" algn="l">
+            <a:pPr marL="0" lvl="0" indent="0" algn="l" rtl="0">
               <a:spcBef>
                 <a:spcPts val="0"/>
               </a:spcBef>
@@ -895,9 +1023,6 @@
               </a:spcAft>
               <a:buNone/>
             </a:pPr>
-            <a:r>
-              <a:t/>
-            </a:r>
             <a:endParaRPr/>
           </a:p>
         </p:txBody>
@@ -911,11 +1036,11 @@
 </file>
 
 <file path=ppt/notesSlides/notesSlide3.xml><?xml version="1.0" encoding="utf-8"?>
-<p:notes xmlns:a="http://schemas.openxmlformats.org/drawingml/2006/main" xmlns:r="http://schemas.openxmlformats.org/officeDocument/2006/relationships" xmlns:mc="http://schemas.openxmlformats.org/markup-compatibility/2006" xmlns:mv="urn:schemas-microsoft-com:mac:vml" xmlns:p="http://schemas.openxmlformats.org/presentationml/2006/main" xmlns:c="http://schemas.openxmlformats.org/drawingml/2006/chart" xmlns:dgm="http://schemas.openxmlformats.org/drawingml/2006/diagram" xmlns:o="urn:schemas-microsoft-com:office:office" xmlns:v="urn:schemas-microsoft-com:vml" xmlns:pvml="urn:schemas-microsoft-com:office:powerpoint" xmlns:com="http://schemas.openxmlformats.org/drawingml/2006/compatibility" xmlns:p14="http://schemas.microsoft.com/office/powerpoint/2010/main" xmlns:p15="http://schemas.microsoft.com/office/powerpoint/2012/main" xmlns:ahyp="http://schemas.microsoft.com/office/drawing/2018/hyperlinkcolor" showMasterPhAnim="0" showMasterSp="0">
+<p:notes xmlns:a="http://schemas.openxmlformats.org/drawingml/2006/main" xmlns:r="http://schemas.openxmlformats.org/officeDocument/2006/relationships" xmlns:p="http://schemas.openxmlformats.org/presentationml/2006/main" showMasterSp="0" showMasterPhAnim="0">
   <p:cSld>
     <p:spTree>
       <p:nvGrpSpPr>
-        <p:cNvPr id="78" name="Shape 78"/>
+        <p:cNvPr id="1" name="Shape 78"/>
         <p:cNvGrpSpPr/>
         <p:nvPr/>
       </p:nvGrpSpPr>
@@ -930,20 +1055,26 @@
       <p:sp>
         <p:nvSpPr>
           <p:cNvPr id="79" name="Google Shape;79;g28816c6bcec_0_100:notes"/>
-          <p:cNvSpPr/>
+          <p:cNvSpPr>
+            <a:spLocks noGrp="1" noRot="1" noChangeAspect="1"/>
+          </p:cNvSpPr>
           <p:nvPr>
-            <p:ph idx="2" type="sldImg"/>
+            <p:ph type="sldImg" idx="2"/>
           </p:nvPr>
         </p:nvSpPr>
         <p:spPr>
           <a:xfrm>
-            <a:off x="1286122" y="685800"/>
-            <a:ext cx="4286400" cy="3429000"/>
+            <a:off x="1285875" y="685800"/>
+            <a:ext cx="4286250" cy="3429000"/>
           </a:xfrm>
           <a:custGeom>
-            <a:rect b="b" l="l" r="r" t="t"/>
+            <a:avLst/>
+            <a:gdLst/>
+            <a:ahLst/>
+            <a:cxnLst/>
+            <a:rect l="l" t="t" r="r" b="b"/>
             <a:pathLst>
-              <a:path extrusionOk="0" h="120000" w="120000">
+              <a:path w="120000" h="120000" extrusionOk="0">
                 <a:moveTo>
                   <a:pt x="0" y="0"/>
                 </a:moveTo>
@@ -965,9 +1096,11 @@
       <p:sp>
         <p:nvSpPr>
           <p:cNvPr id="80" name="Google Shape;80;g28816c6bcec_0_100:notes"/>
-          <p:cNvSpPr txBox="1"/>
+          <p:cNvSpPr txBox="1">
+            <a:spLocks noGrp="1"/>
+          </p:cNvSpPr>
           <p:nvPr>
-            <p:ph idx="1" type="body"/>
+            <p:ph type="body" idx="1"/>
           </p:nvPr>
         </p:nvSpPr>
         <p:spPr>
@@ -980,12 +1113,12 @@
           </a:prstGeom>
         </p:spPr>
         <p:txBody>
-          <a:bodyPr anchorCtr="0" anchor="t" bIns="91425" lIns="91425" spcFirstLastPara="1" rIns="91425" wrap="square" tIns="91425">
+          <a:bodyPr spcFirstLastPara="1" wrap="square" lIns="91425" tIns="91425" rIns="91425" bIns="91425" anchor="t" anchorCtr="0">
             <a:noAutofit/>
           </a:bodyPr>
           <a:lstStyle/>
           <a:p>
-            <a:pPr indent="0" lvl="0" marL="0" rtl="0" algn="l">
+            <a:pPr marL="0" lvl="0" indent="0" algn="l" rtl="0">
               <a:spcBef>
                 <a:spcPts val="0"/>
               </a:spcBef>
@@ -994,9 +1127,6 @@
               </a:spcAft>
               <a:buNone/>
             </a:pPr>
-            <a:r>
-              <a:t/>
-            </a:r>
             <a:endParaRPr/>
           </a:p>
         </p:txBody>
@@ -1010,11 +1140,11 @@
 </file>
 
 <file path=ppt/notesSlides/notesSlide4.xml><?xml version="1.0" encoding="utf-8"?>
-<p:notes xmlns:a="http://schemas.openxmlformats.org/drawingml/2006/main" xmlns:r="http://schemas.openxmlformats.org/officeDocument/2006/relationships" xmlns:mc="http://schemas.openxmlformats.org/markup-compatibility/2006" xmlns:mv="urn:schemas-microsoft-com:mac:vml" xmlns:p="http://schemas.openxmlformats.org/presentationml/2006/main" xmlns:c="http://schemas.openxmlformats.org/drawingml/2006/chart" xmlns:dgm="http://schemas.openxmlformats.org/drawingml/2006/diagram" xmlns:o="urn:schemas-microsoft-com:office:office" xmlns:v="urn:schemas-microsoft-com:vml" xmlns:pvml="urn:schemas-microsoft-com:office:powerpoint" xmlns:com="http://schemas.openxmlformats.org/drawingml/2006/compatibility" xmlns:p14="http://schemas.microsoft.com/office/powerpoint/2010/main" xmlns:p15="http://schemas.microsoft.com/office/powerpoint/2012/main" xmlns:ahyp="http://schemas.microsoft.com/office/drawing/2018/hyperlinkcolor" showMasterPhAnim="0" showMasterSp="0">
+<p:notes xmlns:a="http://schemas.openxmlformats.org/drawingml/2006/main" xmlns:r="http://schemas.openxmlformats.org/officeDocument/2006/relationships" xmlns:p="http://schemas.openxmlformats.org/presentationml/2006/main" showMasterSp="0" showMasterPhAnim="0">
   <p:cSld>
     <p:spTree>
       <p:nvGrpSpPr>
-        <p:cNvPr id="93" name="Shape 93"/>
+        <p:cNvPr id="1" name="Shape 93"/>
         <p:cNvGrpSpPr/>
         <p:nvPr/>
       </p:nvGrpSpPr>
@@ -1029,20 +1159,26 @@
       <p:sp>
         <p:nvSpPr>
           <p:cNvPr id="94" name="Google Shape;94;g2881ff39d0b_1_4:notes"/>
-          <p:cNvSpPr/>
+          <p:cNvSpPr>
+            <a:spLocks noGrp="1" noRot="1" noChangeAspect="1"/>
+          </p:cNvSpPr>
           <p:nvPr>
-            <p:ph idx="2" type="sldImg"/>
+            <p:ph type="sldImg" idx="2"/>
           </p:nvPr>
         </p:nvSpPr>
         <p:spPr>
           <a:xfrm>
-            <a:off x="1286122" y="685800"/>
-            <a:ext cx="4286400" cy="3429000"/>
+            <a:off x="1285875" y="685800"/>
+            <a:ext cx="4286250" cy="3429000"/>
           </a:xfrm>
           <a:custGeom>
-            <a:rect b="b" l="l" r="r" t="t"/>
+            <a:avLst/>
+            <a:gdLst/>
+            <a:ahLst/>
+            <a:cxnLst/>
+            <a:rect l="l" t="t" r="r" b="b"/>
             <a:pathLst>
-              <a:path extrusionOk="0" h="120000" w="120000">
+              <a:path w="120000" h="120000" extrusionOk="0">
                 <a:moveTo>
                   <a:pt x="0" y="0"/>
                 </a:moveTo>
@@ -1064,9 +1200,11 @@
       <p:sp>
         <p:nvSpPr>
           <p:cNvPr id="95" name="Google Shape;95;g2881ff39d0b_1_4:notes"/>
-          <p:cNvSpPr txBox="1"/>
+          <p:cNvSpPr txBox="1">
+            <a:spLocks noGrp="1"/>
+          </p:cNvSpPr>
           <p:nvPr>
-            <p:ph idx="1" type="body"/>
+            <p:ph type="body" idx="1"/>
           </p:nvPr>
         </p:nvSpPr>
         <p:spPr>
@@ -1079,12 +1217,12 @@
           </a:prstGeom>
         </p:spPr>
         <p:txBody>
-          <a:bodyPr anchorCtr="0" anchor="t" bIns="91425" lIns="91425" spcFirstLastPara="1" rIns="91425" wrap="square" tIns="91425">
+          <a:bodyPr spcFirstLastPara="1" wrap="square" lIns="91425" tIns="91425" rIns="91425" bIns="91425" anchor="t" anchorCtr="0">
             <a:noAutofit/>
           </a:bodyPr>
           <a:lstStyle/>
           <a:p>
-            <a:pPr indent="0" lvl="0" marL="0" rtl="0" algn="l">
+            <a:pPr marL="0" lvl="0" indent="0" algn="l" rtl="0">
               <a:spcBef>
                 <a:spcPts val="0"/>
               </a:spcBef>
@@ -1093,9 +1231,6 @@
               </a:spcAft>
               <a:buNone/>
             </a:pPr>
-            <a:r>
-              <a:t/>
-            </a:r>
             <a:endParaRPr/>
           </a:p>
         </p:txBody>
@@ -1109,11 +1244,11 @@
 </file>
 
 <file path=ppt/slideLayouts/slideLayout1.xml><?xml version="1.0" encoding="utf-8"?>
-<p:sldLayout xmlns:a="http://schemas.openxmlformats.org/drawingml/2006/main" xmlns:r="http://schemas.openxmlformats.org/officeDocument/2006/relationships" xmlns:mc="http://schemas.openxmlformats.org/markup-compatibility/2006" xmlns:mv="urn:schemas-microsoft-com:mac:vml" xmlns:p="http://schemas.openxmlformats.org/presentationml/2006/main" xmlns:c="http://schemas.openxmlformats.org/drawingml/2006/chart" xmlns:dgm="http://schemas.openxmlformats.org/drawingml/2006/diagram" xmlns:o="urn:schemas-microsoft-com:office:office" xmlns:v="urn:schemas-microsoft-com:vml" xmlns:pvml="urn:schemas-microsoft-com:office:powerpoint" xmlns:com="http://schemas.openxmlformats.org/drawingml/2006/compatibility" xmlns:p14="http://schemas.microsoft.com/office/powerpoint/2010/main" xmlns:p15="http://schemas.microsoft.com/office/powerpoint/2012/main" xmlns:ahyp="http://schemas.microsoft.com/office/drawing/2018/hyperlinkcolor" matchingName="Title slide" type="title">
+<p:sldLayout xmlns:a="http://schemas.openxmlformats.org/drawingml/2006/main" xmlns:r="http://schemas.openxmlformats.org/officeDocument/2006/relationships" xmlns:p="http://schemas.openxmlformats.org/presentationml/2006/main" matchingName="Title slide" type="title">
   <p:cSld name="TITLE">
     <p:spTree>
       <p:nvGrpSpPr>
-        <p:cNvPr id="9" name="Shape 9"/>
+        <p:cNvPr id="1" name="Shape 9"/>
         <p:cNvGrpSpPr/>
         <p:nvPr/>
       </p:nvGrpSpPr>
@@ -1137,9 +1272,13 @@
             <a:ext cx="1064643" cy="1574818"/>
           </a:xfrm>
           <a:custGeom>
-            <a:rect b="b" l="l" r="r" t="t"/>
+            <a:avLst/>
+            <a:gdLst/>
+            <a:ahLst/>
+            <a:cxnLst/>
+            <a:rect l="l" t="t" r="r" b="b"/>
             <a:pathLst>
-              <a:path extrusionOk="0" h="44998" w="43265">
+              <a:path w="43265" h="44998" extrusionOk="0">
                 <a:moveTo>
                   <a:pt x="0" y="44998"/>
                 </a:moveTo>
@@ -1153,14 +1292,14 @@
             </a:pathLst>
           </a:custGeom>
           <a:noFill/>
-          <a:ln cap="flat" cmpd="sng" w="28575">
+          <a:ln w="28575" cap="flat" cmpd="sng">
             <a:solidFill>
               <a:schemeClr val="lt2"/>
             </a:solidFill>
             <a:prstDash val="solid"/>
             <a:miter lim="8000"/>
-            <a:headEnd len="sm" w="sm" type="none"/>
-            <a:tailEnd len="sm" w="sm" type="none"/>
+            <a:headEnd type="none" w="sm" len="sm"/>
+            <a:tailEnd type="none" w="sm" len="sm"/>
           </a:ln>
         </p:spPr>
       </p:sp>
@@ -1176,9 +1315,13 @@
             <a:ext cx="1064643" cy="1574818"/>
           </a:xfrm>
           <a:custGeom>
-            <a:rect b="b" l="l" r="r" t="t"/>
+            <a:avLst/>
+            <a:gdLst/>
+            <a:ahLst/>
+            <a:cxnLst/>
+            <a:rect l="l" t="t" r="r" b="b"/>
             <a:pathLst>
-              <a:path extrusionOk="0" h="44998" w="43265">
+              <a:path w="43265" h="44998" extrusionOk="0">
                 <a:moveTo>
                   <a:pt x="0" y="44998"/>
                 </a:moveTo>
@@ -1192,21 +1335,23 @@
             </a:pathLst>
           </a:custGeom>
           <a:noFill/>
-          <a:ln cap="flat" cmpd="sng" w="28575">
+          <a:ln w="28575" cap="flat" cmpd="sng">
             <a:solidFill>
               <a:schemeClr val="lt2"/>
             </a:solidFill>
             <a:prstDash val="solid"/>
             <a:miter lim="8000"/>
-            <a:headEnd len="sm" w="sm" type="none"/>
-            <a:tailEnd len="sm" w="sm" type="none"/>
+            <a:headEnd type="none" w="sm" len="sm"/>
+            <a:tailEnd type="none" w="sm" len="sm"/>
           </a:ln>
         </p:spPr>
       </p:sp>
       <p:sp>
         <p:nvSpPr>
           <p:cNvPr id="12" name="Google Shape;12;p2"/>
-          <p:cNvSpPr txBox="1"/>
+          <p:cNvSpPr txBox="1">
+            <a:spLocks noGrp="1"/>
+          </p:cNvSpPr>
           <p:nvPr>
             <p:ph type="ctrTitle"/>
           </p:nvPr>
@@ -1221,7 +1366,7 @@
           </a:prstGeom>
         </p:spPr>
         <p:txBody>
-          <a:bodyPr anchorCtr="0" anchor="b" bIns="91425" lIns="91425" spcFirstLastPara="1" rIns="91425" wrap="square" tIns="91425">
+          <a:bodyPr spcFirstLastPara="1" wrap="square" lIns="91425" tIns="91425" rIns="91425" bIns="91425" anchor="b" anchorCtr="0">
             <a:normAutofit/>
           </a:bodyPr>
           <a:lstStyle>
@@ -1325,15 +1470,19 @@
               <a:defRPr/>
             </a:lvl9pPr>
           </a:lstStyle>
-          <a:p/>
+          <a:p>
+            <a:endParaRPr/>
+          </a:p>
         </p:txBody>
       </p:sp>
       <p:sp>
         <p:nvSpPr>
           <p:cNvPr id="13" name="Google Shape;13;p2"/>
-          <p:cNvSpPr txBox="1"/>
+          <p:cNvSpPr txBox="1">
+            <a:spLocks noGrp="1"/>
+          </p:cNvSpPr>
           <p:nvPr>
-            <p:ph idx="1" type="subTitle"/>
+            <p:ph type="subTitle" idx="1"/>
           </p:nvPr>
         </p:nvSpPr>
         <p:spPr>
@@ -1346,7 +1495,7 @@
           </a:prstGeom>
         </p:spPr>
         <p:txBody>
-          <a:bodyPr anchorCtr="0" anchor="t" bIns="91425" lIns="91425" spcFirstLastPara="1" rIns="91425" wrap="square" tIns="91425">
+          <a:bodyPr spcFirstLastPara="1" wrap="square" lIns="91425" tIns="91425" rIns="91425" bIns="91425" anchor="t" anchorCtr="0">
             <a:normAutofit/>
           </a:bodyPr>
           <a:lstStyle>
@@ -1531,15 +1680,19 @@
               </a:defRPr>
             </a:lvl9pPr>
           </a:lstStyle>
-          <a:p/>
+          <a:p>
+            <a:endParaRPr/>
+          </a:p>
         </p:txBody>
       </p:sp>
       <p:sp>
         <p:nvSpPr>
           <p:cNvPr id="14" name="Google Shape;14;p2"/>
-          <p:cNvSpPr txBox="1"/>
+          <p:cNvSpPr txBox="1">
+            <a:spLocks noGrp="1"/>
+          </p:cNvSpPr>
           <p:nvPr>
-            <p:ph idx="12" type="sldNum"/>
+            <p:ph type="sldNum" idx="12"/>
           </p:nvPr>
         </p:nvSpPr>
         <p:spPr>
@@ -1552,7 +1705,7 @@
           </a:prstGeom>
         </p:spPr>
         <p:txBody>
-          <a:bodyPr anchorCtr="0" anchor="ctr" bIns="91425" lIns="91425" spcFirstLastPara="1" rIns="91425" wrap="square" tIns="91425">
+          <a:bodyPr spcFirstLastPara="1" wrap="square" lIns="91425" tIns="91425" rIns="91425" bIns="91425" anchor="ctr" anchorCtr="0">
             <a:normAutofit/>
           </a:bodyPr>
           <a:lstStyle>
@@ -1594,7 +1747,7 @@
             </a:lvl9pPr>
           </a:lstStyle>
           <a:p>
-            <a:pPr indent="0" lvl="0" marL="0" rtl="0" algn="r">
+            <a:pPr marL="0" lvl="0" indent="0" algn="r" rtl="0">
               <a:spcBef>
                 <a:spcPts val="0"/>
               </a:spcBef>
@@ -1605,7 +1758,7 @@
             </a:pPr>
             <a:fld id="{00000000-1234-1234-1234-123412341234}" type="slidenum">
               <a:rPr lang="fr"/>
-              <a:t>‹#›</a:t>
+              <a:t>‹N°›</a:t>
             </a:fld>
             <a:endParaRPr/>
           </a:p>
@@ -1620,11 +1773,11 @@
 </file>
 
 <file path=ppt/slideLayouts/slideLayout10.xml><?xml version="1.0" encoding="utf-8"?>
-<p:sldLayout xmlns:a="http://schemas.openxmlformats.org/drawingml/2006/main" xmlns:r="http://schemas.openxmlformats.org/officeDocument/2006/relationships" xmlns:mc="http://schemas.openxmlformats.org/markup-compatibility/2006" xmlns:mv="urn:schemas-microsoft-com:mac:vml" xmlns:p="http://schemas.openxmlformats.org/presentationml/2006/main" xmlns:c="http://schemas.openxmlformats.org/drawingml/2006/chart" xmlns:dgm="http://schemas.openxmlformats.org/drawingml/2006/diagram" xmlns:o="urn:schemas-microsoft-com:office:office" xmlns:v="urn:schemas-microsoft-com:vml" xmlns:pvml="urn:schemas-microsoft-com:office:powerpoint" xmlns:com="http://schemas.openxmlformats.org/drawingml/2006/compatibility" xmlns:p14="http://schemas.microsoft.com/office/powerpoint/2010/main" xmlns:p15="http://schemas.microsoft.com/office/powerpoint/2012/main" xmlns:ahyp="http://schemas.microsoft.com/office/drawing/2018/hyperlinkcolor" matchingName="Big number">
+<p:sldLayout xmlns:a="http://schemas.openxmlformats.org/drawingml/2006/main" xmlns:r="http://schemas.openxmlformats.org/officeDocument/2006/relationships" xmlns:p="http://schemas.openxmlformats.org/presentationml/2006/main" matchingName="Big number">
   <p:cSld name="BIG_NUMBER">
     <p:spTree>
       <p:nvGrpSpPr>
-        <p:cNvPr id="51" name="Shape 51"/>
+        <p:cNvPr id="1" name="Shape 51"/>
         <p:cNvGrpSpPr/>
         <p:nvPr/>
       </p:nvGrpSpPr>
@@ -1658,12 +1811,12 @@
           </a:ln>
         </p:spPr>
         <p:txBody>
-          <a:bodyPr anchorCtr="0" anchor="ctr" bIns="91425" lIns="91425" spcFirstLastPara="1" rIns="91425" wrap="square" tIns="91425">
+          <a:bodyPr spcFirstLastPara="1" wrap="square" lIns="91425" tIns="91425" rIns="91425" bIns="91425" anchor="ctr" anchorCtr="0">
             <a:noAutofit/>
           </a:bodyPr>
           <a:lstStyle/>
           <a:p>
-            <a:pPr indent="0" lvl="0" marL="0" rtl="0" algn="l">
+            <a:pPr marL="0" lvl="0" indent="0" algn="l" rtl="0">
               <a:spcBef>
                 <a:spcPts val="0"/>
               </a:spcBef>
@@ -1672,9 +1825,6 @@
               </a:spcAft>
               <a:buNone/>
             </a:pPr>
-            <a:r>
-              <a:t/>
-            </a:r>
             <a:endParaRPr/>
           </a:p>
         </p:txBody>
@@ -1682,9 +1832,11 @@
       <p:sp>
         <p:nvSpPr>
           <p:cNvPr id="53" name="Google Shape;53;p11"/>
-          <p:cNvSpPr txBox="1"/>
+          <p:cNvSpPr txBox="1">
+            <a:spLocks noGrp="1"/>
+          </p:cNvSpPr>
           <p:nvPr>
-            <p:ph hasCustomPrompt="1" type="title"/>
+            <p:ph type="title" hasCustomPrompt="1"/>
           </p:nvPr>
         </p:nvSpPr>
         <p:spPr>
@@ -1697,7 +1849,7 @@
           </a:prstGeom>
         </p:spPr>
         <p:txBody>
-          <a:bodyPr anchorCtr="0" anchor="ctr" bIns="91425" lIns="91425" spcFirstLastPara="1" rIns="91425" wrap="square" tIns="91425">
+          <a:bodyPr spcFirstLastPara="1" wrap="square" lIns="91425" tIns="91425" rIns="91425" bIns="91425" anchor="ctr" anchorCtr="0">
             <a:normAutofit/>
           </a:bodyPr>
           <a:lstStyle>
@@ -1874,9 +2026,11 @@
       <p:sp>
         <p:nvSpPr>
           <p:cNvPr id="54" name="Google Shape;54;p11"/>
-          <p:cNvSpPr txBox="1"/>
+          <p:cNvSpPr txBox="1">
+            <a:spLocks noGrp="1"/>
+          </p:cNvSpPr>
           <p:nvPr>
-            <p:ph idx="1" type="body"/>
+            <p:ph type="body" idx="1"/>
           </p:nvPr>
         </p:nvSpPr>
         <p:spPr>
@@ -1889,11 +2043,11 @@
           </a:prstGeom>
         </p:spPr>
         <p:txBody>
-          <a:bodyPr anchorCtr="0" anchor="t" bIns="91425" lIns="91425" spcFirstLastPara="1" rIns="91425" wrap="square" tIns="91425">
+          <a:bodyPr spcFirstLastPara="1" wrap="square" lIns="91425" tIns="91425" rIns="91425" bIns="91425" anchor="t" anchorCtr="0">
             <a:normAutofit/>
           </a:bodyPr>
           <a:lstStyle>
-            <a:lvl1pPr indent="-342900" lvl="0" marL="457200" algn="ctr">
+            <a:lvl1pPr marL="457200" lvl="0" indent="-342900" algn="ctr">
               <a:spcBef>
                 <a:spcPts val="0"/>
               </a:spcBef>
@@ -1904,7 +2058,7 @@
               <a:buChar char="●"/>
               <a:defRPr/>
             </a:lvl1pPr>
-            <a:lvl2pPr indent="-317500" lvl="1" marL="914400" algn="ctr">
+            <a:lvl2pPr marL="914400" lvl="1" indent="-317500" algn="ctr">
               <a:spcBef>
                 <a:spcPts val="0"/>
               </a:spcBef>
@@ -1915,7 +2069,7 @@
               <a:buChar char="○"/>
               <a:defRPr/>
             </a:lvl2pPr>
-            <a:lvl3pPr indent="-317500" lvl="2" marL="1371600" algn="ctr">
+            <a:lvl3pPr marL="1371600" lvl="2" indent="-317500" algn="ctr">
               <a:spcBef>
                 <a:spcPts val="0"/>
               </a:spcBef>
@@ -1926,7 +2080,7 @@
               <a:buChar char="■"/>
               <a:defRPr/>
             </a:lvl3pPr>
-            <a:lvl4pPr indent="-317500" lvl="3" marL="1828800" algn="ctr">
+            <a:lvl4pPr marL="1828800" lvl="3" indent="-317500" algn="ctr">
               <a:spcBef>
                 <a:spcPts val="0"/>
               </a:spcBef>
@@ -1937,7 +2091,7 @@
               <a:buChar char="●"/>
               <a:defRPr/>
             </a:lvl4pPr>
-            <a:lvl5pPr indent="-317500" lvl="4" marL="2286000" algn="ctr">
+            <a:lvl5pPr marL="2286000" lvl="4" indent="-317500" algn="ctr">
               <a:spcBef>
                 <a:spcPts val="0"/>
               </a:spcBef>
@@ -1948,7 +2102,7 @@
               <a:buChar char="○"/>
               <a:defRPr/>
             </a:lvl5pPr>
-            <a:lvl6pPr indent="-317500" lvl="5" marL="2743200" algn="ctr">
+            <a:lvl6pPr marL="2743200" lvl="5" indent="-317500" algn="ctr">
               <a:spcBef>
                 <a:spcPts val="0"/>
               </a:spcBef>
@@ -1959,7 +2113,7 @@
               <a:buChar char="■"/>
               <a:defRPr/>
             </a:lvl6pPr>
-            <a:lvl7pPr indent="-317500" lvl="6" marL="3200400" algn="ctr">
+            <a:lvl7pPr marL="3200400" lvl="6" indent="-317500" algn="ctr">
               <a:spcBef>
                 <a:spcPts val="0"/>
               </a:spcBef>
@@ -1970,7 +2124,7 @@
               <a:buChar char="●"/>
               <a:defRPr/>
             </a:lvl7pPr>
-            <a:lvl8pPr indent="-317500" lvl="7" marL="3657600" algn="ctr">
+            <a:lvl8pPr marL="3657600" lvl="7" indent="-317500" algn="ctr">
               <a:spcBef>
                 <a:spcPts val="0"/>
               </a:spcBef>
@@ -1981,7 +2135,7 @@
               <a:buChar char="○"/>
               <a:defRPr/>
             </a:lvl8pPr>
-            <a:lvl9pPr indent="-317500" lvl="8" marL="4114800" algn="ctr">
+            <a:lvl9pPr marL="4114800" lvl="8" indent="-317500" algn="ctr">
               <a:spcBef>
                 <a:spcPts val="0"/>
               </a:spcBef>
@@ -1993,15 +2147,19 @@
               <a:defRPr/>
             </a:lvl9pPr>
           </a:lstStyle>
-          <a:p/>
+          <a:p>
+            <a:endParaRPr/>
+          </a:p>
         </p:txBody>
       </p:sp>
       <p:sp>
         <p:nvSpPr>
           <p:cNvPr id="55" name="Google Shape;55;p11"/>
-          <p:cNvSpPr txBox="1"/>
+          <p:cNvSpPr txBox="1">
+            <a:spLocks noGrp="1"/>
+          </p:cNvSpPr>
           <p:nvPr>
-            <p:ph idx="12" type="sldNum"/>
+            <p:ph type="sldNum" idx="12"/>
           </p:nvPr>
         </p:nvSpPr>
         <p:spPr>
@@ -2014,7 +2172,7 @@
           </a:prstGeom>
         </p:spPr>
         <p:txBody>
-          <a:bodyPr anchorCtr="0" anchor="ctr" bIns="91425" lIns="91425" spcFirstLastPara="1" rIns="91425" wrap="square" tIns="91425">
+          <a:bodyPr spcFirstLastPara="1" wrap="square" lIns="91425" tIns="91425" rIns="91425" bIns="91425" anchor="ctr" anchorCtr="0">
             <a:normAutofit/>
           </a:bodyPr>
           <a:lstStyle>
@@ -2056,7 +2214,7 @@
             </a:lvl9pPr>
           </a:lstStyle>
           <a:p>
-            <a:pPr indent="0" lvl="0" marL="0" rtl="0" algn="r">
+            <a:pPr marL="0" lvl="0" indent="0" algn="r" rtl="0">
               <a:spcBef>
                 <a:spcPts val="0"/>
               </a:spcBef>
@@ -2067,7 +2225,7 @@
             </a:pPr>
             <a:fld id="{00000000-1234-1234-1234-123412341234}" type="slidenum">
               <a:rPr lang="fr"/>
-              <a:t>‹#›</a:t>
+              <a:t>‹N°›</a:t>
             </a:fld>
             <a:endParaRPr/>
           </a:p>
@@ -2082,11 +2240,11 @@
 </file>
 
 <file path=ppt/slideLayouts/slideLayout11.xml><?xml version="1.0" encoding="utf-8"?>
-<p:sldLayout xmlns:a="http://schemas.openxmlformats.org/drawingml/2006/main" xmlns:r="http://schemas.openxmlformats.org/officeDocument/2006/relationships" xmlns:mc="http://schemas.openxmlformats.org/markup-compatibility/2006" xmlns:mv="urn:schemas-microsoft-com:mac:vml" xmlns:p="http://schemas.openxmlformats.org/presentationml/2006/main" xmlns:c="http://schemas.openxmlformats.org/drawingml/2006/chart" xmlns:dgm="http://schemas.openxmlformats.org/drawingml/2006/diagram" xmlns:o="urn:schemas-microsoft-com:office:office" xmlns:v="urn:schemas-microsoft-com:vml" xmlns:pvml="urn:schemas-microsoft-com:office:powerpoint" xmlns:com="http://schemas.openxmlformats.org/drawingml/2006/compatibility" xmlns:p14="http://schemas.microsoft.com/office/powerpoint/2010/main" xmlns:p15="http://schemas.microsoft.com/office/powerpoint/2012/main" xmlns:ahyp="http://schemas.microsoft.com/office/drawing/2018/hyperlinkcolor" matchingName="Blank" type="blank">
+<p:sldLayout xmlns:a="http://schemas.openxmlformats.org/drawingml/2006/main" xmlns:r="http://schemas.openxmlformats.org/officeDocument/2006/relationships" xmlns:p="http://schemas.openxmlformats.org/presentationml/2006/main" matchingName="Blank" type="blank">
   <p:cSld name="BLANK">
     <p:spTree>
       <p:nvGrpSpPr>
-        <p:cNvPr id="56" name="Shape 56"/>
+        <p:cNvPr id="1" name="Shape 56"/>
         <p:cNvGrpSpPr/>
         <p:nvPr/>
       </p:nvGrpSpPr>
@@ -2101,9 +2259,11 @@
       <p:sp>
         <p:nvSpPr>
           <p:cNvPr id="57" name="Google Shape;57;p12"/>
-          <p:cNvSpPr txBox="1"/>
+          <p:cNvSpPr txBox="1">
+            <a:spLocks noGrp="1"/>
+          </p:cNvSpPr>
           <p:nvPr>
-            <p:ph idx="12" type="sldNum"/>
+            <p:ph type="sldNum" idx="12"/>
           </p:nvPr>
         </p:nvSpPr>
         <p:spPr>
@@ -2116,7 +2276,7 @@
           </a:prstGeom>
         </p:spPr>
         <p:txBody>
-          <a:bodyPr anchorCtr="0" anchor="ctr" bIns="91425" lIns="91425" spcFirstLastPara="1" rIns="91425" wrap="square" tIns="91425">
+          <a:bodyPr spcFirstLastPara="1" wrap="square" lIns="91425" tIns="91425" rIns="91425" bIns="91425" anchor="ctr" anchorCtr="0">
             <a:normAutofit/>
           </a:bodyPr>
           <a:lstStyle>
@@ -2158,7 +2318,7 @@
             </a:lvl9pPr>
           </a:lstStyle>
           <a:p>
-            <a:pPr indent="0" lvl="0" marL="0" rtl="0" algn="r">
+            <a:pPr marL="0" lvl="0" indent="0" algn="r" rtl="0">
               <a:spcBef>
                 <a:spcPts val="0"/>
               </a:spcBef>
@@ -2169,7 +2329,7 @@
             </a:pPr>
             <a:fld id="{00000000-1234-1234-1234-123412341234}" type="slidenum">
               <a:rPr lang="fr"/>
-              <a:t>‹#›</a:t>
+              <a:t>‹N°›</a:t>
             </a:fld>
             <a:endParaRPr/>
           </a:p>
@@ -2184,11 +2344,11 @@
 </file>
 
 <file path=ppt/slideLayouts/slideLayout2.xml><?xml version="1.0" encoding="utf-8"?>
-<p:sldLayout xmlns:a="http://schemas.openxmlformats.org/drawingml/2006/main" xmlns:r="http://schemas.openxmlformats.org/officeDocument/2006/relationships" xmlns:mc="http://schemas.openxmlformats.org/markup-compatibility/2006" xmlns:mv="urn:schemas-microsoft-com:mac:vml" xmlns:p="http://schemas.openxmlformats.org/presentationml/2006/main" xmlns:c="http://schemas.openxmlformats.org/drawingml/2006/chart" xmlns:dgm="http://schemas.openxmlformats.org/drawingml/2006/diagram" xmlns:o="urn:schemas-microsoft-com:office:office" xmlns:v="urn:schemas-microsoft-com:vml" xmlns:pvml="urn:schemas-microsoft-com:office:powerpoint" xmlns:com="http://schemas.openxmlformats.org/drawingml/2006/compatibility" xmlns:p14="http://schemas.microsoft.com/office/powerpoint/2010/main" xmlns:p15="http://schemas.microsoft.com/office/powerpoint/2012/main" xmlns:ahyp="http://schemas.microsoft.com/office/drawing/2018/hyperlinkcolor" matchingName="Section header" type="secHead">
+<p:sldLayout xmlns:a="http://schemas.openxmlformats.org/drawingml/2006/main" xmlns:r="http://schemas.openxmlformats.org/officeDocument/2006/relationships" xmlns:p="http://schemas.openxmlformats.org/presentationml/2006/main" matchingName="Section header" type="secHead">
   <p:cSld name="SECTION_HEADER">
     <p:spTree>
       <p:nvGrpSpPr>
-        <p:cNvPr id="15" name="Shape 15"/>
+        <p:cNvPr id="1" name="Shape 15"/>
         <p:cNvGrpSpPr/>
         <p:nvPr/>
       </p:nvGrpSpPr>
@@ -2212,9 +2372,13 @@
             <a:ext cx="1064643" cy="1574818"/>
           </a:xfrm>
           <a:custGeom>
-            <a:rect b="b" l="l" r="r" t="t"/>
+            <a:avLst/>
+            <a:gdLst/>
+            <a:ahLst/>
+            <a:cxnLst/>
+            <a:rect l="l" t="t" r="r" b="b"/>
             <a:pathLst>
-              <a:path extrusionOk="0" h="44998" w="43265">
+              <a:path w="43265" h="44998" extrusionOk="0">
                 <a:moveTo>
                   <a:pt x="0" y="44998"/>
                 </a:moveTo>
@@ -2228,14 +2392,14 @@
             </a:pathLst>
           </a:custGeom>
           <a:noFill/>
-          <a:ln cap="flat" cmpd="sng" w="28575">
+          <a:ln w="28575" cap="flat" cmpd="sng">
             <a:solidFill>
               <a:schemeClr val="lt2"/>
             </a:solidFill>
             <a:prstDash val="solid"/>
             <a:miter lim="8000"/>
-            <a:headEnd len="sm" w="sm" type="none"/>
-            <a:tailEnd len="sm" w="sm" type="none"/>
+            <a:headEnd type="none" w="sm" len="sm"/>
+            <a:tailEnd type="none" w="sm" len="sm"/>
           </a:ln>
         </p:spPr>
       </p:sp>
@@ -2246,14 +2410,18 @@
           <p:nvPr/>
         </p:nvSpPr>
         <p:spPr>
-          <a:xfrm flipH="1" rot="10800000">
+          <a:xfrm rot="10800000" flipH="1">
             <a:off x="459080" y="4980948"/>
             <a:ext cx="1064643" cy="1574818"/>
           </a:xfrm>
           <a:custGeom>
-            <a:rect b="b" l="l" r="r" t="t"/>
+            <a:avLst/>
+            <a:gdLst/>
+            <a:ahLst/>
+            <a:cxnLst/>
+            <a:rect l="l" t="t" r="r" b="b"/>
             <a:pathLst>
-              <a:path extrusionOk="0" h="44998" w="43265">
+              <a:path w="43265" h="44998" extrusionOk="0">
                 <a:moveTo>
                   <a:pt x="0" y="44998"/>
                 </a:moveTo>
@@ -2267,21 +2435,23 @@
             </a:pathLst>
           </a:custGeom>
           <a:noFill/>
-          <a:ln cap="flat" cmpd="sng" w="28575">
+          <a:ln w="28575" cap="flat" cmpd="sng">
             <a:solidFill>
               <a:schemeClr val="lt2"/>
             </a:solidFill>
             <a:prstDash val="solid"/>
             <a:miter lim="8000"/>
-            <a:headEnd len="sm" w="sm" type="none"/>
-            <a:tailEnd len="sm" w="sm" type="none"/>
+            <a:headEnd type="none" w="sm" len="sm"/>
+            <a:tailEnd type="none" w="sm" len="sm"/>
           </a:ln>
         </p:spPr>
       </p:sp>
       <p:sp>
         <p:nvSpPr>
           <p:cNvPr id="18" name="Google Shape;18;p3"/>
-          <p:cNvSpPr txBox="1"/>
+          <p:cNvSpPr txBox="1">
+            <a:spLocks noGrp="1"/>
+          </p:cNvSpPr>
           <p:nvPr>
             <p:ph type="title"/>
           </p:nvPr>
@@ -2296,7 +2466,7 @@
           </a:prstGeom>
         </p:spPr>
         <p:txBody>
-          <a:bodyPr anchorCtr="0" anchor="ctr" bIns="91425" lIns="91425" spcFirstLastPara="1" rIns="91425" wrap="square" tIns="91425">
+          <a:bodyPr spcFirstLastPara="1" wrap="square" lIns="91425" tIns="91425" rIns="91425" bIns="91425" anchor="ctr" anchorCtr="0">
             <a:normAutofit/>
           </a:bodyPr>
           <a:lstStyle>
@@ -2400,15 +2570,19 @@
               <a:defRPr/>
             </a:lvl9pPr>
           </a:lstStyle>
-          <a:p/>
+          <a:p>
+            <a:endParaRPr/>
+          </a:p>
         </p:txBody>
       </p:sp>
       <p:sp>
         <p:nvSpPr>
           <p:cNvPr id="19" name="Google Shape;19;p3"/>
-          <p:cNvSpPr txBox="1"/>
+          <p:cNvSpPr txBox="1">
+            <a:spLocks noGrp="1"/>
+          </p:cNvSpPr>
           <p:nvPr>
-            <p:ph idx="12" type="sldNum"/>
+            <p:ph type="sldNum" idx="12"/>
           </p:nvPr>
         </p:nvSpPr>
         <p:spPr>
@@ -2421,7 +2595,7 @@
           </a:prstGeom>
         </p:spPr>
         <p:txBody>
-          <a:bodyPr anchorCtr="0" anchor="ctr" bIns="91425" lIns="91425" spcFirstLastPara="1" rIns="91425" wrap="square" tIns="91425">
+          <a:bodyPr spcFirstLastPara="1" wrap="square" lIns="91425" tIns="91425" rIns="91425" bIns="91425" anchor="ctr" anchorCtr="0">
             <a:normAutofit/>
           </a:bodyPr>
           <a:lstStyle>
@@ -2463,7 +2637,7 @@
             </a:lvl9pPr>
           </a:lstStyle>
           <a:p>
-            <a:pPr indent="0" lvl="0" marL="0" rtl="0" algn="r">
+            <a:pPr marL="0" lvl="0" indent="0" algn="r" rtl="0">
               <a:spcBef>
                 <a:spcPts val="0"/>
               </a:spcBef>
@@ -2474,7 +2648,7 @@
             </a:pPr>
             <a:fld id="{00000000-1234-1234-1234-123412341234}" type="slidenum">
               <a:rPr lang="fr"/>
-              <a:t>‹#›</a:t>
+              <a:t>‹N°›</a:t>
             </a:fld>
             <a:endParaRPr/>
           </a:p>
@@ -2489,11 +2663,11 @@
 </file>
 
 <file path=ppt/slideLayouts/slideLayout3.xml><?xml version="1.0" encoding="utf-8"?>
-<p:sldLayout xmlns:a="http://schemas.openxmlformats.org/drawingml/2006/main" xmlns:r="http://schemas.openxmlformats.org/officeDocument/2006/relationships" xmlns:mc="http://schemas.openxmlformats.org/markup-compatibility/2006" xmlns:mv="urn:schemas-microsoft-com:mac:vml" xmlns:p="http://schemas.openxmlformats.org/presentationml/2006/main" xmlns:c="http://schemas.openxmlformats.org/drawingml/2006/chart" xmlns:dgm="http://schemas.openxmlformats.org/drawingml/2006/diagram" xmlns:o="urn:schemas-microsoft-com:office:office" xmlns:v="urn:schemas-microsoft-com:vml" xmlns:pvml="urn:schemas-microsoft-com:office:powerpoint" xmlns:com="http://schemas.openxmlformats.org/drawingml/2006/compatibility" xmlns:p14="http://schemas.microsoft.com/office/powerpoint/2010/main" xmlns:p15="http://schemas.microsoft.com/office/powerpoint/2012/main" xmlns:ahyp="http://schemas.microsoft.com/office/drawing/2018/hyperlinkcolor" matchingName="Title and body" type="tx">
+<p:sldLayout xmlns:a="http://schemas.openxmlformats.org/drawingml/2006/main" xmlns:r="http://schemas.openxmlformats.org/officeDocument/2006/relationships" xmlns:p="http://schemas.openxmlformats.org/presentationml/2006/main" matchingName="Title and body" type="tx">
   <p:cSld name="TITLE_AND_BODY">
     <p:spTree>
       <p:nvGrpSpPr>
-        <p:cNvPr id="20" name="Shape 20"/>
+        <p:cNvPr id="1" name="Shape 20"/>
         <p:cNvGrpSpPr/>
         <p:nvPr/>
       </p:nvGrpSpPr>
@@ -2527,12 +2701,12 @@
           </a:ln>
         </p:spPr>
         <p:txBody>
-          <a:bodyPr anchorCtr="0" anchor="ctr" bIns="91425" lIns="91425" spcFirstLastPara="1" rIns="91425" wrap="square" tIns="91425">
+          <a:bodyPr spcFirstLastPara="1" wrap="square" lIns="91425" tIns="91425" rIns="91425" bIns="91425" anchor="ctr" anchorCtr="0">
             <a:noAutofit/>
           </a:bodyPr>
           <a:lstStyle/>
           <a:p>
-            <a:pPr indent="0" lvl="0" marL="0" rtl="0" algn="l">
+            <a:pPr marL="0" lvl="0" indent="0" algn="l" rtl="0">
               <a:spcBef>
                 <a:spcPts val="0"/>
               </a:spcBef>
@@ -2541,9 +2715,6 @@
               </a:spcAft>
               <a:buNone/>
             </a:pPr>
-            <a:r>
-              <a:t/>
-            </a:r>
             <a:endParaRPr/>
           </a:p>
         </p:txBody>
@@ -2551,7 +2722,9 @@
       <p:sp>
         <p:nvSpPr>
           <p:cNvPr id="22" name="Google Shape;22;p4"/>
-          <p:cNvSpPr txBox="1"/>
+          <p:cNvSpPr txBox="1">
+            <a:spLocks noGrp="1"/>
+          </p:cNvSpPr>
           <p:nvPr>
             <p:ph type="title"/>
           </p:nvPr>
@@ -2566,7 +2739,7 @@
           </a:prstGeom>
         </p:spPr>
         <p:txBody>
-          <a:bodyPr anchorCtr="0" anchor="b" bIns="91425" lIns="91425" spcFirstLastPara="1" rIns="91425" wrap="square" tIns="91425">
+          <a:bodyPr spcFirstLastPara="1" wrap="square" lIns="91425" tIns="91425" rIns="91425" bIns="91425" anchor="b" anchorCtr="0">
             <a:normAutofit/>
           </a:bodyPr>
           <a:lstStyle>
@@ -2670,15 +2843,19 @@
               <a:defRPr/>
             </a:lvl9pPr>
           </a:lstStyle>
-          <a:p/>
+          <a:p>
+            <a:endParaRPr/>
+          </a:p>
         </p:txBody>
       </p:sp>
       <p:sp>
         <p:nvSpPr>
           <p:cNvPr id="23" name="Google Shape;23;p4"/>
-          <p:cNvSpPr txBox="1"/>
+          <p:cNvSpPr txBox="1">
+            <a:spLocks noGrp="1"/>
+          </p:cNvSpPr>
           <p:nvPr>
-            <p:ph idx="1" type="body"/>
+            <p:ph type="body" idx="1"/>
           </p:nvPr>
         </p:nvSpPr>
         <p:spPr>
@@ -2691,11 +2868,11 @@
           </a:prstGeom>
         </p:spPr>
         <p:txBody>
-          <a:bodyPr anchorCtr="0" anchor="t" bIns="91425" lIns="91425" spcFirstLastPara="1" rIns="91425" wrap="square" tIns="91425">
+          <a:bodyPr spcFirstLastPara="1" wrap="square" lIns="91425" tIns="91425" rIns="91425" bIns="91425" anchor="t" anchorCtr="0">
             <a:normAutofit/>
           </a:bodyPr>
           <a:lstStyle>
-            <a:lvl1pPr indent="-342900" lvl="0" marL="457200">
+            <a:lvl1pPr marL="457200" lvl="0" indent="-342900">
               <a:spcBef>
                 <a:spcPts val="0"/>
               </a:spcBef>
@@ -2706,7 +2883,7 @@
               <a:buChar char="●"/>
               <a:defRPr/>
             </a:lvl1pPr>
-            <a:lvl2pPr indent="-317500" lvl="1" marL="914400">
+            <a:lvl2pPr marL="914400" lvl="1" indent="-317500">
               <a:spcBef>
                 <a:spcPts val="0"/>
               </a:spcBef>
@@ -2717,7 +2894,7 @@
               <a:buChar char="○"/>
               <a:defRPr/>
             </a:lvl2pPr>
-            <a:lvl3pPr indent="-317500" lvl="2" marL="1371600">
+            <a:lvl3pPr marL="1371600" lvl="2" indent="-317500">
               <a:spcBef>
                 <a:spcPts val="0"/>
               </a:spcBef>
@@ -2728,7 +2905,7 @@
               <a:buChar char="■"/>
               <a:defRPr/>
             </a:lvl3pPr>
-            <a:lvl4pPr indent="-317500" lvl="3" marL="1828800">
+            <a:lvl4pPr marL="1828800" lvl="3" indent="-317500">
               <a:spcBef>
                 <a:spcPts val="0"/>
               </a:spcBef>
@@ -2739,7 +2916,7 @@
               <a:buChar char="●"/>
               <a:defRPr/>
             </a:lvl4pPr>
-            <a:lvl5pPr indent="-317500" lvl="4" marL="2286000">
+            <a:lvl5pPr marL="2286000" lvl="4" indent="-317500">
               <a:spcBef>
                 <a:spcPts val="0"/>
               </a:spcBef>
@@ -2750,7 +2927,7 @@
               <a:buChar char="○"/>
               <a:defRPr/>
             </a:lvl5pPr>
-            <a:lvl6pPr indent="-317500" lvl="5" marL="2743200">
+            <a:lvl6pPr marL="2743200" lvl="5" indent="-317500">
               <a:spcBef>
                 <a:spcPts val="0"/>
               </a:spcBef>
@@ -2761,7 +2938,7 @@
               <a:buChar char="■"/>
               <a:defRPr/>
             </a:lvl6pPr>
-            <a:lvl7pPr indent="-317500" lvl="6" marL="3200400">
+            <a:lvl7pPr marL="3200400" lvl="6" indent="-317500">
               <a:spcBef>
                 <a:spcPts val="0"/>
               </a:spcBef>
@@ -2772,7 +2949,7 @@
               <a:buChar char="●"/>
               <a:defRPr/>
             </a:lvl7pPr>
-            <a:lvl8pPr indent="-317500" lvl="7" marL="3657600">
+            <a:lvl8pPr marL="3657600" lvl="7" indent="-317500">
               <a:spcBef>
                 <a:spcPts val="0"/>
               </a:spcBef>
@@ -2783,7 +2960,7 @@
               <a:buChar char="○"/>
               <a:defRPr/>
             </a:lvl8pPr>
-            <a:lvl9pPr indent="-317500" lvl="8" marL="4114800">
+            <a:lvl9pPr marL="4114800" lvl="8" indent="-317500">
               <a:spcBef>
                 <a:spcPts val="0"/>
               </a:spcBef>
@@ -2795,15 +2972,19 @@
               <a:defRPr/>
             </a:lvl9pPr>
           </a:lstStyle>
-          <a:p/>
+          <a:p>
+            <a:endParaRPr/>
+          </a:p>
         </p:txBody>
       </p:sp>
       <p:sp>
         <p:nvSpPr>
           <p:cNvPr id="24" name="Google Shape;24;p4"/>
-          <p:cNvSpPr txBox="1"/>
+          <p:cNvSpPr txBox="1">
+            <a:spLocks noGrp="1"/>
+          </p:cNvSpPr>
           <p:nvPr>
-            <p:ph idx="12" type="sldNum"/>
+            <p:ph type="sldNum" idx="12"/>
           </p:nvPr>
         </p:nvSpPr>
         <p:spPr>
@@ -2816,7 +2997,7 @@
           </a:prstGeom>
         </p:spPr>
         <p:txBody>
-          <a:bodyPr anchorCtr="0" anchor="ctr" bIns="91425" lIns="91425" spcFirstLastPara="1" rIns="91425" wrap="square" tIns="91425">
+          <a:bodyPr spcFirstLastPara="1" wrap="square" lIns="91425" tIns="91425" rIns="91425" bIns="91425" anchor="ctr" anchorCtr="0">
             <a:normAutofit/>
           </a:bodyPr>
           <a:lstStyle>
@@ -2858,7 +3039,7 @@
             </a:lvl9pPr>
           </a:lstStyle>
           <a:p>
-            <a:pPr indent="0" lvl="0" marL="0" rtl="0" algn="r">
+            <a:pPr marL="0" lvl="0" indent="0" algn="r" rtl="0">
               <a:spcBef>
                 <a:spcPts val="0"/>
               </a:spcBef>
@@ -2869,7 +3050,7 @@
             </a:pPr>
             <a:fld id="{00000000-1234-1234-1234-123412341234}" type="slidenum">
               <a:rPr lang="fr"/>
-              <a:t>‹#›</a:t>
+              <a:t>‹N°›</a:t>
             </a:fld>
             <a:endParaRPr/>
           </a:p>
@@ -2884,11 +3065,11 @@
 </file>
 
 <file path=ppt/slideLayouts/slideLayout4.xml><?xml version="1.0" encoding="utf-8"?>
-<p:sldLayout xmlns:a="http://schemas.openxmlformats.org/drawingml/2006/main" xmlns:r="http://schemas.openxmlformats.org/officeDocument/2006/relationships" xmlns:mc="http://schemas.openxmlformats.org/markup-compatibility/2006" xmlns:mv="urn:schemas-microsoft-com:mac:vml" xmlns:p="http://schemas.openxmlformats.org/presentationml/2006/main" xmlns:c="http://schemas.openxmlformats.org/drawingml/2006/chart" xmlns:dgm="http://schemas.openxmlformats.org/drawingml/2006/diagram" xmlns:o="urn:schemas-microsoft-com:office:office" xmlns:v="urn:schemas-microsoft-com:vml" xmlns:pvml="urn:schemas-microsoft-com:office:powerpoint" xmlns:com="http://schemas.openxmlformats.org/drawingml/2006/compatibility" xmlns:p14="http://schemas.microsoft.com/office/powerpoint/2010/main" xmlns:p15="http://schemas.microsoft.com/office/powerpoint/2012/main" xmlns:ahyp="http://schemas.microsoft.com/office/drawing/2018/hyperlinkcolor" matchingName="Title and two columns" type="twoColTx">
+<p:sldLayout xmlns:a="http://schemas.openxmlformats.org/drawingml/2006/main" xmlns:r="http://schemas.openxmlformats.org/officeDocument/2006/relationships" xmlns:p="http://schemas.openxmlformats.org/presentationml/2006/main" matchingName="Title and two columns" type="twoColTx">
   <p:cSld name="TITLE_AND_TWO_COLUMNS">
     <p:spTree>
       <p:nvGrpSpPr>
-        <p:cNvPr id="25" name="Shape 25"/>
+        <p:cNvPr id="1" name="Shape 25"/>
         <p:cNvGrpSpPr/>
         <p:nvPr/>
       </p:nvGrpSpPr>
@@ -2903,7 +3084,9 @@
       <p:sp>
         <p:nvSpPr>
           <p:cNvPr id="26" name="Google Shape;26;p5"/>
-          <p:cNvSpPr txBox="1"/>
+          <p:cNvSpPr txBox="1">
+            <a:spLocks noGrp="1"/>
+          </p:cNvSpPr>
           <p:nvPr>
             <p:ph type="title"/>
           </p:nvPr>
@@ -2918,7 +3101,7 @@
           </a:prstGeom>
         </p:spPr>
         <p:txBody>
-          <a:bodyPr anchorCtr="0" anchor="b" bIns="91425" lIns="91425" spcFirstLastPara="1" rIns="91425" wrap="square" tIns="91425">
+          <a:bodyPr spcFirstLastPara="1" wrap="square" lIns="91425" tIns="91425" rIns="91425" bIns="91425" anchor="b" anchorCtr="0">
             <a:normAutofit/>
           </a:bodyPr>
           <a:lstStyle>
@@ -3022,15 +3205,19 @@
               <a:defRPr/>
             </a:lvl9pPr>
           </a:lstStyle>
-          <a:p/>
+          <a:p>
+            <a:endParaRPr/>
+          </a:p>
         </p:txBody>
       </p:sp>
       <p:sp>
         <p:nvSpPr>
           <p:cNvPr id="27" name="Google Shape;27;p5"/>
-          <p:cNvSpPr txBox="1"/>
+          <p:cNvSpPr txBox="1">
+            <a:spLocks noGrp="1"/>
+          </p:cNvSpPr>
           <p:nvPr>
-            <p:ph idx="1" type="body"/>
+            <p:ph type="body" idx="1"/>
           </p:nvPr>
         </p:nvSpPr>
         <p:spPr>
@@ -3043,11 +3230,11 @@
           </a:prstGeom>
         </p:spPr>
         <p:txBody>
-          <a:bodyPr anchorCtr="0" anchor="t" bIns="91425" lIns="91425" spcFirstLastPara="1" rIns="91425" wrap="square" tIns="91425">
+          <a:bodyPr spcFirstLastPara="1" wrap="square" lIns="91425" tIns="91425" rIns="91425" bIns="91425" anchor="t" anchorCtr="0">
             <a:normAutofit/>
           </a:bodyPr>
           <a:lstStyle>
-            <a:lvl1pPr indent="-317500" lvl="0" marL="457200">
+            <a:lvl1pPr marL="457200" lvl="0" indent="-317500">
               <a:spcBef>
                 <a:spcPts val="0"/>
               </a:spcBef>
@@ -3058,7 +3245,7 @@
               <a:buChar char="●"/>
               <a:defRPr sz="1400"/>
             </a:lvl1pPr>
-            <a:lvl2pPr indent="-304800" lvl="1" marL="914400">
+            <a:lvl2pPr marL="914400" lvl="1" indent="-304800">
               <a:spcBef>
                 <a:spcPts val="0"/>
               </a:spcBef>
@@ -3069,7 +3256,7 @@
               <a:buChar char="○"/>
               <a:defRPr sz="1200"/>
             </a:lvl2pPr>
-            <a:lvl3pPr indent="-304800" lvl="2" marL="1371600">
+            <a:lvl3pPr marL="1371600" lvl="2" indent="-304800">
               <a:spcBef>
                 <a:spcPts val="0"/>
               </a:spcBef>
@@ -3080,7 +3267,7 @@
               <a:buChar char="■"/>
               <a:defRPr sz="1200"/>
             </a:lvl3pPr>
-            <a:lvl4pPr indent="-304800" lvl="3" marL="1828800">
+            <a:lvl4pPr marL="1828800" lvl="3" indent="-304800">
               <a:spcBef>
                 <a:spcPts val="0"/>
               </a:spcBef>
@@ -3091,7 +3278,7 @@
               <a:buChar char="●"/>
               <a:defRPr sz="1200"/>
             </a:lvl4pPr>
-            <a:lvl5pPr indent="-304800" lvl="4" marL="2286000">
+            <a:lvl5pPr marL="2286000" lvl="4" indent="-304800">
               <a:spcBef>
                 <a:spcPts val="0"/>
               </a:spcBef>
@@ -3102,7 +3289,7 @@
               <a:buChar char="○"/>
               <a:defRPr sz="1200"/>
             </a:lvl5pPr>
-            <a:lvl6pPr indent="-304800" lvl="5" marL="2743200">
+            <a:lvl6pPr marL="2743200" lvl="5" indent="-304800">
               <a:spcBef>
                 <a:spcPts val="0"/>
               </a:spcBef>
@@ -3113,7 +3300,7 @@
               <a:buChar char="■"/>
               <a:defRPr sz="1200"/>
             </a:lvl6pPr>
-            <a:lvl7pPr indent="-304800" lvl="6" marL="3200400">
+            <a:lvl7pPr marL="3200400" lvl="6" indent="-304800">
               <a:spcBef>
                 <a:spcPts val="0"/>
               </a:spcBef>
@@ -3124,7 +3311,7 @@
               <a:buChar char="●"/>
               <a:defRPr sz="1200"/>
             </a:lvl7pPr>
-            <a:lvl8pPr indent="-304800" lvl="7" marL="3657600">
+            <a:lvl8pPr marL="3657600" lvl="7" indent="-304800">
               <a:spcBef>
                 <a:spcPts val="0"/>
               </a:spcBef>
@@ -3135,7 +3322,7 @@
               <a:buChar char="○"/>
               <a:defRPr sz="1200"/>
             </a:lvl8pPr>
-            <a:lvl9pPr indent="-304800" lvl="8" marL="4114800">
+            <a:lvl9pPr marL="4114800" lvl="8" indent="-304800">
               <a:spcBef>
                 <a:spcPts val="0"/>
               </a:spcBef>
@@ -3147,15 +3334,19 @@
               <a:defRPr sz="1200"/>
             </a:lvl9pPr>
           </a:lstStyle>
-          <a:p/>
+          <a:p>
+            <a:endParaRPr/>
+          </a:p>
         </p:txBody>
       </p:sp>
       <p:sp>
         <p:nvSpPr>
           <p:cNvPr id="28" name="Google Shape;28;p5"/>
-          <p:cNvSpPr txBox="1"/>
+          <p:cNvSpPr txBox="1">
+            <a:spLocks noGrp="1"/>
+          </p:cNvSpPr>
           <p:nvPr>
-            <p:ph idx="2" type="body"/>
+            <p:ph type="body" idx="2"/>
           </p:nvPr>
         </p:nvSpPr>
         <p:spPr>
@@ -3168,11 +3359,11 @@
           </a:prstGeom>
         </p:spPr>
         <p:txBody>
-          <a:bodyPr anchorCtr="0" anchor="t" bIns="91425" lIns="91425" spcFirstLastPara="1" rIns="91425" wrap="square" tIns="91425">
+          <a:bodyPr spcFirstLastPara="1" wrap="square" lIns="91425" tIns="91425" rIns="91425" bIns="91425" anchor="t" anchorCtr="0">
             <a:normAutofit/>
           </a:bodyPr>
           <a:lstStyle>
-            <a:lvl1pPr indent="-317500" lvl="0" marL="457200">
+            <a:lvl1pPr marL="457200" lvl="0" indent="-317500">
               <a:spcBef>
                 <a:spcPts val="0"/>
               </a:spcBef>
@@ -3183,7 +3374,7 @@
               <a:buChar char="●"/>
               <a:defRPr sz="1400"/>
             </a:lvl1pPr>
-            <a:lvl2pPr indent="-304800" lvl="1" marL="914400">
+            <a:lvl2pPr marL="914400" lvl="1" indent="-304800">
               <a:spcBef>
                 <a:spcPts val="0"/>
               </a:spcBef>
@@ -3194,7 +3385,7 @@
               <a:buChar char="○"/>
               <a:defRPr sz="1200"/>
             </a:lvl2pPr>
-            <a:lvl3pPr indent="-304800" lvl="2" marL="1371600">
+            <a:lvl3pPr marL="1371600" lvl="2" indent="-304800">
               <a:spcBef>
                 <a:spcPts val="0"/>
               </a:spcBef>
@@ -3205,7 +3396,7 @@
               <a:buChar char="■"/>
               <a:defRPr sz="1200"/>
             </a:lvl3pPr>
-            <a:lvl4pPr indent="-304800" lvl="3" marL="1828800">
+            <a:lvl4pPr marL="1828800" lvl="3" indent="-304800">
               <a:spcBef>
                 <a:spcPts val="0"/>
               </a:spcBef>
@@ -3216,7 +3407,7 @@
               <a:buChar char="●"/>
               <a:defRPr sz="1200"/>
             </a:lvl4pPr>
-            <a:lvl5pPr indent="-304800" lvl="4" marL="2286000">
+            <a:lvl5pPr marL="2286000" lvl="4" indent="-304800">
               <a:spcBef>
                 <a:spcPts val="0"/>
               </a:spcBef>
@@ -3227,7 +3418,7 @@
               <a:buChar char="○"/>
               <a:defRPr sz="1200"/>
             </a:lvl5pPr>
-            <a:lvl6pPr indent="-304800" lvl="5" marL="2743200">
+            <a:lvl6pPr marL="2743200" lvl="5" indent="-304800">
               <a:spcBef>
                 <a:spcPts val="0"/>
               </a:spcBef>
@@ -3238,7 +3429,7 @@
               <a:buChar char="■"/>
               <a:defRPr sz="1200"/>
             </a:lvl6pPr>
-            <a:lvl7pPr indent="-304800" lvl="6" marL="3200400">
+            <a:lvl7pPr marL="3200400" lvl="6" indent="-304800">
               <a:spcBef>
                 <a:spcPts val="0"/>
               </a:spcBef>
@@ -3249,7 +3440,7 @@
               <a:buChar char="●"/>
               <a:defRPr sz="1200"/>
             </a:lvl7pPr>
-            <a:lvl8pPr indent="-304800" lvl="7" marL="3657600">
+            <a:lvl8pPr marL="3657600" lvl="7" indent="-304800">
               <a:spcBef>
                 <a:spcPts val="0"/>
               </a:spcBef>
@@ -3260,7 +3451,7 @@
               <a:buChar char="○"/>
               <a:defRPr sz="1200"/>
             </a:lvl8pPr>
-            <a:lvl9pPr indent="-304800" lvl="8" marL="4114800">
+            <a:lvl9pPr marL="4114800" lvl="8" indent="-304800">
               <a:spcBef>
                 <a:spcPts val="0"/>
               </a:spcBef>
@@ -3272,15 +3463,19 @@
               <a:defRPr sz="1200"/>
             </a:lvl9pPr>
           </a:lstStyle>
-          <a:p/>
+          <a:p>
+            <a:endParaRPr/>
+          </a:p>
         </p:txBody>
       </p:sp>
       <p:sp>
         <p:nvSpPr>
           <p:cNvPr id="29" name="Google Shape;29;p5"/>
-          <p:cNvSpPr txBox="1"/>
+          <p:cNvSpPr txBox="1">
+            <a:spLocks noGrp="1"/>
+          </p:cNvSpPr>
           <p:nvPr>
-            <p:ph idx="12" type="sldNum"/>
+            <p:ph type="sldNum" idx="12"/>
           </p:nvPr>
         </p:nvSpPr>
         <p:spPr>
@@ -3293,7 +3488,7 @@
           </a:prstGeom>
         </p:spPr>
         <p:txBody>
-          <a:bodyPr anchorCtr="0" anchor="ctr" bIns="91425" lIns="91425" spcFirstLastPara="1" rIns="91425" wrap="square" tIns="91425">
+          <a:bodyPr spcFirstLastPara="1" wrap="square" lIns="91425" tIns="91425" rIns="91425" bIns="91425" anchor="ctr" anchorCtr="0">
             <a:normAutofit/>
           </a:bodyPr>
           <a:lstStyle>
@@ -3335,7 +3530,7 @@
             </a:lvl9pPr>
           </a:lstStyle>
           <a:p>
-            <a:pPr indent="0" lvl="0" marL="0" rtl="0" algn="r">
+            <a:pPr marL="0" lvl="0" indent="0" algn="r" rtl="0">
               <a:spcBef>
                 <a:spcPts val="0"/>
               </a:spcBef>
@@ -3346,7 +3541,7 @@
             </a:pPr>
             <a:fld id="{00000000-1234-1234-1234-123412341234}" type="slidenum">
               <a:rPr lang="fr"/>
-              <a:t>‹#›</a:t>
+              <a:t>‹N°›</a:t>
             </a:fld>
             <a:endParaRPr/>
           </a:p>
@@ -3361,11 +3556,11 @@
 </file>
 
 <file path=ppt/slideLayouts/slideLayout5.xml><?xml version="1.0" encoding="utf-8"?>
-<p:sldLayout xmlns:a="http://schemas.openxmlformats.org/drawingml/2006/main" xmlns:r="http://schemas.openxmlformats.org/officeDocument/2006/relationships" xmlns:mc="http://schemas.openxmlformats.org/markup-compatibility/2006" xmlns:mv="urn:schemas-microsoft-com:mac:vml" xmlns:p="http://schemas.openxmlformats.org/presentationml/2006/main" xmlns:c="http://schemas.openxmlformats.org/drawingml/2006/chart" xmlns:dgm="http://schemas.openxmlformats.org/drawingml/2006/diagram" xmlns:o="urn:schemas-microsoft-com:office:office" xmlns:v="urn:schemas-microsoft-com:vml" xmlns:pvml="urn:schemas-microsoft-com:office:powerpoint" xmlns:com="http://schemas.openxmlformats.org/drawingml/2006/compatibility" xmlns:p14="http://schemas.microsoft.com/office/powerpoint/2010/main" xmlns:p15="http://schemas.microsoft.com/office/powerpoint/2012/main" xmlns:ahyp="http://schemas.microsoft.com/office/drawing/2018/hyperlinkcolor" matchingName="Title only" type="titleOnly">
+<p:sldLayout xmlns:a="http://schemas.openxmlformats.org/drawingml/2006/main" xmlns:r="http://schemas.openxmlformats.org/officeDocument/2006/relationships" xmlns:p="http://schemas.openxmlformats.org/presentationml/2006/main" matchingName="Title only" type="titleOnly">
   <p:cSld name="TITLE_ONLY">
     <p:spTree>
       <p:nvGrpSpPr>
-        <p:cNvPr id="30" name="Shape 30"/>
+        <p:cNvPr id="1" name="Shape 30"/>
         <p:cNvGrpSpPr/>
         <p:nvPr/>
       </p:nvGrpSpPr>
@@ -3380,7 +3575,9 @@
       <p:sp>
         <p:nvSpPr>
           <p:cNvPr id="31" name="Google Shape;31;p6"/>
-          <p:cNvSpPr txBox="1"/>
+          <p:cNvSpPr txBox="1">
+            <a:spLocks noGrp="1"/>
+          </p:cNvSpPr>
           <p:nvPr>
             <p:ph type="title"/>
           </p:nvPr>
@@ -3395,7 +3592,7 @@
           </a:prstGeom>
         </p:spPr>
         <p:txBody>
-          <a:bodyPr anchorCtr="0" anchor="b" bIns="91425" lIns="91425" spcFirstLastPara="1" rIns="91425" wrap="square" tIns="91425">
+          <a:bodyPr spcFirstLastPara="1" wrap="square" lIns="91425" tIns="91425" rIns="91425" bIns="91425" anchor="b" anchorCtr="0">
             <a:normAutofit/>
           </a:bodyPr>
           <a:lstStyle>
@@ -3499,15 +3696,19 @@
               <a:defRPr/>
             </a:lvl9pPr>
           </a:lstStyle>
-          <a:p/>
+          <a:p>
+            <a:endParaRPr/>
+          </a:p>
         </p:txBody>
       </p:sp>
       <p:sp>
         <p:nvSpPr>
           <p:cNvPr id="32" name="Google Shape;32;p6"/>
-          <p:cNvSpPr txBox="1"/>
+          <p:cNvSpPr txBox="1">
+            <a:spLocks noGrp="1"/>
+          </p:cNvSpPr>
           <p:nvPr>
-            <p:ph idx="12" type="sldNum"/>
+            <p:ph type="sldNum" idx="12"/>
           </p:nvPr>
         </p:nvSpPr>
         <p:spPr>
@@ -3520,7 +3721,7 @@
           </a:prstGeom>
         </p:spPr>
         <p:txBody>
-          <a:bodyPr anchorCtr="0" anchor="ctr" bIns="91425" lIns="91425" spcFirstLastPara="1" rIns="91425" wrap="square" tIns="91425">
+          <a:bodyPr spcFirstLastPara="1" wrap="square" lIns="91425" tIns="91425" rIns="91425" bIns="91425" anchor="ctr" anchorCtr="0">
             <a:normAutofit/>
           </a:bodyPr>
           <a:lstStyle>
@@ -3562,7 +3763,7 @@
             </a:lvl9pPr>
           </a:lstStyle>
           <a:p>
-            <a:pPr indent="0" lvl="0" marL="0" rtl="0" algn="r">
+            <a:pPr marL="0" lvl="0" indent="0" algn="r" rtl="0">
               <a:spcBef>
                 <a:spcPts val="0"/>
               </a:spcBef>
@@ -3573,7 +3774,7 @@
             </a:pPr>
             <a:fld id="{00000000-1234-1234-1234-123412341234}" type="slidenum">
               <a:rPr lang="fr"/>
-              <a:t>‹#›</a:t>
+              <a:t>‹N°›</a:t>
             </a:fld>
             <a:endParaRPr/>
           </a:p>
@@ -3588,11 +3789,11 @@
 </file>
 
 <file path=ppt/slideLayouts/slideLayout6.xml><?xml version="1.0" encoding="utf-8"?>
-<p:sldLayout xmlns:a="http://schemas.openxmlformats.org/drawingml/2006/main" xmlns:r="http://schemas.openxmlformats.org/officeDocument/2006/relationships" xmlns:mc="http://schemas.openxmlformats.org/markup-compatibility/2006" xmlns:mv="urn:schemas-microsoft-com:mac:vml" xmlns:p="http://schemas.openxmlformats.org/presentationml/2006/main" xmlns:c="http://schemas.openxmlformats.org/drawingml/2006/chart" xmlns:dgm="http://schemas.openxmlformats.org/drawingml/2006/diagram" xmlns:o="urn:schemas-microsoft-com:office:office" xmlns:v="urn:schemas-microsoft-com:vml" xmlns:pvml="urn:schemas-microsoft-com:office:powerpoint" xmlns:com="http://schemas.openxmlformats.org/drawingml/2006/compatibility" xmlns:p14="http://schemas.microsoft.com/office/powerpoint/2010/main" xmlns:p15="http://schemas.microsoft.com/office/powerpoint/2012/main" xmlns:ahyp="http://schemas.microsoft.com/office/drawing/2018/hyperlinkcolor" matchingName="One column text">
+<p:sldLayout xmlns:a="http://schemas.openxmlformats.org/drawingml/2006/main" xmlns:r="http://schemas.openxmlformats.org/officeDocument/2006/relationships" xmlns:p="http://schemas.openxmlformats.org/presentationml/2006/main" matchingName="One column text">
   <p:cSld name="ONE_COLUMN_TEXT">
     <p:spTree>
       <p:nvGrpSpPr>
-        <p:cNvPr id="33" name="Shape 33"/>
+        <p:cNvPr id="1" name="Shape 33"/>
         <p:cNvGrpSpPr/>
         <p:nvPr/>
       </p:nvGrpSpPr>
@@ -3607,7 +3808,9 @@
       <p:sp>
         <p:nvSpPr>
           <p:cNvPr id="34" name="Google Shape;34;p7"/>
-          <p:cNvSpPr txBox="1"/>
+          <p:cNvSpPr txBox="1">
+            <a:spLocks noGrp="1"/>
+          </p:cNvSpPr>
           <p:nvPr>
             <p:ph type="title"/>
           </p:nvPr>
@@ -3622,7 +3825,7 @@
           </a:prstGeom>
         </p:spPr>
         <p:txBody>
-          <a:bodyPr anchorCtr="0" anchor="b" bIns="91425" lIns="91425" spcFirstLastPara="1" rIns="91425" wrap="square" tIns="91425">
+          <a:bodyPr spcFirstLastPara="1" wrap="square" lIns="91425" tIns="91425" rIns="91425" bIns="91425" anchor="b" anchorCtr="0">
             <a:normAutofit/>
           </a:bodyPr>
           <a:lstStyle>
@@ -3726,15 +3929,19 @@
               <a:defRPr sz="3000"/>
             </a:lvl9pPr>
           </a:lstStyle>
-          <a:p/>
+          <a:p>
+            <a:endParaRPr/>
+          </a:p>
         </p:txBody>
       </p:sp>
       <p:sp>
         <p:nvSpPr>
           <p:cNvPr id="35" name="Google Shape;35;p7"/>
-          <p:cNvSpPr txBox="1"/>
+          <p:cNvSpPr txBox="1">
+            <a:spLocks noGrp="1"/>
+          </p:cNvSpPr>
           <p:nvPr>
-            <p:ph idx="1" type="body"/>
+            <p:ph type="body" idx="1"/>
           </p:nvPr>
         </p:nvSpPr>
         <p:spPr>
@@ -3747,11 +3954,11 @@
           </a:prstGeom>
         </p:spPr>
         <p:txBody>
-          <a:bodyPr anchorCtr="0" anchor="t" bIns="91425" lIns="91425" spcFirstLastPara="1" rIns="91425" wrap="square" tIns="91425">
+          <a:bodyPr spcFirstLastPara="1" wrap="square" lIns="91425" tIns="91425" rIns="91425" bIns="91425" anchor="t" anchorCtr="0">
             <a:normAutofit/>
           </a:bodyPr>
           <a:lstStyle>
-            <a:lvl1pPr indent="-304800" lvl="0" marL="457200">
+            <a:lvl1pPr marL="457200" lvl="0" indent="-304800">
               <a:spcBef>
                 <a:spcPts val="0"/>
               </a:spcBef>
@@ -3762,7 +3969,7 @@
               <a:buChar char="●"/>
               <a:defRPr sz="1200"/>
             </a:lvl1pPr>
-            <a:lvl2pPr indent="-304800" lvl="1" marL="914400">
+            <a:lvl2pPr marL="914400" lvl="1" indent="-304800">
               <a:spcBef>
                 <a:spcPts val="0"/>
               </a:spcBef>
@@ -3773,7 +3980,7 @@
               <a:buChar char="○"/>
               <a:defRPr sz="1200"/>
             </a:lvl2pPr>
-            <a:lvl3pPr indent="-304800" lvl="2" marL="1371600">
+            <a:lvl3pPr marL="1371600" lvl="2" indent="-304800">
               <a:spcBef>
                 <a:spcPts val="0"/>
               </a:spcBef>
@@ -3784,7 +3991,7 @@
               <a:buChar char="■"/>
               <a:defRPr sz="1200"/>
             </a:lvl3pPr>
-            <a:lvl4pPr indent="-304800" lvl="3" marL="1828800">
+            <a:lvl4pPr marL="1828800" lvl="3" indent="-304800">
               <a:spcBef>
                 <a:spcPts val="0"/>
               </a:spcBef>
@@ -3795,7 +4002,7 @@
               <a:buChar char="●"/>
               <a:defRPr sz="1200"/>
             </a:lvl4pPr>
-            <a:lvl5pPr indent="-304800" lvl="4" marL="2286000">
+            <a:lvl5pPr marL="2286000" lvl="4" indent="-304800">
               <a:spcBef>
                 <a:spcPts val="0"/>
               </a:spcBef>
@@ -3806,7 +4013,7 @@
               <a:buChar char="○"/>
               <a:defRPr sz="1200"/>
             </a:lvl5pPr>
-            <a:lvl6pPr indent="-304800" lvl="5" marL="2743200">
+            <a:lvl6pPr marL="2743200" lvl="5" indent="-304800">
               <a:spcBef>
                 <a:spcPts val="0"/>
               </a:spcBef>
@@ -3817,7 +4024,7 @@
               <a:buChar char="■"/>
               <a:defRPr sz="1200"/>
             </a:lvl6pPr>
-            <a:lvl7pPr indent="-304800" lvl="6" marL="3200400">
+            <a:lvl7pPr marL="3200400" lvl="6" indent="-304800">
               <a:spcBef>
                 <a:spcPts val="0"/>
               </a:spcBef>
@@ -3828,7 +4035,7 @@
               <a:buChar char="●"/>
               <a:defRPr sz="1200"/>
             </a:lvl7pPr>
-            <a:lvl8pPr indent="-304800" lvl="7" marL="3657600">
+            <a:lvl8pPr marL="3657600" lvl="7" indent="-304800">
               <a:spcBef>
                 <a:spcPts val="0"/>
               </a:spcBef>
@@ -3839,7 +4046,7 @@
               <a:buChar char="○"/>
               <a:defRPr sz="1200"/>
             </a:lvl8pPr>
-            <a:lvl9pPr indent="-304800" lvl="8" marL="4114800">
+            <a:lvl9pPr marL="4114800" lvl="8" indent="-304800">
               <a:spcBef>
                 <a:spcPts val="0"/>
               </a:spcBef>
@@ -3851,15 +4058,19 @@
               <a:defRPr sz="1200"/>
             </a:lvl9pPr>
           </a:lstStyle>
-          <a:p/>
+          <a:p>
+            <a:endParaRPr/>
+          </a:p>
         </p:txBody>
       </p:sp>
       <p:sp>
         <p:nvSpPr>
           <p:cNvPr id="36" name="Google Shape;36;p7"/>
-          <p:cNvSpPr txBox="1"/>
+          <p:cNvSpPr txBox="1">
+            <a:spLocks noGrp="1"/>
+          </p:cNvSpPr>
           <p:nvPr>
-            <p:ph idx="12" type="sldNum"/>
+            <p:ph type="sldNum" idx="12"/>
           </p:nvPr>
         </p:nvSpPr>
         <p:spPr>
@@ -3872,7 +4083,7 @@
           </a:prstGeom>
         </p:spPr>
         <p:txBody>
-          <a:bodyPr anchorCtr="0" anchor="ctr" bIns="91425" lIns="91425" spcFirstLastPara="1" rIns="91425" wrap="square" tIns="91425">
+          <a:bodyPr spcFirstLastPara="1" wrap="square" lIns="91425" tIns="91425" rIns="91425" bIns="91425" anchor="ctr" anchorCtr="0">
             <a:normAutofit/>
           </a:bodyPr>
           <a:lstStyle>
@@ -3914,7 +4125,7 @@
             </a:lvl9pPr>
           </a:lstStyle>
           <a:p>
-            <a:pPr indent="0" lvl="0" marL="0" rtl="0" algn="r">
+            <a:pPr marL="0" lvl="0" indent="0" algn="r" rtl="0">
               <a:spcBef>
                 <a:spcPts val="0"/>
               </a:spcBef>
@@ -3925,7 +4136,7 @@
             </a:pPr>
             <a:fld id="{00000000-1234-1234-1234-123412341234}" type="slidenum">
               <a:rPr lang="fr"/>
-              <a:t>‹#›</a:t>
+              <a:t>‹N°›</a:t>
             </a:fld>
             <a:endParaRPr/>
           </a:p>
@@ -3940,11 +4151,11 @@
 </file>
 
 <file path=ppt/slideLayouts/slideLayout7.xml><?xml version="1.0" encoding="utf-8"?>
-<p:sldLayout xmlns:a="http://schemas.openxmlformats.org/drawingml/2006/main" xmlns:r="http://schemas.openxmlformats.org/officeDocument/2006/relationships" xmlns:mc="http://schemas.openxmlformats.org/markup-compatibility/2006" xmlns:mv="urn:schemas-microsoft-com:mac:vml" xmlns:p="http://schemas.openxmlformats.org/presentationml/2006/main" xmlns:c="http://schemas.openxmlformats.org/drawingml/2006/chart" xmlns:dgm="http://schemas.openxmlformats.org/drawingml/2006/diagram" xmlns:o="urn:schemas-microsoft-com:office:office" xmlns:v="urn:schemas-microsoft-com:vml" xmlns:pvml="urn:schemas-microsoft-com:office:powerpoint" xmlns:com="http://schemas.openxmlformats.org/drawingml/2006/compatibility" xmlns:p14="http://schemas.microsoft.com/office/powerpoint/2010/main" xmlns:p15="http://schemas.microsoft.com/office/powerpoint/2012/main" xmlns:ahyp="http://schemas.microsoft.com/office/drawing/2018/hyperlinkcolor" matchingName="Main point">
+<p:sldLayout xmlns:a="http://schemas.openxmlformats.org/drawingml/2006/main" xmlns:r="http://schemas.openxmlformats.org/officeDocument/2006/relationships" xmlns:p="http://schemas.openxmlformats.org/presentationml/2006/main" matchingName="Main point">
   <p:cSld name="MAIN_POINT">
     <p:spTree>
       <p:nvGrpSpPr>
-        <p:cNvPr id="37" name="Shape 37"/>
+        <p:cNvPr id="1" name="Shape 37"/>
         <p:cNvGrpSpPr/>
         <p:nvPr/>
       </p:nvGrpSpPr>
@@ -3978,12 +4189,12 @@
           </a:ln>
         </p:spPr>
         <p:txBody>
-          <a:bodyPr anchorCtr="0" anchor="ctr" bIns="91425" lIns="91425" spcFirstLastPara="1" rIns="91425" wrap="square" tIns="91425">
+          <a:bodyPr spcFirstLastPara="1" wrap="square" lIns="91425" tIns="91425" rIns="91425" bIns="91425" anchor="ctr" anchorCtr="0">
             <a:noAutofit/>
           </a:bodyPr>
           <a:lstStyle/>
           <a:p>
-            <a:pPr indent="0" lvl="0" marL="0" rtl="0" algn="l">
+            <a:pPr marL="0" lvl="0" indent="0" algn="l" rtl="0">
               <a:spcBef>
                 <a:spcPts val="0"/>
               </a:spcBef>
@@ -3992,9 +4203,6 @@
               </a:spcAft>
               <a:buNone/>
             </a:pPr>
-            <a:r>
-              <a:t/>
-            </a:r>
             <a:endParaRPr/>
           </a:p>
         </p:txBody>
@@ -4002,7 +4210,9 @@
       <p:sp>
         <p:nvSpPr>
           <p:cNvPr id="39" name="Google Shape;39;p8"/>
-          <p:cNvSpPr txBox="1"/>
+          <p:cNvSpPr txBox="1">
+            <a:spLocks noGrp="1"/>
+          </p:cNvSpPr>
           <p:nvPr>
             <p:ph type="title"/>
           </p:nvPr>
@@ -4017,7 +4227,7 @@
           </a:prstGeom>
         </p:spPr>
         <p:txBody>
-          <a:bodyPr anchorCtr="0" anchor="ctr" bIns="91425" lIns="91425" spcFirstLastPara="1" rIns="91425" wrap="square" tIns="91425">
+          <a:bodyPr spcFirstLastPara="1" wrap="square" lIns="91425" tIns="91425" rIns="91425" bIns="91425" anchor="ctr" anchorCtr="0">
             <a:normAutofit/>
           </a:bodyPr>
           <a:lstStyle>
@@ -4121,15 +4331,19 @@
               <a:defRPr sz="4800"/>
             </a:lvl9pPr>
           </a:lstStyle>
-          <a:p/>
+          <a:p>
+            <a:endParaRPr/>
+          </a:p>
         </p:txBody>
       </p:sp>
       <p:sp>
         <p:nvSpPr>
           <p:cNvPr id="40" name="Google Shape;40;p8"/>
-          <p:cNvSpPr txBox="1"/>
+          <p:cNvSpPr txBox="1">
+            <a:spLocks noGrp="1"/>
+          </p:cNvSpPr>
           <p:nvPr>
-            <p:ph idx="12" type="sldNum"/>
+            <p:ph type="sldNum" idx="12"/>
           </p:nvPr>
         </p:nvSpPr>
         <p:spPr>
@@ -4142,7 +4356,7 @@
           </a:prstGeom>
         </p:spPr>
         <p:txBody>
-          <a:bodyPr anchorCtr="0" anchor="ctr" bIns="91425" lIns="91425" spcFirstLastPara="1" rIns="91425" wrap="square" tIns="91425">
+          <a:bodyPr spcFirstLastPara="1" wrap="square" lIns="91425" tIns="91425" rIns="91425" bIns="91425" anchor="ctr" anchorCtr="0">
             <a:normAutofit/>
           </a:bodyPr>
           <a:lstStyle>
@@ -4184,7 +4398,7 @@
             </a:lvl9pPr>
           </a:lstStyle>
           <a:p>
-            <a:pPr indent="0" lvl="0" marL="0" rtl="0" algn="r">
+            <a:pPr marL="0" lvl="0" indent="0" algn="r" rtl="0">
               <a:spcBef>
                 <a:spcPts val="0"/>
               </a:spcBef>
@@ -4195,7 +4409,7 @@
             </a:pPr>
             <a:fld id="{00000000-1234-1234-1234-123412341234}" type="slidenum">
               <a:rPr lang="fr"/>
-              <a:t>‹#›</a:t>
+              <a:t>‹N°›</a:t>
             </a:fld>
             <a:endParaRPr/>
           </a:p>
@@ -4210,11 +4424,11 @@
 </file>
 
 <file path=ppt/slideLayouts/slideLayout8.xml><?xml version="1.0" encoding="utf-8"?>
-<p:sldLayout xmlns:a="http://schemas.openxmlformats.org/drawingml/2006/main" xmlns:r="http://schemas.openxmlformats.org/officeDocument/2006/relationships" xmlns:mc="http://schemas.openxmlformats.org/markup-compatibility/2006" xmlns:mv="urn:schemas-microsoft-com:mac:vml" xmlns:p="http://schemas.openxmlformats.org/presentationml/2006/main" xmlns:c="http://schemas.openxmlformats.org/drawingml/2006/chart" xmlns:dgm="http://schemas.openxmlformats.org/drawingml/2006/diagram" xmlns:o="urn:schemas-microsoft-com:office:office" xmlns:v="urn:schemas-microsoft-com:vml" xmlns:pvml="urn:schemas-microsoft-com:office:powerpoint" xmlns:com="http://schemas.openxmlformats.org/drawingml/2006/compatibility" xmlns:p14="http://schemas.microsoft.com/office/powerpoint/2010/main" xmlns:p15="http://schemas.microsoft.com/office/powerpoint/2012/main" xmlns:ahyp="http://schemas.microsoft.com/office/drawing/2018/hyperlinkcolor" matchingName="Section title and description">
+<p:sldLayout xmlns:a="http://schemas.openxmlformats.org/drawingml/2006/main" xmlns:r="http://schemas.openxmlformats.org/officeDocument/2006/relationships" xmlns:p="http://schemas.openxmlformats.org/presentationml/2006/main" matchingName="Section title and description">
   <p:cSld name="SECTION_TITLE_AND_DESCRIPTION">
     <p:spTree>
       <p:nvGrpSpPr>
-        <p:cNvPr id="41" name="Shape 41"/>
+        <p:cNvPr id="1" name="Shape 41"/>
         <p:cNvGrpSpPr/>
         <p:nvPr/>
       </p:nvGrpSpPr>
@@ -4248,12 +4462,12 @@
           </a:ln>
         </p:spPr>
         <p:txBody>
-          <a:bodyPr anchorCtr="0" anchor="ctr" bIns="91425" lIns="91425" spcFirstLastPara="1" rIns="91425" wrap="square" tIns="91425">
+          <a:bodyPr spcFirstLastPara="1" wrap="square" lIns="91425" tIns="91425" rIns="91425" bIns="91425" anchor="ctr" anchorCtr="0">
             <a:noAutofit/>
           </a:bodyPr>
           <a:lstStyle/>
           <a:p>
-            <a:pPr indent="0" lvl="0" marL="0" rtl="0" algn="l">
+            <a:pPr marL="0" lvl="0" indent="0" algn="l" rtl="0">
               <a:spcBef>
                 <a:spcPts val="0"/>
               </a:spcBef>
@@ -4262,9 +4476,6 @@
               </a:spcAft>
               <a:buNone/>
             </a:pPr>
-            <a:r>
-              <a:t/>
-            </a:r>
             <a:endParaRPr/>
           </a:p>
         </p:txBody>
@@ -4284,21 +4495,23 @@
             <a:avLst/>
           </a:prstGeom>
           <a:noFill/>
-          <a:ln cap="flat" cmpd="sng" w="19050">
+          <a:ln w="19050" cap="flat" cmpd="sng">
             <a:solidFill>
               <a:schemeClr val="lt1"/>
             </a:solidFill>
             <a:prstDash val="solid"/>
             <a:round/>
-            <a:headEnd len="sm" w="sm" type="none"/>
-            <a:tailEnd len="sm" w="sm" type="none"/>
+            <a:headEnd type="none" w="sm" len="sm"/>
+            <a:tailEnd type="none" w="sm" len="sm"/>
           </a:ln>
         </p:spPr>
       </p:cxnSp>
       <p:sp>
         <p:nvSpPr>
           <p:cNvPr id="44" name="Google Shape;44;p9"/>
-          <p:cNvSpPr txBox="1"/>
+          <p:cNvSpPr txBox="1">
+            <a:spLocks noGrp="1"/>
+          </p:cNvSpPr>
           <p:nvPr>
             <p:ph type="title"/>
           </p:nvPr>
@@ -4313,7 +4526,7 @@
           </a:prstGeom>
         </p:spPr>
         <p:txBody>
-          <a:bodyPr anchorCtr="0" anchor="b" bIns="91425" lIns="91425" spcFirstLastPara="1" rIns="91425" wrap="square" tIns="91425">
+          <a:bodyPr spcFirstLastPara="1" wrap="square" lIns="91425" tIns="91425" rIns="91425" bIns="91425" anchor="b" anchorCtr="0">
             <a:normAutofit/>
           </a:bodyPr>
           <a:lstStyle>
@@ -4480,15 +4693,19 @@
               </a:defRPr>
             </a:lvl9pPr>
           </a:lstStyle>
-          <a:p/>
+          <a:p>
+            <a:endParaRPr/>
+          </a:p>
         </p:txBody>
       </p:sp>
       <p:sp>
         <p:nvSpPr>
           <p:cNvPr id="45" name="Google Shape;45;p9"/>
-          <p:cNvSpPr txBox="1"/>
+          <p:cNvSpPr txBox="1">
+            <a:spLocks noGrp="1"/>
+          </p:cNvSpPr>
           <p:nvPr>
-            <p:ph idx="1" type="subTitle"/>
+            <p:ph type="subTitle" idx="1"/>
           </p:nvPr>
         </p:nvSpPr>
         <p:spPr>
@@ -4501,7 +4718,7 @@
           </a:prstGeom>
         </p:spPr>
         <p:txBody>
-          <a:bodyPr anchorCtr="0" anchor="t" bIns="91425" lIns="91425" spcFirstLastPara="1" rIns="91425" wrap="square" tIns="91425">
+          <a:bodyPr spcFirstLastPara="1" wrap="square" lIns="91425" tIns="91425" rIns="91425" bIns="91425" anchor="t" anchorCtr="0">
             <a:normAutofit/>
           </a:bodyPr>
           <a:lstStyle>
@@ -4686,15 +4903,19 @@
               </a:defRPr>
             </a:lvl9pPr>
           </a:lstStyle>
-          <a:p/>
+          <a:p>
+            <a:endParaRPr/>
+          </a:p>
         </p:txBody>
       </p:sp>
       <p:sp>
         <p:nvSpPr>
           <p:cNvPr id="46" name="Google Shape;46;p9"/>
-          <p:cNvSpPr txBox="1"/>
+          <p:cNvSpPr txBox="1">
+            <a:spLocks noGrp="1"/>
+          </p:cNvSpPr>
           <p:nvPr>
-            <p:ph idx="2" type="body"/>
+            <p:ph type="body" idx="2"/>
           </p:nvPr>
         </p:nvSpPr>
         <p:spPr>
@@ -4707,11 +4928,11 @@
           </a:prstGeom>
         </p:spPr>
         <p:txBody>
-          <a:bodyPr anchorCtr="0" anchor="ctr" bIns="91425" lIns="91425" spcFirstLastPara="1" rIns="91425" wrap="square" tIns="91425">
+          <a:bodyPr spcFirstLastPara="1" wrap="square" lIns="91425" tIns="91425" rIns="91425" bIns="91425" anchor="ctr" anchorCtr="0">
             <a:normAutofit/>
           </a:bodyPr>
           <a:lstStyle>
-            <a:lvl1pPr indent="-342900" lvl="0" marL="457200">
+            <a:lvl1pPr marL="457200" lvl="0" indent="-342900">
               <a:spcBef>
                 <a:spcPts val="0"/>
               </a:spcBef>
@@ -4729,7 +4950,7 @@
                 </a:solidFill>
               </a:defRPr>
             </a:lvl1pPr>
-            <a:lvl2pPr indent="-317500" lvl="1" marL="914400">
+            <a:lvl2pPr marL="914400" lvl="1" indent="-317500">
               <a:spcBef>
                 <a:spcPts val="0"/>
               </a:spcBef>
@@ -4747,7 +4968,7 @@
                 </a:solidFill>
               </a:defRPr>
             </a:lvl2pPr>
-            <a:lvl3pPr indent="-317500" lvl="2" marL="1371600">
+            <a:lvl3pPr marL="1371600" lvl="2" indent="-317500">
               <a:spcBef>
                 <a:spcPts val="0"/>
               </a:spcBef>
@@ -4765,7 +4986,7 @@
                 </a:solidFill>
               </a:defRPr>
             </a:lvl3pPr>
-            <a:lvl4pPr indent="-317500" lvl="3" marL="1828800">
+            <a:lvl4pPr marL="1828800" lvl="3" indent="-317500">
               <a:spcBef>
                 <a:spcPts val="0"/>
               </a:spcBef>
@@ -4783,7 +5004,7 @@
                 </a:solidFill>
               </a:defRPr>
             </a:lvl4pPr>
-            <a:lvl5pPr indent="-317500" lvl="4" marL="2286000">
+            <a:lvl5pPr marL="2286000" lvl="4" indent="-317500">
               <a:spcBef>
                 <a:spcPts val="0"/>
               </a:spcBef>
@@ -4801,7 +5022,7 @@
                 </a:solidFill>
               </a:defRPr>
             </a:lvl5pPr>
-            <a:lvl6pPr indent="-317500" lvl="5" marL="2743200">
+            <a:lvl6pPr marL="2743200" lvl="5" indent="-317500">
               <a:spcBef>
                 <a:spcPts val="0"/>
               </a:spcBef>
@@ -4819,7 +5040,7 @@
                 </a:solidFill>
               </a:defRPr>
             </a:lvl6pPr>
-            <a:lvl7pPr indent="-317500" lvl="6" marL="3200400">
+            <a:lvl7pPr marL="3200400" lvl="6" indent="-317500">
               <a:spcBef>
                 <a:spcPts val="0"/>
               </a:spcBef>
@@ -4837,7 +5058,7 @@
                 </a:solidFill>
               </a:defRPr>
             </a:lvl7pPr>
-            <a:lvl8pPr indent="-317500" lvl="7" marL="3657600">
+            <a:lvl8pPr marL="3657600" lvl="7" indent="-317500">
               <a:spcBef>
                 <a:spcPts val="0"/>
               </a:spcBef>
@@ -4855,7 +5076,7 @@
                 </a:solidFill>
               </a:defRPr>
             </a:lvl8pPr>
-            <a:lvl9pPr indent="-317500" lvl="8" marL="4114800">
+            <a:lvl9pPr marL="4114800" lvl="8" indent="-317500">
               <a:spcBef>
                 <a:spcPts val="0"/>
               </a:spcBef>
@@ -4874,15 +5095,19 @@
               </a:defRPr>
             </a:lvl9pPr>
           </a:lstStyle>
-          <a:p/>
+          <a:p>
+            <a:endParaRPr/>
+          </a:p>
         </p:txBody>
       </p:sp>
       <p:sp>
         <p:nvSpPr>
           <p:cNvPr id="47" name="Google Shape;47;p9"/>
-          <p:cNvSpPr txBox="1"/>
+          <p:cNvSpPr txBox="1">
+            <a:spLocks noGrp="1"/>
+          </p:cNvSpPr>
           <p:nvPr>
-            <p:ph idx="12" type="sldNum"/>
+            <p:ph type="sldNum" idx="12"/>
           </p:nvPr>
         </p:nvSpPr>
         <p:spPr>
@@ -4895,7 +5120,7 @@
           </a:prstGeom>
         </p:spPr>
         <p:txBody>
-          <a:bodyPr anchorCtr="0" anchor="ctr" bIns="91425" lIns="91425" spcFirstLastPara="1" rIns="91425" wrap="square" tIns="91425">
+          <a:bodyPr spcFirstLastPara="1" wrap="square" lIns="91425" tIns="91425" rIns="91425" bIns="91425" anchor="ctr" anchorCtr="0">
             <a:normAutofit/>
           </a:bodyPr>
           <a:lstStyle>
@@ -4973,7 +5198,7 @@
             </a:lvl9pPr>
           </a:lstStyle>
           <a:p>
-            <a:pPr indent="0" lvl="0" marL="0" rtl="0" algn="r">
+            <a:pPr marL="0" lvl="0" indent="0" algn="r" rtl="0">
               <a:spcBef>
                 <a:spcPts val="0"/>
               </a:spcBef>
@@ -4984,7 +5209,7 @@
             </a:pPr>
             <a:fld id="{00000000-1234-1234-1234-123412341234}" type="slidenum">
               <a:rPr lang="fr"/>
-              <a:t>‹#›</a:t>
+              <a:t>‹N°›</a:t>
             </a:fld>
             <a:endParaRPr/>
           </a:p>
@@ -4999,11 +5224,11 @@
 </file>
 
 <file path=ppt/slideLayouts/slideLayout9.xml><?xml version="1.0" encoding="utf-8"?>
-<p:sldLayout xmlns:a="http://schemas.openxmlformats.org/drawingml/2006/main" xmlns:r="http://schemas.openxmlformats.org/officeDocument/2006/relationships" xmlns:mc="http://schemas.openxmlformats.org/markup-compatibility/2006" xmlns:mv="urn:schemas-microsoft-com:mac:vml" xmlns:p="http://schemas.openxmlformats.org/presentationml/2006/main" xmlns:c="http://schemas.openxmlformats.org/drawingml/2006/chart" xmlns:dgm="http://schemas.openxmlformats.org/drawingml/2006/diagram" xmlns:o="urn:schemas-microsoft-com:office:office" xmlns:v="urn:schemas-microsoft-com:vml" xmlns:pvml="urn:schemas-microsoft-com:office:powerpoint" xmlns:com="http://schemas.openxmlformats.org/drawingml/2006/compatibility" xmlns:p14="http://schemas.microsoft.com/office/powerpoint/2010/main" xmlns:p15="http://schemas.microsoft.com/office/powerpoint/2012/main" xmlns:ahyp="http://schemas.microsoft.com/office/drawing/2018/hyperlinkcolor" matchingName="Caption">
+<p:sldLayout xmlns:a="http://schemas.openxmlformats.org/drawingml/2006/main" xmlns:r="http://schemas.openxmlformats.org/officeDocument/2006/relationships" xmlns:p="http://schemas.openxmlformats.org/presentationml/2006/main" matchingName="Caption">
   <p:cSld name="CAPTION_ONLY">
     <p:spTree>
       <p:nvGrpSpPr>
-        <p:cNvPr id="48" name="Shape 48"/>
+        <p:cNvPr id="1" name="Shape 48"/>
         <p:cNvGrpSpPr/>
         <p:nvPr/>
       </p:nvGrpSpPr>
@@ -5018,9 +5243,11 @@
       <p:sp>
         <p:nvSpPr>
           <p:cNvPr id="49" name="Google Shape;49;p10"/>
-          <p:cNvSpPr txBox="1"/>
+          <p:cNvSpPr txBox="1">
+            <a:spLocks noGrp="1"/>
+          </p:cNvSpPr>
           <p:nvPr>
-            <p:ph idx="1" type="body"/>
+            <p:ph type="body" idx="1"/>
           </p:nvPr>
         </p:nvSpPr>
         <p:spPr>
@@ -5033,11 +5260,11 @@
           </a:prstGeom>
         </p:spPr>
         <p:txBody>
-          <a:bodyPr anchorCtr="0" anchor="ctr" bIns="91425" lIns="91425" spcFirstLastPara="1" rIns="91425" wrap="square" tIns="91425">
+          <a:bodyPr spcFirstLastPara="1" wrap="square" lIns="91425" tIns="91425" rIns="91425" bIns="91425" anchor="ctr" anchorCtr="0">
             <a:normAutofit/>
           </a:bodyPr>
           <a:lstStyle>
-            <a:lvl1pPr indent="-228600" lvl="0" marL="457200">
+            <a:lvl1pPr marL="457200" lvl="0" indent="-228600">
               <a:lnSpc>
                 <a:spcPct val="100000"/>
               </a:lnSpc>
@@ -5058,15 +5285,19 @@
               </a:defRPr>
             </a:lvl1pPr>
           </a:lstStyle>
-          <a:p/>
+          <a:p>
+            <a:endParaRPr/>
+          </a:p>
         </p:txBody>
       </p:sp>
       <p:sp>
         <p:nvSpPr>
           <p:cNvPr id="50" name="Google Shape;50;p10"/>
-          <p:cNvSpPr txBox="1"/>
+          <p:cNvSpPr txBox="1">
+            <a:spLocks noGrp="1"/>
+          </p:cNvSpPr>
           <p:nvPr>
-            <p:ph idx="12" type="sldNum"/>
+            <p:ph type="sldNum" idx="12"/>
           </p:nvPr>
         </p:nvSpPr>
         <p:spPr>
@@ -5079,7 +5310,7 @@
           </a:prstGeom>
         </p:spPr>
         <p:txBody>
-          <a:bodyPr anchorCtr="0" anchor="ctr" bIns="91425" lIns="91425" spcFirstLastPara="1" rIns="91425" wrap="square" tIns="91425">
+          <a:bodyPr spcFirstLastPara="1" wrap="square" lIns="91425" tIns="91425" rIns="91425" bIns="91425" anchor="ctr" anchorCtr="0">
             <a:normAutofit/>
           </a:bodyPr>
           <a:lstStyle>
@@ -5121,7 +5352,7 @@
             </a:lvl9pPr>
           </a:lstStyle>
           <a:p>
-            <a:pPr indent="0" lvl="0" marL="0" rtl="0" algn="r">
+            <a:pPr marL="0" lvl="0" indent="0" algn="r" rtl="0">
               <a:spcBef>
                 <a:spcPts val="0"/>
               </a:spcBef>
@@ -5132,7 +5363,7 @@
             </a:pPr>
             <a:fld id="{00000000-1234-1234-1234-123412341234}" type="slidenum">
               <a:rPr lang="fr"/>
-              <a:t>‹#›</a:t>
+              <a:t>‹N°›</a:t>
             </a:fld>
             <a:endParaRPr/>
           </a:p>
@@ -5147,18 +5378,19 @@
 </file>
 
 <file path=ppt/slideMasters/slideMaster1.xml><?xml version="1.0" encoding="utf-8"?>
-<p:sldMaster xmlns:a="http://schemas.openxmlformats.org/drawingml/2006/main" xmlns:r="http://schemas.openxmlformats.org/officeDocument/2006/relationships" xmlns:mc="http://schemas.openxmlformats.org/markup-compatibility/2006" xmlns:mv="urn:schemas-microsoft-com:mac:vml" xmlns:p="http://schemas.openxmlformats.org/presentationml/2006/main" xmlns:c="http://schemas.openxmlformats.org/drawingml/2006/chart" xmlns:dgm="http://schemas.openxmlformats.org/drawingml/2006/diagram" xmlns:o="urn:schemas-microsoft-com:office:office" xmlns:v="urn:schemas-microsoft-com:vml" xmlns:pvml="urn:schemas-microsoft-com:office:powerpoint" xmlns:com="http://schemas.openxmlformats.org/drawingml/2006/compatibility" xmlns:p14="http://schemas.microsoft.com/office/powerpoint/2010/main" xmlns:p15="http://schemas.microsoft.com/office/powerpoint/2012/main" xmlns:ahyp="http://schemas.microsoft.com/office/drawing/2018/hyperlinkcolor">
+<p:sldMaster xmlns:a="http://schemas.openxmlformats.org/drawingml/2006/main" xmlns:r="http://schemas.openxmlformats.org/officeDocument/2006/relationships" xmlns:p="http://schemas.openxmlformats.org/presentationml/2006/main">
   <p:cSld name="luxe">
     <p:bg>
       <p:bgPr>
         <a:solidFill>
           <a:schemeClr val="lt1"/>
         </a:solidFill>
+        <a:effectLst/>
       </p:bgPr>
     </p:bg>
     <p:spTree>
       <p:nvGrpSpPr>
-        <p:cNvPr id="5" name="Shape 5"/>
+        <p:cNvPr id="1" name="Shape 5"/>
         <p:cNvGrpSpPr/>
         <p:nvPr/>
       </p:nvGrpSpPr>
@@ -5173,7 +5405,9 @@
       <p:sp>
         <p:nvSpPr>
           <p:cNvPr id="6" name="Google Shape;6;p1"/>
-          <p:cNvSpPr txBox="1"/>
+          <p:cNvSpPr txBox="1">
+            <a:spLocks noGrp="1"/>
+          </p:cNvSpPr>
           <p:nvPr>
             <p:ph type="title"/>
           </p:nvPr>
@@ -5192,7 +5426,7 @@
           </a:ln>
         </p:spPr>
         <p:txBody>
-          <a:bodyPr anchorCtr="0" anchor="b" bIns="91425" lIns="91425" spcFirstLastPara="1" rIns="91425" wrap="square" tIns="91425">
+          <a:bodyPr spcFirstLastPara="1" wrap="square" lIns="91425" tIns="91425" rIns="91425" bIns="91425" anchor="b" anchorCtr="0">
             <a:normAutofit/>
           </a:bodyPr>
           <a:lstStyle>
@@ -5404,15 +5638,19 @@
               </a:defRPr>
             </a:lvl9pPr>
           </a:lstStyle>
-          <a:p/>
+          <a:p>
+            <a:endParaRPr/>
+          </a:p>
         </p:txBody>
       </p:sp>
       <p:sp>
         <p:nvSpPr>
           <p:cNvPr id="7" name="Google Shape;7;p1"/>
-          <p:cNvSpPr txBox="1"/>
+          <p:cNvSpPr txBox="1">
+            <a:spLocks noGrp="1"/>
+          </p:cNvSpPr>
           <p:nvPr>
-            <p:ph idx="1" type="body"/>
+            <p:ph type="body" idx="1"/>
           </p:nvPr>
         </p:nvSpPr>
         <p:spPr>
@@ -5429,11 +5667,11 @@
           </a:ln>
         </p:spPr>
         <p:txBody>
-          <a:bodyPr anchorCtr="0" anchor="t" bIns="91425" lIns="91425" spcFirstLastPara="1" rIns="91425" wrap="square" tIns="91425">
+          <a:bodyPr spcFirstLastPara="1" wrap="square" lIns="91425" tIns="91425" rIns="91425" bIns="91425" anchor="t" anchorCtr="0">
             <a:normAutofit/>
           </a:bodyPr>
           <a:lstStyle>
-            <a:lvl1pPr indent="-342900" lvl="0" marL="457200">
+            <a:lvl1pPr marL="457200" lvl="0" indent="-342900">
               <a:lnSpc>
                 <a:spcPct val="115000"/>
               </a:lnSpc>
@@ -5459,7 +5697,7 @@
                 <a:sym typeface="Open Sans"/>
               </a:defRPr>
             </a:lvl1pPr>
-            <a:lvl2pPr indent="-317500" lvl="1" marL="914400">
+            <a:lvl2pPr marL="914400" lvl="1" indent="-317500">
               <a:lnSpc>
                 <a:spcPct val="115000"/>
               </a:lnSpc>
@@ -5485,7 +5723,7 @@
                 <a:sym typeface="Open Sans"/>
               </a:defRPr>
             </a:lvl2pPr>
-            <a:lvl3pPr indent="-317500" lvl="2" marL="1371600">
+            <a:lvl3pPr marL="1371600" lvl="2" indent="-317500">
               <a:lnSpc>
                 <a:spcPct val="115000"/>
               </a:lnSpc>
@@ -5511,7 +5749,7 @@
                 <a:sym typeface="Open Sans"/>
               </a:defRPr>
             </a:lvl3pPr>
-            <a:lvl4pPr indent="-317500" lvl="3" marL="1828800">
+            <a:lvl4pPr marL="1828800" lvl="3" indent="-317500">
               <a:lnSpc>
                 <a:spcPct val="115000"/>
               </a:lnSpc>
@@ -5537,7 +5775,7 @@
                 <a:sym typeface="Open Sans"/>
               </a:defRPr>
             </a:lvl4pPr>
-            <a:lvl5pPr indent="-317500" lvl="4" marL="2286000">
+            <a:lvl5pPr marL="2286000" lvl="4" indent="-317500">
               <a:lnSpc>
                 <a:spcPct val="115000"/>
               </a:lnSpc>
@@ -5563,7 +5801,7 @@
                 <a:sym typeface="Open Sans"/>
               </a:defRPr>
             </a:lvl5pPr>
-            <a:lvl6pPr indent="-317500" lvl="5" marL="2743200">
+            <a:lvl6pPr marL="2743200" lvl="5" indent="-317500">
               <a:lnSpc>
                 <a:spcPct val="115000"/>
               </a:lnSpc>
@@ -5589,7 +5827,7 @@
                 <a:sym typeface="Open Sans"/>
               </a:defRPr>
             </a:lvl6pPr>
-            <a:lvl7pPr indent="-317500" lvl="6" marL="3200400">
+            <a:lvl7pPr marL="3200400" lvl="6" indent="-317500">
               <a:lnSpc>
                 <a:spcPct val="115000"/>
               </a:lnSpc>
@@ -5615,7 +5853,7 @@
                 <a:sym typeface="Open Sans"/>
               </a:defRPr>
             </a:lvl7pPr>
-            <a:lvl8pPr indent="-317500" lvl="7" marL="3657600">
+            <a:lvl8pPr marL="3657600" lvl="7" indent="-317500">
               <a:lnSpc>
                 <a:spcPct val="115000"/>
               </a:lnSpc>
@@ -5641,7 +5879,7 @@
                 <a:sym typeface="Open Sans"/>
               </a:defRPr>
             </a:lvl8pPr>
-            <a:lvl9pPr indent="-317500" lvl="8" marL="4114800">
+            <a:lvl9pPr marL="4114800" lvl="8" indent="-317500">
               <a:lnSpc>
                 <a:spcPct val="115000"/>
               </a:lnSpc>
@@ -5668,15 +5906,19 @@
               </a:defRPr>
             </a:lvl9pPr>
           </a:lstStyle>
-          <a:p/>
+          <a:p>
+            <a:endParaRPr/>
+          </a:p>
         </p:txBody>
       </p:sp>
       <p:sp>
         <p:nvSpPr>
           <p:cNvPr id="8" name="Google Shape;8;p1"/>
-          <p:cNvSpPr txBox="1"/>
+          <p:cNvSpPr txBox="1">
+            <a:spLocks noGrp="1"/>
+          </p:cNvSpPr>
           <p:nvPr>
-            <p:ph idx="12" type="sldNum"/>
+            <p:ph type="sldNum" idx="12"/>
           </p:nvPr>
         </p:nvSpPr>
         <p:spPr>
@@ -5693,7 +5935,7 @@
           </a:ln>
         </p:spPr>
         <p:txBody>
-          <a:bodyPr anchorCtr="0" anchor="ctr" bIns="91425" lIns="91425" spcFirstLastPara="1" rIns="91425" wrap="square" tIns="91425">
+          <a:bodyPr spcFirstLastPara="1" wrap="square" lIns="91425" tIns="91425" rIns="91425" bIns="91425" anchor="ctr" anchorCtr="0">
             <a:normAutofit/>
           </a:bodyPr>
           <a:lstStyle>
@@ -5807,7 +6049,7 @@
             </a:lvl9pPr>
           </a:lstStyle>
           <a:p>
-            <a:pPr indent="0" lvl="0" marL="0" rtl="0" algn="r">
+            <a:pPr marL="0" lvl="0" indent="0" algn="r" rtl="0">
               <a:spcBef>
                 <a:spcPts val="0"/>
               </a:spcBef>
@@ -5818,7 +6060,7 @@
             </a:pPr>
             <a:fld id="{00000000-1234-1234-1234-123412341234}" type="slidenum">
               <a:rPr lang="fr"/>
-              <a:t>‹#›</a:t>
+              <a:t>‹N°›</a:t>
             </a:fld>
             <a:endParaRPr/>
           </a:p>
@@ -5826,7 +6068,7 @@
       </p:sp>
     </p:spTree>
   </p:cSld>
-  <p:clrMap accent1="accent1" accent2="accent2" accent3="accent3" accent4="accent4" accent5="accent5" accent6="accent6" bg1="lt1" bg2="dk2" tx1="dk1" tx2="lt2" folHlink="folHlink" hlink="hlink"/>
+  <p:clrMap bg1="lt1" tx1="dk1" bg2="dk2" tx2="lt2" accent1="accent1" accent2="accent2" accent3="accent3" accent4="accent4" accent5="accent5" accent6="accent6" hlink="hlink" folHlink="folHlink"/>
   <p:sldLayoutIdLst>
     <p:sldLayoutId id="2147483648" r:id="rId1"/>
     <p:sldLayoutId id="2147483649" r:id="rId2"/>
@@ -5840,10 +6082,10 @@
     <p:sldLayoutId id="2147483657" r:id="rId10"/>
     <p:sldLayoutId id="2147483658" r:id="rId11"/>
   </p:sldLayoutIdLst>
-  <p:hf dt="0" ftr="0" hdr="0" sldNum="0"/>
+  <p:hf sldNum="0" hdr="0" ftr="0" dt="0"/>
   <p:txStyles>
     <p:titleStyle>
-      <a:defPPr lvl="0" marR="0" rtl="0" algn="l">
+      <a:defPPr marR="0" lvl="0" algn="l" rtl="0">
         <a:lnSpc>
           <a:spcPct val="100000"/>
         </a:lnSpc>
@@ -5854,7 +6096,7 @@
           <a:spcPts val="0"/>
         </a:spcAft>
       </a:defPPr>
-      <a:lvl1pPr lvl="0" marR="0" rtl="0" algn="l">
+      <a:lvl1pPr marR="0" lvl="0" algn="l" rtl="0">
         <a:lnSpc>
           <a:spcPct val="100000"/>
         </a:lnSpc>
@@ -5868,7 +6110,7 @@
           <a:srgbClr val="000000"/>
         </a:buClr>
         <a:buFont typeface="Arial"/>
-        <a:defRPr b="0" i="0" sz="1400" u="none" cap="none" strike="noStrike">
+        <a:defRPr sz="1400" b="0" i="0" u="none" strike="noStrike" cap="none">
           <a:solidFill>
             <a:srgbClr val="000000"/>
           </a:solidFill>
@@ -5878,7 +6120,7 @@
           <a:sym typeface="Arial"/>
         </a:defRPr>
       </a:lvl1pPr>
-      <a:lvl2pPr lvl="1" marR="0" rtl="0" algn="l">
+      <a:lvl2pPr marR="0" lvl="1" algn="l" rtl="0">
         <a:lnSpc>
           <a:spcPct val="100000"/>
         </a:lnSpc>
@@ -5892,7 +6134,7 @@
           <a:srgbClr val="000000"/>
         </a:buClr>
         <a:buFont typeface="Arial"/>
-        <a:defRPr b="0" i="0" sz="1400" u="none" cap="none" strike="noStrike">
+        <a:defRPr sz="1400" b="0" i="0" u="none" strike="noStrike" cap="none">
           <a:solidFill>
             <a:srgbClr val="000000"/>
           </a:solidFill>
@@ -5902,7 +6144,7 @@
           <a:sym typeface="Arial"/>
         </a:defRPr>
       </a:lvl2pPr>
-      <a:lvl3pPr lvl="2" marR="0" rtl="0" algn="l">
+      <a:lvl3pPr marR="0" lvl="2" algn="l" rtl="0">
         <a:lnSpc>
           <a:spcPct val="100000"/>
         </a:lnSpc>
@@ -5916,7 +6158,7 @@
           <a:srgbClr val="000000"/>
         </a:buClr>
         <a:buFont typeface="Arial"/>
-        <a:defRPr b="0" i="0" sz="1400" u="none" cap="none" strike="noStrike">
+        <a:defRPr sz="1400" b="0" i="0" u="none" strike="noStrike" cap="none">
           <a:solidFill>
             <a:srgbClr val="000000"/>
           </a:solidFill>
@@ -5926,7 +6168,7 @@
           <a:sym typeface="Arial"/>
         </a:defRPr>
       </a:lvl3pPr>
-      <a:lvl4pPr lvl="3" marR="0" rtl="0" algn="l">
+      <a:lvl4pPr marR="0" lvl="3" algn="l" rtl="0">
         <a:lnSpc>
           <a:spcPct val="100000"/>
         </a:lnSpc>
@@ -5940,7 +6182,7 @@
           <a:srgbClr val="000000"/>
         </a:buClr>
         <a:buFont typeface="Arial"/>
-        <a:defRPr b="0" i="0" sz="1400" u="none" cap="none" strike="noStrike">
+        <a:defRPr sz="1400" b="0" i="0" u="none" strike="noStrike" cap="none">
           <a:solidFill>
             <a:srgbClr val="000000"/>
           </a:solidFill>
@@ -5950,7 +6192,7 @@
           <a:sym typeface="Arial"/>
         </a:defRPr>
       </a:lvl4pPr>
-      <a:lvl5pPr lvl="4" marR="0" rtl="0" algn="l">
+      <a:lvl5pPr marR="0" lvl="4" algn="l" rtl="0">
         <a:lnSpc>
           <a:spcPct val="100000"/>
         </a:lnSpc>
@@ -5964,7 +6206,7 @@
           <a:srgbClr val="000000"/>
         </a:buClr>
         <a:buFont typeface="Arial"/>
-        <a:defRPr b="0" i="0" sz="1400" u="none" cap="none" strike="noStrike">
+        <a:defRPr sz="1400" b="0" i="0" u="none" strike="noStrike" cap="none">
           <a:solidFill>
             <a:srgbClr val="000000"/>
           </a:solidFill>
@@ -5974,7 +6216,7 @@
           <a:sym typeface="Arial"/>
         </a:defRPr>
       </a:lvl5pPr>
-      <a:lvl6pPr lvl="5" marR="0" rtl="0" algn="l">
+      <a:lvl6pPr marR="0" lvl="5" algn="l" rtl="0">
         <a:lnSpc>
           <a:spcPct val="100000"/>
         </a:lnSpc>
@@ -5988,7 +6230,7 @@
           <a:srgbClr val="000000"/>
         </a:buClr>
         <a:buFont typeface="Arial"/>
-        <a:defRPr b="0" i="0" sz="1400" u="none" cap="none" strike="noStrike">
+        <a:defRPr sz="1400" b="0" i="0" u="none" strike="noStrike" cap="none">
           <a:solidFill>
             <a:srgbClr val="000000"/>
           </a:solidFill>
@@ -5998,7 +6240,7 @@
           <a:sym typeface="Arial"/>
         </a:defRPr>
       </a:lvl6pPr>
-      <a:lvl7pPr lvl="6" marR="0" rtl="0" algn="l">
+      <a:lvl7pPr marR="0" lvl="6" algn="l" rtl="0">
         <a:lnSpc>
           <a:spcPct val="100000"/>
         </a:lnSpc>
@@ -6012,7 +6254,7 @@
           <a:srgbClr val="000000"/>
         </a:buClr>
         <a:buFont typeface="Arial"/>
-        <a:defRPr b="0" i="0" sz="1400" u="none" cap="none" strike="noStrike">
+        <a:defRPr sz="1400" b="0" i="0" u="none" strike="noStrike" cap="none">
           <a:solidFill>
             <a:srgbClr val="000000"/>
           </a:solidFill>
@@ -6022,7 +6264,7 @@
           <a:sym typeface="Arial"/>
         </a:defRPr>
       </a:lvl7pPr>
-      <a:lvl8pPr lvl="7" marR="0" rtl="0" algn="l">
+      <a:lvl8pPr marR="0" lvl="7" algn="l" rtl="0">
         <a:lnSpc>
           <a:spcPct val="100000"/>
         </a:lnSpc>
@@ -6036,7 +6278,7 @@
           <a:srgbClr val="000000"/>
         </a:buClr>
         <a:buFont typeface="Arial"/>
-        <a:defRPr b="0" i="0" sz="1400" u="none" cap="none" strike="noStrike">
+        <a:defRPr sz="1400" b="0" i="0" u="none" strike="noStrike" cap="none">
           <a:solidFill>
             <a:srgbClr val="000000"/>
           </a:solidFill>
@@ -6046,7 +6288,7 @@
           <a:sym typeface="Arial"/>
         </a:defRPr>
       </a:lvl8pPr>
-      <a:lvl9pPr lvl="8" marR="0" rtl="0" algn="l">
+      <a:lvl9pPr marR="0" lvl="8" algn="l" rtl="0">
         <a:lnSpc>
           <a:spcPct val="100000"/>
         </a:lnSpc>
@@ -6060,7 +6302,7 @@
           <a:srgbClr val="000000"/>
         </a:buClr>
         <a:buFont typeface="Arial"/>
-        <a:defRPr b="0" i="0" sz="1400" u="none" cap="none" strike="noStrike">
+        <a:defRPr sz="1400" b="0" i="0" u="none" strike="noStrike" cap="none">
           <a:solidFill>
             <a:srgbClr val="000000"/>
           </a:solidFill>
@@ -6072,7 +6314,7 @@
       </a:lvl9pPr>
     </p:titleStyle>
     <p:bodyStyle>
-      <a:defPPr lvl="0" marR="0" rtl="0" algn="l">
+      <a:defPPr marR="0" lvl="0" algn="l" rtl="0">
         <a:lnSpc>
           <a:spcPct val="100000"/>
         </a:lnSpc>
@@ -6083,7 +6325,7 @@
           <a:spcPts val="0"/>
         </a:spcAft>
       </a:defPPr>
-      <a:lvl1pPr lvl="0" marR="0" rtl="0" algn="l">
+      <a:lvl1pPr marR="0" lvl="0" algn="l" rtl="0">
         <a:lnSpc>
           <a:spcPct val="100000"/>
         </a:lnSpc>
@@ -6097,7 +6339,7 @@
           <a:srgbClr val="000000"/>
         </a:buClr>
         <a:buFont typeface="Arial"/>
-        <a:defRPr b="0" i="0" sz="1400" u="none" cap="none" strike="noStrike">
+        <a:defRPr sz="1400" b="0" i="0" u="none" strike="noStrike" cap="none">
           <a:solidFill>
             <a:srgbClr val="000000"/>
           </a:solidFill>
@@ -6107,7 +6349,7 @@
           <a:sym typeface="Arial"/>
         </a:defRPr>
       </a:lvl1pPr>
-      <a:lvl2pPr lvl="1" marR="0" rtl="0" algn="l">
+      <a:lvl2pPr marR="0" lvl="1" algn="l" rtl="0">
         <a:lnSpc>
           <a:spcPct val="100000"/>
         </a:lnSpc>
@@ -6121,7 +6363,7 @@
           <a:srgbClr val="000000"/>
         </a:buClr>
         <a:buFont typeface="Arial"/>
-        <a:defRPr b="0" i="0" sz="1400" u="none" cap="none" strike="noStrike">
+        <a:defRPr sz="1400" b="0" i="0" u="none" strike="noStrike" cap="none">
           <a:solidFill>
             <a:srgbClr val="000000"/>
           </a:solidFill>
@@ -6131,7 +6373,7 @@
           <a:sym typeface="Arial"/>
         </a:defRPr>
       </a:lvl2pPr>
-      <a:lvl3pPr lvl="2" marR="0" rtl="0" algn="l">
+      <a:lvl3pPr marR="0" lvl="2" algn="l" rtl="0">
         <a:lnSpc>
           <a:spcPct val="100000"/>
         </a:lnSpc>
@@ -6145,7 +6387,7 @@
           <a:srgbClr val="000000"/>
         </a:buClr>
         <a:buFont typeface="Arial"/>
-        <a:defRPr b="0" i="0" sz="1400" u="none" cap="none" strike="noStrike">
+        <a:defRPr sz="1400" b="0" i="0" u="none" strike="noStrike" cap="none">
           <a:solidFill>
             <a:srgbClr val="000000"/>
           </a:solidFill>
@@ -6155,7 +6397,7 @@
           <a:sym typeface="Arial"/>
         </a:defRPr>
       </a:lvl3pPr>
-      <a:lvl4pPr lvl="3" marR="0" rtl="0" algn="l">
+      <a:lvl4pPr marR="0" lvl="3" algn="l" rtl="0">
         <a:lnSpc>
           <a:spcPct val="100000"/>
         </a:lnSpc>
@@ -6169,7 +6411,7 @@
           <a:srgbClr val="000000"/>
         </a:buClr>
         <a:buFont typeface="Arial"/>
-        <a:defRPr b="0" i="0" sz="1400" u="none" cap="none" strike="noStrike">
+        <a:defRPr sz="1400" b="0" i="0" u="none" strike="noStrike" cap="none">
           <a:solidFill>
             <a:srgbClr val="000000"/>
           </a:solidFill>
@@ -6179,7 +6421,7 @@
           <a:sym typeface="Arial"/>
         </a:defRPr>
       </a:lvl4pPr>
-      <a:lvl5pPr lvl="4" marR="0" rtl="0" algn="l">
+      <a:lvl5pPr marR="0" lvl="4" algn="l" rtl="0">
         <a:lnSpc>
           <a:spcPct val="100000"/>
         </a:lnSpc>
@@ -6193,7 +6435,7 @@
           <a:srgbClr val="000000"/>
         </a:buClr>
         <a:buFont typeface="Arial"/>
-        <a:defRPr b="0" i="0" sz="1400" u="none" cap="none" strike="noStrike">
+        <a:defRPr sz="1400" b="0" i="0" u="none" strike="noStrike" cap="none">
           <a:solidFill>
             <a:srgbClr val="000000"/>
           </a:solidFill>
@@ -6203,7 +6445,7 @@
           <a:sym typeface="Arial"/>
         </a:defRPr>
       </a:lvl5pPr>
-      <a:lvl6pPr lvl="5" marR="0" rtl="0" algn="l">
+      <a:lvl6pPr marR="0" lvl="5" algn="l" rtl="0">
         <a:lnSpc>
           <a:spcPct val="100000"/>
         </a:lnSpc>
@@ -6217,7 +6459,7 @@
           <a:srgbClr val="000000"/>
         </a:buClr>
         <a:buFont typeface="Arial"/>
-        <a:defRPr b="0" i="0" sz="1400" u="none" cap="none" strike="noStrike">
+        <a:defRPr sz="1400" b="0" i="0" u="none" strike="noStrike" cap="none">
           <a:solidFill>
             <a:srgbClr val="000000"/>
           </a:solidFill>
@@ -6227,7 +6469,7 @@
           <a:sym typeface="Arial"/>
         </a:defRPr>
       </a:lvl6pPr>
-      <a:lvl7pPr lvl="6" marR="0" rtl="0" algn="l">
+      <a:lvl7pPr marR="0" lvl="6" algn="l" rtl="0">
         <a:lnSpc>
           <a:spcPct val="100000"/>
         </a:lnSpc>
@@ -6241,7 +6483,7 @@
           <a:srgbClr val="000000"/>
         </a:buClr>
         <a:buFont typeface="Arial"/>
-        <a:defRPr b="0" i="0" sz="1400" u="none" cap="none" strike="noStrike">
+        <a:defRPr sz="1400" b="0" i="0" u="none" strike="noStrike" cap="none">
           <a:solidFill>
             <a:srgbClr val="000000"/>
           </a:solidFill>
@@ -6251,7 +6493,7 @@
           <a:sym typeface="Arial"/>
         </a:defRPr>
       </a:lvl7pPr>
-      <a:lvl8pPr lvl="7" marR="0" rtl="0" algn="l">
+      <a:lvl8pPr marR="0" lvl="7" algn="l" rtl="0">
         <a:lnSpc>
           <a:spcPct val="100000"/>
         </a:lnSpc>
@@ -6265,7 +6507,7 @@
           <a:srgbClr val="000000"/>
         </a:buClr>
         <a:buFont typeface="Arial"/>
-        <a:defRPr b="0" i="0" sz="1400" u="none" cap="none" strike="noStrike">
+        <a:defRPr sz="1400" b="0" i="0" u="none" strike="noStrike" cap="none">
           <a:solidFill>
             <a:srgbClr val="000000"/>
           </a:solidFill>
@@ -6275,7 +6517,7 @@
           <a:sym typeface="Arial"/>
         </a:defRPr>
       </a:lvl8pPr>
-      <a:lvl9pPr lvl="8" marR="0" rtl="0" algn="l">
+      <a:lvl9pPr marR="0" lvl="8" algn="l" rtl="0">
         <a:lnSpc>
           <a:spcPct val="100000"/>
         </a:lnSpc>
@@ -6289,7 +6531,7 @@
           <a:srgbClr val="000000"/>
         </a:buClr>
         <a:buFont typeface="Arial"/>
-        <a:defRPr b="0" i="0" sz="1400" u="none" cap="none" strike="noStrike">
+        <a:defRPr sz="1400" b="0" i="0" u="none" strike="noStrike" cap="none">
           <a:solidFill>
             <a:srgbClr val="000000"/>
           </a:solidFill>
@@ -6301,7 +6543,7 @@
       </a:lvl9pPr>
     </p:bodyStyle>
     <p:otherStyle>
-      <a:defPPr lvl="0" marR="0" rtl="0" algn="l">
+      <a:defPPr marR="0" lvl="0" algn="l" rtl="0">
         <a:lnSpc>
           <a:spcPct val="100000"/>
         </a:lnSpc>
@@ -6312,7 +6554,7 @@
           <a:spcPts val="0"/>
         </a:spcAft>
       </a:defPPr>
-      <a:lvl1pPr lvl="0" marR="0" rtl="0" algn="l">
+      <a:lvl1pPr marR="0" lvl="0" algn="l" rtl="0">
         <a:lnSpc>
           <a:spcPct val="100000"/>
         </a:lnSpc>
@@ -6326,7 +6568,7 @@
           <a:srgbClr val="000000"/>
         </a:buClr>
         <a:buFont typeface="Arial"/>
-        <a:defRPr b="0" i="0" sz="1400" u="none" cap="none" strike="noStrike">
+        <a:defRPr sz="1400" b="0" i="0" u="none" strike="noStrike" cap="none">
           <a:solidFill>
             <a:srgbClr val="000000"/>
           </a:solidFill>
@@ -6336,7 +6578,7 @@
           <a:sym typeface="Arial"/>
         </a:defRPr>
       </a:lvl1pPr>
-      <a:lvl2pPr lvl="1" marR="0" rtl="0" algn="l">
+      <a:lvl2pPr marR="0" lvl="1" algn="l" rtl="0">
         <a:lnSpc>
           <a:spcPct val="100000"/>
         </a:lnSpc>
@@ -6350,7 +6592,7 @@
           <a:srgbClr val="000000"/>
         </a:buClr>
         <a:buFont typeface="Arial"/>
-        <a:defRPr b="0" i="0" sz="1400" u="none" cap="none" strike="noStrike">
+        <a:defRPr sz="1400" b="0" i="0" u="none" strike="noStrike" cap="none">
           <a:solidFill>
             <a:srgbClr val="000000"/>
           </a:solidFill>
@@ -6360,7 +6602,7 @@
           <a:sym typeface="Arial"/>
         </a:defRPr>
       </a:lvl2pPr>
-      <a:lvl3pPr lvl="2" marR="0" rtl="0" algn="l">
+      <a:lvl3pPr marR="0" lvl="2" algn="l" rtl="0">
         <a:lnSpc>
           <a:spcPct val="100000"/>
         </a:lnSpc>
@@ -6374,7 +6616,7 @@
           <a:srgbClr val="000000"/>
         </a:buClr>
         <a:buFont typeface="Arial"/>
-        <a:defRPr b="0" i="0" sz="1400" u="none" cap="none" strike="noStrike">
+        <a:defRPr sz="1400" b="0" i="0" u="none" strike="noStrike" cap="none">
           <a:solidFill>
             <a:srgbClr val="000000"/>
           </a:solidFill>
@@ -6384,7 +6626,7 @@
           <a:sym typeface="Arial"/>
         </a:defRPr>
       </a:lvl3pPr>
-      <a:lvl4pPr lvl="3" marR="0" rtl="0" algn="l">
+      <a:lvl4pPr marR="0" lvl="3" algn="l" rtl="0">
         <a:lnSpc>
           <a:spcPct val="100000"/>
         </a:lnSpc>
@@ -6398,7 +6640,7 @@
           <a:srgbClr val="000000"/>
         </a:buClr>
         <a:buFont typeface="Arial"/>
-        <a:defRPr b="0" i="0" sz="1400" u="none" cap="none" strike="noStrike">
+        <a:defRPr sz="1400" b="0" i="0" u="none" strike="noStrike" cap="none">
           <a:solidFill>
             <a:srgbClr val="000000"/>
           </a:solidFill>
@@ -6408,7 +6650,7 @@
           <a:sym typeface="Arial"/>
         </a:defRPr>
       </a:lvl4pPr>
-      <a:lvl5pPr lvl="4" marR="0" rtl="0" algn="l">
+      <a:lvl5pPr marR="0" lvl="4" algn="l" rtl="0">
         <a:lnSpc>
           <a:spcPct val="100000"/>
         </a:lnSpc>
@@ -6422,7 +6664,7 @@
           <a:srgbClr val="000000"/>
         </a:buClr>
         <a:buFont typeface="Arial"/>
-        <a:defRPr b="0" i="0" sz="1400" u="none" cap="none" strike="noStrike">
+        <a:defRPr sz="1400" b="0" i="0" u="none" strike="noStrike" cap="none">
           <a:solidFill>
             <a:srgbClr val="000000"/>
           </a:solidFill>
@@ -6432,7 +6674,7 @@
           <a:sym typeface="Arial"/>
         </a:defRPr>
       </a:lvl5pPr>
-      <a:lvl6pPr lvl="5" marR="0" rtl="0" algn="l">
+      <a:lvl6pPr marR="0" lvl="5" algn="l" rtl="0">
         <a:lnSpc>
           <a:spcPct val="100000"/>
         </a:lnSpc>
@@ -6446,7 +6688,7 @@
           <a:srgbClr val="000000"/>
         </a:buClr>
         <a:buFont typeface="Arial"/>
-        <a:defRPr b="0" i="0" sz="1400" u="none" cap="none" strike="noStrike">
+        <a:defRPr sz="1400" b="0" i="0" u="none" strike="noStrike" cap="none">
           <a:solidFill>
             <a:srgbClr val="000000"/>
           </a:solidFill>
@@ -6456,7 +6698,7 @@
           <a:sym typeface="Arial"/>
         </a:defRPr>
       </a:lvl6pPr>
-      <a:lvl7pPr lvl="6" marR="0" rtl="0" algn="l">
+      <a:lvl7pPr marR="0" lvl="6" algn="l" rtl="0">
         <a:lnSpc>
           <a:spcPct val="100000"/>
         </a:lnSpc>
@@ -6470,7 +6712,7 @@
           <a:srgbClr val="000000"/>
         </a:buClr>
         <a:buFont typeface="Arial"/>
-        <a:defRPr b="0" i="0" sz="1400" u="none" cap="none" strike="noStrike">
+        <a:defRPr sz="1400" b="0" i="0" u="none" strike="noStrike" cap="none">
           <a:solidFill>
             <a:srgbClr val="000000"/>
           </a:solidFill>
@@ -6480,7 +6722,7 @@
           <a:sym typeface="Arial"/>
         </a:defRPr>
       </a:lvl7pPr>
-      <a:lvl8pPr lvl="7" marR="0" rtl="0" algn="l">
+      <a:lvl8pPr marR="0" lvl="7" algn="l" rtl="0">
         <a:lnSpc>
           <a:spcPct val="100000"/>
         </a:lnSpc>
@@ -6494,7 +6736,7 @@
           <a:srgbClr val="000000"/>
         </a:buClr>
         <a:buFont typeface="Arial"/>
-        <a:defRPr b="0" i="0" sz="1400" u="none" cap="none" strike="noStrike">
+        <a:defRPr sz="1400" b="0" i="0" u="none" strike="noStrike" cap="none">
           <a:solidFill>
             <a:srgbClr val="000000"/>
           </a:solidFill>
@@ -6504,7 +6746,7 @@
           <a:sym typeface="Arial"/>
         </a:defRPr>
       </a:lvl8pPr>
-      <a:lvl9pPr lvl="8" marR="0" rtl="0" algn="l">
+      <a:lvl9pPr marR="0" lvl="8" algn="l" rtl="0">
         <a:lnSpc>
           <a:spcPct val="100000"/>
         </a:lnSpc>
@@ -6518,7 +6760,7 @@
           <a:srgbClr val="000000"/>
         </a:buClr>
         <a:buFont typeface="Arial"/>
-        <a:defRPr b="0" i="0" sz="1400" u="none" cap="none" strike="noStrike">
+        <a:defRPr sz="1400" b="0" i="0" u="none" strike="noStrike" cap="none">
           <a:solidFill>
             <a:srgbClr val="000000"/>
           </a:solidFill>
@@ -6534,11 +6776,11 @@
 </file>
 
 <file path=ppt/slides/slide1.xml><?xml version="1.0" encoding="utf-8"?>
-<p:sld xmlns:a="http://schemas.openxmlformats.org/drawingml/2006/main" xmlns:r="http://schemas.openxmlformats.org/officeDocument/2006/relationships" xmlns:mc="http://schemas.openxmlformats.org/markup-compatibility/2006" xmlns:mv="urn:schemas-microsoft-com:mac:vml" xmlns:p="http://schemas.openxmlformats.org/presentationml/2006/main" xmlns:c="http://schemas.openxmlformats.org/drawingml/2006/chart" xmlns:dgm="http://schemas.openxmlformats.org/drawingml/2006/diagram" xmlns:o="urn:schemas-microsoft-com:office:office" xmlns:v="urn:schemas-microsoft-com:vml" xmlns:pvml="urn:schemas-microsoft-com:office:powerpoint" xmlns:com="http://schemas.openxmlformats.org/drawingml/2006/compatibility" xmlns:p14="http://schemas.microsoft.com/office/powerpoint/2010/main" xmlns:p15="http://schemas.microsoft.com/office/powerpoint/2012/main" xmlns:ahyp="http://schemas.microsoft.com/office/drawing/2018/hyperlinkcolor">
+<p:sld xmlns:a="http://schemas.openxmlformats.org/drawingml/2006/main" xmlns:r="http://schemas.openxmlformats.org/officeDocument/2006/relationships" xmlns:p="http://schemas.openxmlformats.org/presentationml/2006/main">
   <p:cSld>
     <p:spTree>
       <p:nvGrpSpPr>
-        <p:cNvPr id="61" name="Shape 61"/>
+        <p:cNvPr id="1" name="Shape 61"/>
         <p:cNvGrpSpPr/>
         <p:nvPr/>
       </p:nvGrpSpPr>
@@ -6553,7 +6795,9 @@
       <p:sp>
         <p:nvSpPr>
           <p:cNvPr id="62" name="Google Shape;62;p13"/>
-          <p:cNvSpPr txBox="1"/>
+          <p:cNvSpPr txBox="1">
+            <a:spLocks noGrp="1"/>
+          </p:cNvSpPr>
           <p:nvPr>
             <p:ph type="title"/>
           </p:nvPr>
@@ -6568,12 +6812,12 @@
           </a:prstGeom>
         </p:spPr>
         <p:txBody>
-          <a:bodyPr anchorCtr="0" anchor="ctr" bIns="91425" lIns="91425" spcFirstLastPara="1" rIns="91425" wrap="square" tIns="91425">
+          <a:bodyPr spcFirstLastPara="1" wrap="square" lIns="91425" tIns="91425" rIns="91425" bIns="91425" anchor="ctr" anchorCtr="0">
             <a:normAutofit/>
           </a:bodyPr>
           <a:lstStyle/>
           <a:p>
-            <a:pPr indent="0" lvl="0" marL="0" rtl="0" algn="ctr">
+            <a:pPr marL="0" lvl="0" indent="0" algn="ctr" rtl="0">
               <a:spcBef>
                 <a:spcPts val="0"/>
               </a:spcBef>
@@ -6584,15 +6828,7 @@
             </a:pPr>
             <a:r>
               <a:rPr lang="fr"/>
-              <a:t>PROJET 8 : MOCKUP </a:t>
-            </a:r>
-            <a:r>
-              <a:rPr lang="fr"/>
-              <a:t>ÉTUDE</a:t>
-            </a:r>
-            <a:r>
-              <a:rPr lang="fr"/>
-              <a:t> SUR L’EAU POTABLE DANS LE MONDE</a:t>
+              <a:t>PROJET 8 : MOCKUP ÉTUDE SUR L’EAU POTABLE DANS LE MONDE</a:t>
             </a:r>
             <a:endParaRPr/>
           </a:p>
@@ -6601,9 +6837,11 @@
       <p:sp>
         <p:nvSpPr>
           <p:cNvPr id="63" name="Google Shape;63;p13"/>
-          <p:cNvSpPr txBox="1"/>
+          <p:cNvSpPr txBox="1">
+            <a:spLocks noGrp="1"/>
+          </p:cNvSpPr>
           <p:nvPr>
-            <p:ph idx="4294967295" type="subTitle"/>
+            <p:ph type="subTitle" idx="4294967295"/>
           </p:nvPr>
         </p:nvSpPr>
         <p:spPr>
@@ -6616,12 +6854,12 @@
           </a:prstGeom>
         </p:spPr>
         <p:txBody>
-          <a:bodyPr anchorCtr="0" anchor="t" bIns="91425" lIns="91425" spcFirstLastPara="1" rIns="91425" wrap="square" tIns="91425">
+          <a:bodyPr spcFirstLastPara="1" wrap="square" lIns="91425" tIns="91425" rIns="91425" bIns="91425" anchor="t" anchorCtr="0">
             <a:normAutofit lnSpcReduction="10000"/>
           </a:bodyPr>
           <a:lstStyle/>
           <a:p>
-            <a:pPr indent="0" lvl="0" marL="0" rtl="0" algn="l">
+            <a:pPr marL="0" lvl="0" indent="0" algn="l" rtl="0">
               <a:spcBef>
                 <a:spcPts val="0"/>
               </a:spcBef>
@@ -6647,11 +6885,11 @@
 </file>
 
 <file path=ppt/slides/slide2.xml><?xml version="1.0" encoding="utf-8"?>
-<p:sld xmlns:a="http://schemas.openxmlformats.org/drawingml/2006/main" xmlns:r="http://schemas.openxmlformats.org/officeDocument/2006/relationships" xmlns:mc="http://schemas.openxmlformats.org/markup-compatibility/2006" xmlns:mv="urn:schemas-microsoft-com:mac:vml" xmlns:p="http://schemas.openxmlformats.org/presentationml/2006/main" xmlns:c="http://schemas.openxmlformats.org/drawingml/2006/chart" xmlns:dgm="http://schemas.openxmlformats.org/drawingml/2006/diagram" xmlns:o="urn:schemas-microsoft-com:office:office" xmlns:v="urn:schemas-microsoft-com:vml" xmlns:pvml="urn:schemas-microsoft-com:office:powerpoint" xmlns:com="http://schemas.openxmlformats.org/drawingml/2006/compatibility" xmlns:p14="http://schemas.microsoft.com/office/powerpoint/2010/main" xmlns:p15="http://schemas.microsoft.com/office/powerpoint/2012/main" xmlns:ahyp="http://schemas.microsoft.com/office/drawing/2018/hyperlinkcolor">
+<p:sld xmlns:a="http://schemas.openxmlformats.org/drawingml/2006/main" xmlns:r="http://schemas.openxmlformats.org/officeDocument/2006/relationships" xmlns:p="http://schemas.openxmlformats.org/presentationml/2006/main">
   <p:cSld>
     <p:spTree>
       <p:nvGrpSpPr>
-        <p:cNvPr id="67" name="Shape 67"/>
+        <p:cNvPr id="1" name="Shape 67"/>
         <p:cNvGrpSpPr/>
         <p:nvPr/>
       </p:nvGrpSpPr>
@@ -6666,7 +6904,9 @@
       <p:sp>
         <p:nvSpPr>
           <p:cNvPr id="68" name="Google Shape;68;p14"/>
-          <p:cNvSpPr txBox="1"/>
+          <p:cNvSpPr txBox="1">
+            <a:spLocks noGrp="1"/>
+          </p:cNvSpPr>
           <p:nvPr>
             <p:ph type="title"/>
           </p:nvPr>
@@ -6681,12 +6921,12 @@
           </a:prstGeom>
         </p:spPr>
         <p:txBody>
-          <a:bodyPr anchorCtr="0" anchor="b" bIns="91425" lIns="91425" spcFirstLastPara="1" rIns="91425" wrap="square" tIns="91425">
+          <a:bodyPr spcFirstLastPara="1" wrap="square" lIns="91425" tIns="91425" rIns="91425" bIns="91425" anchor="b" anchorCtr="0">
             <a:normAutofit fontScale="90000"/>
           </a:bodyPr>
           <a:lstStyle/>
           <a:p>
-            <a:pPr indent="0" lvl="0" marL="0" rtl="0" algn="l">
+            <a:pPr marL="0" lvl="0" indent="0" algn="l" rtl="0">
               <a:spcBef>
                 <a:spcPts val="0"/>
               </a:spcBef>
@@ -6700,240 +6940,6 @@
               <a:t>Vue Mondiale</a:t>
             </a:r>
             <a:endParaRPr/>
-          </a:p>
-        </p:txBody>
-      </p:sp>
-      <p:sp>
-        <p:nvSpPr>
-          <p:cNvPr id="69" name="Google Shape;69;p14"/>
-          <p:cNvSpPr txBox="1"/>
-          <p:nvPr/>
-        </p:nvSpPr>
-        <p:spPr>
-          <a:xfrm>
-            <a:off x="-7429125" y="497665"/>
-            <a:ext cx="2261100" cy="1804200"/>
-          </a:xfrm>
-          <a:prstGeom prst="rect">
-            <a:avLst/>
-          </a:prstGeom>
-          <a:noFill/>
-          <a:ln>
-            <a:noFill/>
-          </a:ln>
-        </p:spPr>
-        <p:txBody>
-          <a:bodyPr anchorCtr="0" anchor="t" bIns="91425" lIns="91425" spcFirstLastPara="1" rIns="91425" wrap="square" tIns="91425">
-            <a:noAutofit/>
-          </a:bodyPr>
-          <a:lstStyle/>
-          <a:p>
-            <a:pPr indent="0" lvl="0" marL="0" rtl="0" algn="l">
-              <a:spcBef>
-                <a:spcPts val="0"/>
-              </a:spcBef>
-              <a:spcAft>
-                <a:spcPts val="0"/>
-              </a:spcAft>
-              <a:buNone/>
-            </a:pPr>
-            <a:r>
-              <a:rPr lang="fr">
-                <a:latin typeface="Lato"/>
-                <a:ea typeface="Lato"/>
-                <a:cs typeface="Lato"/>
-                <a:sym typeface="Lato"/>
-              </a:rPr>
-              <a:t>Domaine 1</a:t>
-            </a:r>
-            <a:endParaRPr>
-              <a:latin typeface="Lato"/>
-              <a:ea typeface="Lato"/>
-              <a:cs typeface="Lato"/>
-              <a:sym typeface="Lato"/>
-            </a:endParaRPr>
-          </a:p>
-          <a:p>
-            <a:pPr indent="0" lvl="0" marL="0" rtl="0" algn="l">
-              <a:spcBef>
-                <a:spcPts val="0"/>
-              </a:spcBef>
-              <a:spcAft>
-                <a:spcPts val="0"/>
-              </a:spcAft>
-              <a:buNone/>
-            </a:pPr>
-            <a:r>
-              <a:rPr lang="fr">
-                <a:latin typeface="Lato"/>
-                <a:ea typeface="Lato"/>
-                <a:cs typeface="Lato"/>
-                <a:sym typeface="Lato"/>
-              </a:rPr>
-              <a:t> (création de services) : graphique combinant le taux d’accès à l’eau potable et le taux de population urbaine. En effet, développer des infrastructures lorsque la population est concentrée en ville n’est pas la même tâche que de le faire avec des populations rurales.</a:t>
-            </a:r>
-            <a:endParaRPr>
-              <a:latin typeface="Lato"/>
-              <a:ea typeface="Lato"/>
-              <a:cs typeface="Lato"/>
-              <a:sym typeface="Lato"/>
-            </a:endParaRPr>
-          </a:p>
-        </p:txBody>
-      </p:sp>
-      <p:sp>
-        <p:nvSpPr>
-          <p:cNvPr id="70" name="Google Shape;70;p14"/>
-          <p:cNvSpPr txBox="1"/>
-          <p:nvPr/>
-        </p:nvSpPr>
-        <p:spPr>
-          <a:xfrm>
-            <a:off x="-2554900" y="581159"/>
-            <a:ext cx="2261100" cy="2780100"/>
-          </a:xfrm>
-          <a:prstGeom prst="rect">
-            <a:avLst/>
-          </a:prstGeom>
-          <a:noFill/>
-          <a:ln>
-            <a:noFill/>
-          </a:ln>
-        </p:spPr>
-        <p:txBody>
-          <a:bodyPr anchorCtr="0" anchor="t" bIns="91425" lIns="91425" spcFirstLastPara="1" rIns="91425" wrap="square" tIns="91425">
-            <a:noAutofit/>
-          </a:bodyPr>
-          <a:lstStyle/>
-          <a:p>
-            <a:pPr indent="0" lvl="0" marL="0" rtl="0" algn="l">
-              <a:spcBef>
-                <a:spcPts val="0"/>
-              </a:spcBef>
-              <a:spcAft>
-                <a:spcPts val="0"/>
-              </a:spcAft>
-              <a:buNone/>
-            </a:pPr>
-            <a:r>
-              <a:rPr lang="fr">
-                <a:latin typeface="Lato"/>
-                <a:ea typeface="Lato"/>
-                <a:cs typeface="Lato"/>
-                <a:sym typeface="Lato"/>
-              </a:rPr>
-              <a:t>Domaine 3</a:t>
-            </a:r>
-            <a:endParaRPr>
-              <a:latin typeface="Lato"/>
-              <a:ea typeface="Lato"/>
-              <a:cs typeface="Lato"/>
-              <a:sym typeface="Lato"/>
-            </a:endParaRPr>
-          </a:p>
-          <a:p>
-            <a:pPr indent="0" lvl="0" marL="0" rtl="0" algn="l">
-              <a:spcBef>
-                <a:spcPts val="0"/>
-              </a:spcBef>
-              <a:spcAft>
-                <a:spcPts val="0"/>
-              </a:spcAft>
-              <a:buNone/>
-            </a:pPr>
-            <a:r>
-              <a:rPr lang="fr">
-                <a:latin typeface="Lato"/>
-                <a:ea typeface="Lato"/>
-                <a:cs typeface="Lato"/>
-                <a:sym typeface="Lato"/>
-              </a:rPr>
-              <a:t>(consulting) : besoin d’un graphique combinant l’efficacité de la politique gouvernementale d’accès à l’eau (politique efficace = taux de mortalité faible + bon accès des habitants aux services d’eau potable) ainsi que la stabilité politique (en effet, difficile de faire du consulting auprès d’une administration si la situation politique est instable).</a:t>
-            </a:r>
-            <a:endParaRPr>
-              <a:latin typeface="Lato"/>
-              <a:ea typeface="Lato"/>
-              <a:cs typeface="Lato"/>
-              <a:sym typeface="Lato"/>
-            </a:endParaRPr>
-          </a:p>
-        </p:txBody>
-      </p:sp>
-      <p:sp>
-        <p:nvSpPr>
-          <p:cNvPr id="71" name="Google Shape;71;p14"/>
-          <p:cNvSpPr txBox="1"/>
-          <p:nvPr/>
-        </p:nvSpPr>
-        <p:spPr>
-          <a:xfrm>
-            <a:off x="-5097875" y="698820"/>
-            <a:ext cx="2261100" cy="1804200"/>
-          </a:xfrm>
-          <a:prstGeom prst="rect">
-            <a:avLst/>
-          </a:prstGeom>
-          <a:noFill/>
-          <a:ln>
-            <a:noFill/>
-          </a:ln>
-        </p:spPr>
-        <p:txBody>
-          <a:bodyPr anchorCtr="0" anchor="t" bIns="91425" lIns="91425" spcFirstLastPara="1" rIns="91425" wrap="square" tIns="91425">
-            <a:noAutofit/>
-          </a:bodyPr>
-          <a:lstStyle/>
-          <a:p>
-            <a:pPr indent="0" lvl="0" marL="0" rtl="0" algn="l">
-              <a:spcBef>
-                <a:spcPts val="0"/>
-              </a:spcBef>
-              <a:spcAft>
-                <a:spcPts val="0"/>
-              </a:spcAft>
-              <a:buNone/>
-            </a:pPr>
-            <a:r>
-              <a:rPr lang="fr">
-                <a:latin typeface="Lato"/>
-                <a:ea typeface="Lato"/>
-                <a:cs typeface="Lato"/>
-                <a:sym typeface="Lato"/>
-              </a:rPr>
-              <a:t>Domaine 2</a:t>
-            </a:r>
-            <a:endParaRPr>
-              <a:latin typeface="Lato"/>
-              <a:ea typeface="Lato"/>
-              <a:cs typeface="Lato"/>
-              <a:sym typeface="Lato"/>
-            </a:endParaRPr>
-          </a:p>
-          <a:p>
-            <a:pPr indent="0" lvl="0" marL="0" rtl="0" algn="l">
-              <a:spcBef>
-                <a:spcPts val="0"/>
-              </a:spcBef>
-              <a:spcAft>
-                <a:spcPts val="0"/>
-              </a:spcAft>
-              <a:buNone/>
-            </a:pPr>
-            <a:r>
-              <a:rPr lang="fr">
-                <a:latin typeface="Lato"/>
-                <a:ea typeface="Lato"/>
-                <a:cs typeface="Lato"/>
-                <a:sym typeface="Lato"/>
-              </a:rPr>
-              <a:t> (modernisation des services) : besoin d’un graphique qui combine le taux de services (d’infrastructures) "basiques" et le taux d’infrastructures de qualité (qualifiées comme "safely managed" dans les données) afin d’identifier les pays qui ont un gros besoin d’améliorer la qualité de leurs services.</a:t>
-            </a:r>
-            <a:endParaRPr>
-              <a:latin typeface="Lato"/>
-              <a:ea typeface="Lato"/>
-              <a:cs typeface="Lato"/>
-              <a:sym typeface="Lato"/>
-            </a:endParaRPr>
           </a:p>
         </p:txBody>
       </p:sp>
@@ -6985,12 +6991,12 @@
           </a:ln>
         </p:spPr>
         <p:txBody>
-          <a:bodyPr anchorCtr="0" anchor="t" bIns="91425" lIns="91425" spcFirstLastPara="1" rIns="91425" wrap="square" tIns="91425">
+          <a:bodyPr spcFirstLastPara="1" wrap="square" lIns="91425" tIns="91425" rIns="91425" bIns="91425" anchor="t" anchorCtr="0">
             <a:noAutofit/>
           </a:bodyPr>
           <a:lstStyle/>
           <a:p>
-            <a:pPr indent="0" lvl="0" marL="0" rtl="0" algn="l">
+            <a:pPr marL="0" lvl="0" indent="0" algn="l" rtl="0">
               <a:spcBef>
                 <a:spcPts val="0"/>
               </a:spcBef>
@@ -7000,7 +7006,7 @@
               <a:buNone/>
             </a:pPr>
             <a:r>
-              <a:rPr b="1" lang="fr" sz="1700">
+              <a:rPr lang="fr" sz="1700" b="1">
                 <a:latin typeface="Open Sans"/>
                 <a:ea typeface="Open Sans"/>
                 <a:cs typeface="Open Sans"/>
@@ -7008,7 +7014,7 @@
               </a:rPr>
               <a:t>Accès à l’eau dans le monde</a:t>
             </a:r>
-            <a:endParaRPr b="1" sz="1700">
+            <a:endParaRPr sz="1700" b="1">
               <a:latin typeface="Open Sans"/>
               <a:ea typeface="Open Sans"/>
               <a:cs typeface="Open Sans"/>
@@ -7065,12 +7071,12 @@
           </a:ln>
         </p:spPr>
         <p:txBody>
-          <a:bodyPr anchorCtr="0" anchor="t" bIns="91425" lIns="91425" spcFirstLastPara="1" rIns="91425" wrap="square" tIns="91425">
+          <a:bodyPr spcFirstLastPara="1" wrap="square" lIns="91425" tIns="91425" rIns="91425" bIns="91425" anchor="t" anchorCtr="0">
             <a:noAutofit/>
           </a:bodyPr>
           <a:lstStyle/>
           <a:p>
-            <a:pPr indent="0" lvl="0" marL="0" rtl="0" algn="l">
+            <a:pPr marL="0" lvl="0" indent="0" algn="l" rtl="0">
               <a:spcBef>
                 <a:spcPts val="0"/>
               </a:spcBef>
@@ -7080,7 +7086,7 @@
               <a:buNone/>
             </a:pPr>
             <a:r>
-              <a:rPr b="1" lang="fr" sz="2000">
+              <a:rPr lang="fr" sz="2000" b="1">
                 <a:latin typeface="Open Sans"/>
                 <a:ea typeface="Open Sans"/>
                 <a:cs typeface="Open Sans"/>
@@ -7088,7 +7094,7 @@
               </a:rPr>
               <a:t>DATA</a:t>
             </a:r>
-            <a:endParaRPr b="1" sz="2000">
+            <a:endParaRPr sz="2000" b="1">
               <a:latin typeface="Open Sans"/>
               <a:ea typeface="Open Sans"/>
               <a:cs typeface="Open Sans"/>
@@ -7162,11 +7168,11 @@
 </file>
 
 <file path=ppt/slides/slide3.xml><?xml version="1.0" encoding="utf-8"?>
-<p:sld xmlns:a="http://schemas.openxmlformats.org/drawingml/2006/main" xmlns:r="http://schemas.openxmlformats.org/officeDocument/2006/relationships" xmlns:mc="http://schemas.openxmlformats.org/markup-compatibility/2006" xmlns:mv="urn:schemas-microsoft-com:mac:vml" xmlns:p="http://schemas.openxmlformats.org/presentationml/2006/main" xmlns:c="http://schemas.openxmlformats.org/drawingml/2006/chart" xmlns:dgm="http://schemas.openxmlformats.org/drawingml/2006/diagram" xmlns:o="urn:schemas-microsoft-com:office:office" xmlns:v="urn:schemas-microsoft-com:vml" xmlns:pvml="urn:schemas-microsoft-com:office:powerpoint" xmlns:com="http://schemas.openxmlformats.org/drawingml/2006/compatibility" xmlns:p14="http://schemas.microsoft.com/office/powerpoint/2010/main" xmlns:p15="http://schemas.microsoft.com/office/powerpoint/2012/main" xmlns:ahyp="http://schemas.microsoft.com/office/drawing/2018/hyperlinkcolor">
+<p:sld xmlns:a="http://schemas.openxmlformats.org/drawingml/2006/main" xmlns:r="http://schemas.openxmlformats.org/officeDocument/2006/relationships" xmlns:p="http://schemas.openxmlformats.org/presentationml/2006/main">
   <p:cSld>
     <p:spTree>
       <p:nvGrpSpPr>
-        <p:cNvPr id="81" name="Shape 81"/>
+        <p:cNvPr id="1" name="Shape 81"/>
         <p:cNvGrpSpPr/>
         <p:nvPr/>
       </p:nvGrpSpPr>
@@ -7181,7 +7187,9 @@
       <p:sp>
         <p:nvSpPr>
           <p:cNvPr id="82" name="Google Shape;82;p15"/>
-          <p:cNvSpPr txBox="1"/>
+          <p:cNvSpPr txBox="1">
+            <a:spLocks noGrp="1"/>
+          </p:cNvSpPr>
           <p:nvPr>
             <p:ph type="title"/>
           </p:nvPr>
@@ -7196,12 +7204,12 @@
           </a:prstGeom>
         </p:spPr>
         <p:txBody>
-          <a:bodyPr anchorCtr="0" anchor="b" bIns="91425" lIns="91425" spcFirstLastPara="1" rIns="91425" wrap="square" tIns="91425">
+          <a:bodyPr spcFirstLastPara="1" wrap="square" lIns="91425" tIns="91425" rIns="91425" bIns="91425" anchor="b" anchorCtr="0">
             <a:normAutofit fontScale="90000"/>
           </a:bodyPr>
           <a:lstStyle/>
           <a:p>
-            <a:pPr indent="0" lvl="0" marL="0" rtl="0" algn="l">
+            <a:pPr marL="0" lvl="0" indent="0" algn="l" rtl="0">
               <a:spcBef>
                 <a:spcPts val="0"/>
               </a:spcBef>
@@ -7215,240 +7223,6 @@
               <a:t>Vue Continentale</a:t>
             </a:r>
             <a:endParaRPr/>
-          </a:p>
-        </p:txBody>
-      </p:sp>
-      <p:sp>
-        <p:nvSpPr>
-          <p:cNvPr id="83" name="Google Shape;83;p15"/>
-          <p:cNvSpPr txBox="1"/>
-          <p:nvPr/>
-        </p:nvSpPr>
-        <p:spPr>
-          <a:xfrm>
-            <a:off x="-7797775" y="126821"/>
-            <a:ext cx="2261100" cy="2123700"/>
-          </a:xfrm>
-          <a:prstGeom prst="rect">
-            <a:avLst/>
-          </a:prstGeom>
-          <a:noFill/>
-          <a:ln>
-            <a:noFill/>
-          </a:ln>
-        </p:spPr>
-        <p:txBody>
-          <a:bodyPr anchorCtr="0" anchor="t" bIns="91425" lIns="91425" spcFirstLastPara="1" rIns="91425" wrap="square" tIns="91425">
-            <a:noAutofit/>
-          </a:bodyPr>
-          <a:lstStyle/>
-          <a:p>
-            <a:pPr indent="0" lvl="0" marL="0" rtl="0" algn="l">
-              <a:spcBef>
-                <a:spcPts val="0"/>
-              </a:spcBef>
-              <a:spcAft>
-                <a:spcPts val="0"/>
-              </a:spcAft>
-              <a:buNone/>
-            </a:pPr>
-            <a:r>
-              <a:rPr lang="fr">
-                <a:latin typeface="Lato"/>
-                <a:ea typeface="Lato"/>
-                <a:cs typeface="Lato"/>
-                <a:sym typeface="Lato"/>
-              </a:rPr>
-              <a:t>Domaine 1</a:t>
-            </a:r>
-            <a:endParaRPr>
-              <a:latin typeface="Lato"/>
-              <a:ea typeface="Lato"/>
-              <a:cs typeface="Lato"/>
-              <a:sym typeface="Lato"/>
-            </a:endParaRPr>
-          </a:p>
-          <a:p>
-            <a:pPr indent="0" lvl="0" marL="0" rtl="0" algn="l">
-              <a:spcBef>
-                <a:spcPts val="0"/>
-              </a:spcBef>
-              <a:spcAft>
-                <a:spcPts val="0"/>
-              </a:spcAft>
-              <a:buNone/>
-            </a:pPr>
-            <a:r>
-              <a:rPr lang="fr">
-                <a:latin typeface="Lato"/>
-                <a:ea typeface="Lato"/>
-                <a:cs typeface="Lato"/>
-                <a:sym typeface="Lato"/>
-              </a:rPr>
-              <a:t> (création de services) : graphique combinant le taux d’accès à l’eau potable et le taux de population urbaine. En effet, développer des infrastructures lorsque la population est concentrée en ville n’est pas la même tâche que de le faire avec des populations rurales.</a:t>
-            </a:r>
-            <a:endParaRPr>
-              <a:latin typeface="Lato"/>
-              <a:ea typeface="Lato"/>
-              <a:cs typeface="Lato"/>
-              <a:sym typeface="Lato"/>
-            </a:endParaRPr>
-          </a:p>
-        </p:txBody>
-      </p:sp>
-      <p:sp>
-        <p:nvSpPr>
-          <p:cNvPr id="84" name="Google Shape;84;p15"/>
-          <p:cNvSpPr txBox="1"/>
-          <p:nvPr/>
-        </p:nvSpPr>
-        <p:spPr>
-          <a:xfrm>
-            <a:off x="-2923550" y="210319"/>
-            <a:ext cx="2261100" cy="2721300"/>
-          </a:xfrm>
-          <a:prstGeom prst="rect">
-            <a:avLst/>
-          </a:prstGeom>
-          <a:noFill/>
-          <a:ln>
-            <a:noFill/>
-          </a:ln>
-        </p:spPr>
-        <p:txBody>
-          <a:bodyPr anchorCtr="0" anchor="t" bIns="91425" lIns="91425" spcFirstLastPara="1" rIns="91425" wrap="square" tIns="91425">
-            <a:noAutofit/>
-          </a:bodyPr>
-          <a:lstStyle/>
-          <a:p>
-            <a:pPr indent="0" lvl="0" marL="0" rtl="0" algn="l">
-              <a:spcBef>
-                <a:spcPts val="0"/>
-              </a:spcBef>
-              <a:spcAft>
-                <a:spcPts val="0"/>
-              </a:spcAft>
-              <a:buNone/>
-            </a:pPr>
-            <a:r>
-              <a:rPr lang="fr">
-                <a:latin typeface="Lato"/>
-                <a:ea typeface="Lato"/>
-                <a:cs typeface="Lato"/>
-                <a:sym typeface="Lato"/>
-              </a:rPr>
-              <a:t>Domaine 3</a:t>
-            </a:r>
-            <a:endParaRPr>
-              <a:latin typeface="Lato"/>
-              <a:ea typeface="Lato"/>
-              <a:cs typeface="Lato"/>
-              <a:sym typeface="Lato"/>
-            </a:endParaRPr>
-          </a:p>
-          <a:p>
-            <a:pPr indent="0" lvl="0" marL="0" rtl="0" algn="l">
-              <a:spcBef>
-                <a:spcPts val="0"/>
-              </a:spcBef>
-              <a:spcAft>
-                <a:spcPts val="0"/>
-              </a:spcAft>
-              <a:buNone/>
-            </a:pPr>
-            <a:r>
-              <a:rPr lang="fr">
-                <a:latin typeface="Lato"/>
-                <a:ea typeface="Lato"/>
-                <a:cs typeface="Lato"/>
-                <a:sym typeface="Lato"/>
-              </a:rPr>
-              <a:t>(consulting) : besoin d’un graphique combinant l’efficacité de la politique gouvernementale d’accès à l’eau (politique efficace = taux de mortalité faible + bon accès des habitants aux services d’eau potable) ainsi que la stabilité politique (en effet, difficile de faire du consulting auprès d’une administration si la situation politique est instable).</a:t>
-            </a:r>
-            <a:endParaRPr>
-              <a:latin typeface="Lato"/>
-              <a:ea typeface="Lato"/>
-              <a:cs typeface="Lato"/>
-              <a:sym typeface="Lato"/>
-            </a:endParaRPr>
-          </a:p>
-        </p:txBody>
-      </p:sp>
-      <p:sp>
-        <p:nvSpPr>
-          <p:cNvPr id="85" name="Google Shape;85;p15"/>
-          <p:cNvSpPr txBox="1"/>
-          <p:nvPr/>
-        </p:nvSpPr>
-        <p:spPr>
-          <a:xfrm>
-            <a:off x="-5466525" y="327983"/>
-            <a:ext cx="2261100" cy="2394300"/>
-          </a:xfrm>
-          <a:prstGeom prst="rect">
-            <a:avLst/>
-          </a:prstGeom>
-          <a:noFill/>
-          <a:ln>
-            <a:noFill/>
-          </a:ln>
-        </p:spPr>
-        <p:txBody>
-          <a:bodyPr anchorCtr="0" anchor="t" bIns="91425" lIns="91425" spcFirstLastPara="1" rIns="91425" wrap="square" tIns="91425">
-            <a:noAutofit/>
-          </a:bodyPr>
-          <a:lstStyle/>
-          <a:p>
-            <a:pPr indent="0" lvl="0" marL="0" rtl="0" algn="l">
-              <a:spcBef>
-                <a:spcPts val="0"/>
-              </a:spcBef>
-              <a:spcAft>
-                <a:spcPts val="0"/>
-              </a:spcAft>
-              <a:buNone/>
-            </a:pPr>
-            <a:r>
-              <a:rPr lang="fr">
-                <a:latin typeface="Lato"/>
-                <a:ea typeface="Lato"/>
-                <a:cs typeface="Lato"/>
-                <a:sym typeface="Lato"/>
-              </a:rPr>
-              <a:t>Domaine 2</a:t>
-            </a:r>
-            <a:endParaRPr>
-              <a:latin typeface="Lato"/>
-              <a:ea typeface="Lato"/>
-              <a:cs typeface="Lato"/>
-              <a:sym typeface="Lato"/>
-            </a:endParaRPr>
-          </a:p>
-          <a:p>
-            <a:pPr indent="0" lvl="0" marL="0" rtl="0" algn="l">
-              <a:spcBef>
-                <a:spcPts val="0"/>
-              </a:spcBef>
-              <a:spcAft>
-                <a:spcPts val="0"/>
-              </a:spcAft>
-              <a:buNone/>
-            </a:pPr>
-            <a:r>
-              <a:rPr lang="fr">
-                <a:latin typeface="Lato"/>
-                <a:ea typeface="Lato"/>
-                <a:cs typeface="Lato"/>
-                <a:sym typeface="Lato"/>
-              </a:rPr>
-              <a:t> (modernisation des services) : besoin d’un graphique qui combine le taux de services (d’infrastructures) "basiques" et le taux d’infrastructures de qualité (qualifiées comme "safely managed" dans les données) afin d’identifier les pays qui ont un gros besoin d’améliorer la qualité de leurs services.</a:t>
-            </a:r>
-            <a:endParaRPr>
-              <a:latin typeface="Lato"/>
-              <a:ea typeface="Lato"/>
-              <a:cs typeface="Lato"/>
-              <a:sym typeface="Lato"/>
-            </a:endParaRPr>
           </a:p>
         </p:txBody>
       </p:sp>
@@ -7500,12 +7274,12 @@
           </a:ln>
         </p:spPr>
         <p:txBody>
-          <a:bodyPr anchorCtr="0" anchor="t" bIns="91425" lIns="91425" spcFirstLastPara="1" rIns="91425" wrap="square" tIns="91425">
+          <a:bodyPr spcFirstLastPara="1" wrap="square" lIns="91425" tIns="91425" rIns="91425" bIns="91425" anchor="t" anchorCtr="0">
             <a:noAutofit/>
           </a:bodyPr>
           <a:lstStyle/>
           <a:p>
-            <a:pPr indent="0" lvl="0" marL="0" rtl="0" algn="l">
+            <a:pPr marL="0" lvl="0" indent="0" algn="l" rtl="0">
               <a:spcBef>
                 <a:spcPts val="0"/>
               </a:spcBef>
@@ -7515,7 +7289,7 @@
               <a:buNone/>
             </a:pPr>
             <a:r>
-              <a:rPr b="1" lang="fr" sz="1600">
+              <a:rPr lang="fr" sz="1600" b="1">
                 <a:latin typeface="Open Sans"/>
                 <a:ea typeface="Open Sans"/>
                 <a:cs typeface="Open Sans"/>
@@ -7523,7 +7297,7 @@
               </a:rPr>
               <a:t>acces to water and political_stability</a:t>
             </a:r>
-            <a:endParaRPr b="1" sz="1600">
+            <a:endParaRPr sz="1600" b="1">
               <a:latin typeface="Open Sans"/>
               <a:ea typeface="Open Sans"/>
               <a:cs typeface="Open Sans"/>
@@ -7577,23 +7351,23 @@
           <a:solidFill>
             <a:srgbClr val="FF0000"/>
           </a:solidFill>
-          <a:ln cap="flat" cmpd="sng" w="9525">
+          <a:ln w="9525" cap="flat" cmpd="sng">
             <a:solidFill>
               <a:schemeClr val="dk2"/>
             </a:solidFill>
             <a:prstDash val="solid"/>
             <a:round/>
-            <a:headEnd len="sm" w="sm" type="none"/>
-            <a:tailEnd len="sm" w="sm" type="none"/>
+            <a:headEnd type="none" w="sm" len="sm"/>
+            <a:tailEnd type="none" w="sm" len="sm"/>
           </a:ln>
         </p:spPr>
         <p:txBody>
-          <a:bodyPr anchorCtr="0" anchor="ctr" bIns="91425" lIns="91425" spcFirstLastPara="1" rIns="91425" wrap="square" tIns="91425">
+          <a:bodyPr spcFirstLastPara="1" wrap="square" lIns="91425" tIns="91425" rIns="91425" bIns="91425" anchor="ctr" anchorCtr="0">
             <a:noAutofit/>
           </a:bodyPr>
           <a:lstStyle/>
           <a:p>
-            <a:pPr indent="0" lvl="0" marL="0" rtl="0" algn="ctr">
+            <a:pPr marL="0" lvl="0" indent="0" algn="ctr" rtl="0">
               <a:spcBef>
                 <a:spcPts val="0"/>
               </a:spcBef>
@@ -7633,30 +7407,30 @@
           </a:xfrm>
           <a:prstGeom prst="rightArrow">
             <a:avLst>
-              <a:gd fmla="val 50000" name="adj1"/>
-              <a:gd fmla="val 50000" name="adj2"/>
+              <a:gd name="adj1" fmla="val 50000"/>
+              <a:gd name="adj2" fmla="val 50000"/>
             </a:avLst>
           </a:prstGeom>
           <a:solidFill>
             <a:srgbClr val="FF0000"/>
           </a:solidFill>
-          <a:ln cap="flat" cmpd="sng" w="9525">
+          <a:ln w="9525" cap="flat" cmpd="sng">
             <a:solidFill>
               <a:schemeClr val="dk2"/>
             </a:solidFill>
             <a:prstDash val="solid"/>
             <a:round/>
-            <a:headEnd len="sm" w="sm" type="none"/>
-            <a:tailEnd len="sm" w="sm" type="none"/>
+            <a:headEnd type="none" w="sm" len="sm"/>
+            <a:tailEnd type="none" w="sm" len="sm"/>
           </a:ln>
         </p:spPr>
         <p:txBody>
-          <a:bodyPr anchorCtr="0" anchor="ctr" bIns="91425" lIns="91425" spcFirstLastPara="1" rIns="91425" wrap="square" tIns="91425">
+          <a:bodyPr spcFirstLastPara="1" wrap="square" lIns="91425" tIns="91425" rIns="91425" bIns="91425" anchor="ctr" anchorCtr="0">
             <a:noAutofit/>
           </a:bodyPr>
           <a:lstStyle/>
           <a:p>
-            <a:pPr indent="0" lvl="0" marL="0" rtl="0" algn="ctr">
+            <a:pPr marL="0" lvl="0" indent="0" algn="ctr" rtl="0">
               <a:spcBef>
                 <a:spcPts val="0"/>
               </a:spcBef>
@@ -7748,11 +7522,11 @@
 </file>
 
 <file path=ppt/slides/slide4.xml><?xml version="1.0" encoding="utf-8"?>
-<p:sld xmlns:a="http://schemas.openxmlformats.org/drawingml/2006/main" xmlns:r="http://schemas.openxmlformats.org/officeDocument/2006/relationships" xmlns:mc="http://schemas.openxmlformats.org/markup-compatibility/2006" xmlns:mv="urn:schemas-microsoft-com:mac:vml" xmlns:p="http://schemas.openxmlformats.org/presentationml/2006/main" xmlns:c="http://schemas.openxmlformats.org/drawingml/2006/chart" xmlns:dgm="http://schemas.openxmlformats.org/drawingml/2006/diagram" xmlns:o="urn:schemas-microsoft-com:office:office" xmlns:v="urn:schemas-microsoft-com:vml" xmlns:pvml="urn:schemas-microsoft-com:office:powerpoint" xmlns:com="http://schemas.openxmlformats.org/drawingml/2006/compatibility" xmlns:p14="http://schemas.microsoft.com/office/powerpoint/2010/main" xmlns:p15="http://schemas.microsoft.com/office/powerpoint/2012/main" xmlns:ahyp="http://schemas.microsoft.com/office/drawing/2018/hyperlinkcolor">
+<p:sld xmlns:a="http://schemas.openxmlformats.org/drawingml/2006/main" xmlns:r="http://schemas.openxmlformats.org/officeDocument/2006/relationships" xmlns:p="http://schemas.openxmlformats.org/presentationml/2006/main">
   <p:cSld>
     <p:spTree>
       <p:nvGrpSpPr>
-        <p:cNvPr id="96" name="Shape 96"/>
+        <p:cNvPr id="1" name="Shape 96"/>
         <p:cNvGrpSpPr/>
         <p:nvPr/>
       </p:nvGrpSpPr>
@@ -7767,7 +7541,9 @@
       <p:sp>
         <p:nvSpPr>
           <p:cNvPr id="97" name="Google Shape;97;p16"/>
-          <p:cNvSpPr txBox="1"/>
+          <p:cNvSpPr txBox="1">
+            <a:spLocks noGrp="1"/>
+          </p:cNvSpPr>
           <p:nvPr>
             <p:ph type="title"/>
           </p:nvPr>
@@ -7782,12 +7558,12 @@
           </a:prstGeom>
         </p:spPr>
         <p:txBody>
-          <a:bodyPr anchorCtr="0" anchor="b" bIns="91425" lIns="91425" spcFirstLastPara="1" rIns="91425" wrap="square" tIns="91425">
+          <a:bodyPr spcFirstLastPara="1" wrap="square" lIns="91425" tIns="91425" rIns="91425" bIns="91425" anchor="b" anchorCtr="0">
             <a:normAutofit fontScale="90000"/>
           </a:bodyPr>
           <a:lstStyle/>
           <a:p>
-            <a:pPr indent="0" lvl="0" marL="0" rtl="0" algn="l">
+            <a:pPr marL="0" lvl="0" indent="0" algn="l" rtl="0">
               <a:spcBef>
                 <a:spcPts val="0"/>
               </a:spcBef>
@@ -7801,240 +7577,6 @@
               <a:t>Vue Nationale</a:t>
             </a:r>
             <a:endParaRPr/>
-          </a:p>
-        </p:txBody>
-      </p:sp>
-      <p:sp>
-        <p:nvSpPr>
-          <p:cNvPr id="98" name="Google Shape;98;p16"/>
-          <p:cNvSpPr txBox="1"/>
-          <p:nvPr/>
-        </p:nvSpPr>
-        <p:spPr>
-          <a:xfrm>
-            <a:off x="-8284733" y="698707"/>
-            <a:ext cx="2261100" cy="3930600"/>
-          </a:xfrm>
-          <a:prstGeom prst="rect">
-            <a:avLst/>
-          </a:prstGeom>
-          <a:noFill/>
-          <a:ln>
-            <a:noFill/>
-          </a:ln>
-        </p:spPr>
-        <p:txBody>
-          <a:bodyPr anchorCtr="0" anchor="t" bIns="91425" lIns="91425" spcFirstLastPara="1" rIns="91425" wrap="square" tIns="91425">
-            <a:noAutofit/>
-          </a:bodyPr>
-          <a:lstStyle/>
-          <a:p>
-            <a:pPr indent="0" lvl="0" marL="0" rtl="0" algn="l">
-              <a:spcBef>
-                <a:spcPts val="0"/>
-              </a:spcBef>
-              <a:spcAft>
-                <a:spcPts val="0"/>
-              </a:spcAft>
-              <a:buNone/>
-            </a:pPr>
-            <a:r>
-              <a:rPr lang="fr">
-                <a:latin typeface="Lato"/>
-                <a:ea typeface="Lato"/>
-                <a:cs typeface="Lato"/>
-                <a:sym typeface="Lato"/>
-              </a:rPr>
-              <a:t>Domaine 1</a:t>
-            </a:r>
-            <a:endParaRPr>
-              <a:latin typeface="Lato"/>
-              <a:ea typeface="Lato"/>
-              <a:cs typeface="Lato"/>
-              <a:sym typeface="Lato"/>
-            </a:endParaRPr>
-          </a:p>
-          <a:p>
-            <a:pPr indent="0" lvl="0" marL="0" rtl="0" algn="l">
-              <a:spcBef>
-                <a:spcPts val="0"/>
-              </a:spcBef>
-              <a:spcAft>
-                <a:spcPts val="0"/>
-              </a:spcAft>
-              <a:buNone/>
-            </a:pPr>
-            <a:r>
-              <a:rPr lang="fr">
-                <a:latin typeface="Lato"/>
-                <a:ea typeface="Lato"/>
-                <a:cs typeface="Lato"/>
-                <a:sym typeface="Lato"/>
-              </a:rPr>
-              <a:t> (création de services) : graphique combinant le taux d’accès à l’eau potable et le taux de population urbaine. En effet, développer des infrastructures lorsque la population est concentrée en ville n’est pas la même tâche que de le faire avec des populations rurales.</a:t>
-            </a:r>
-            <a:endParaRPr>
-              <a:latin typeface="Lato"/>
-              <a:ea typeface="Lato"/>
-              <a:cs typeface="Lato"/>
-              <a:sym typeface="Lato"/>
-            </a:endParaRPr>
-          </a:p>
-        </p:txBody>
-      </p:sp>
-      <p:sp>
-        <p:nvSpPr>
-          <p:cNvPr id="99" name="Google Shape;99;p16"/>
-          <p:cNvSpPr txBox="1"/>
-          <p:nvPr/>
-        </p:nvSpPr>
-        <p:spPr>
-          <a:xfrm>
-            <a:off x="-3098020" y="455382"/>
-            <a:ext cx="2261100" cy="1804200"/>
-          </a:xfrm>
-          <a:prstGeom prst="rect">
-            <a:avLst/>
-          </a:prstGeom>
-          <a:noFill/>
-          <a:ln>
-            <a:noFill/>
-          </a:ln>
-        </p:spPr>
-        <p:txBody>
-          <a:bodyPr anchorCtr="0" anchor="t" bIns="91425" lIns="91425" spcFirstLastPara="1" rIns="91425" wrap="square" tIns="91425">
-            <a:noAutofit/>
-          </a:bodyPr>
-          <a:lstStyle/>
-          <a:p>
-            <a:pPr indent="0" lvl="0" marL="0" rtl="0" algn="l">
-              <a:spcBef>
-                <a:spcPts val="0"/>
-              </a:spcBef>
-              <a:spcAft>
-                <a:spcPts val="0"/>
-              </a:spcAft>
-              <a:buNone/>
-            </a:pPr>
-            <a:r>
-              <a:rPr lang="fr">
-                <a:latin typeface="Lato"/>
-                <a:ea typeface="Lato"/>
-                <a:cs typeface="Lato"/>
-                <a:sym typeface="Lato"/>
-              </a:rPr>
-              <a:t>Domaine 3</a:t>
-            </a:r>
-            <a:endParaRPr>
-              <a:latin typeface="Lato"/>
-              <a:ea typeface="Lato"/>
-              <a:cs typeface="Lato"/>
-              <a:sym typeface="Lato"/>
-            </a:endParaRPr>
-          </a:p>
-          <a:p>
-            <a:pPr indent="0" lvl="0" marL="0" rtl="0" algn="l">
-              <a:spcBef>
-                <a:spcPts val="0"/>
-              </a:spcBef>
-              <a:spcAft>
-                <a:spcPts val="0"/>
-              </a:spcAft>
-              <a:buNone/>
-            </a:pPr>
-            <a:r>
-              <a:rPr lang="fr">
-                <a:latin typeface="Lato"/>
-                <a:ea typeface="Lato"/>
-                <a:cs typeface="Lato"/>
-                <a:sym typeface="Lato"/>
-              </a:rPr>
-              <a:t>(consulting) : besoin d’un graphique combinant l’efficacité de la politique gouvernementale d’accès à l’eau (politique efficace = taux de mortalité faible + bon accès des habitants aux services d’eau potable) ainsi que la stabilité politique (en effet, difficile de faire du consulting auprès d’une administration si la situation politique est instable).</a:t>
-            </a:r>
-            <a:endParaRPr>
-              <a:latin typeface="Lato"/>
-              <a:ea typeface="Lato"/>
-              <a:cs typeface="Lato"/>
-              <a:sym typeface="Lato"/>
-            </a:endParaRPr>
-          </a:p>
-        </p:txBody>
-      </p:sp>
-      <p:sp>
-        <p:nvSpPr>
-          <p:cNvPr id="100" name="Google Shape;100;p16"/>
-          <p:cNvSpPr txBox="1"/>
-          <p:nvPr/>
-        </p:nvSpPr>
-        <p:spPr>
-          <a:xfrm>
-            <a:off x="-5641007" y="573038"/>
-            <a:ext cx="2261100" cy="4526700"/>
-          </a:xfrm>
-          <a:prstGeom prst="rect">
-            <a:avLst/>
-          </a:prstGeom>
-          <a:noFill/>
-          <a:ln>
-            <a:noFill/>
-          </a:ln>
-        </p:spPr>
-        <p:txBody>
-          <a:bodyPr anchorCtr="0" anchor="t" bIns="91425" lIns="91425" spcFirstLastPara="1" rIns="91425" wrap="square" tIns="91425">
-            <a:noAutofit/>
-          </a:bodyPr>
-          <a:lstStyle/>
-          <a:p>
-            <a:pPr indent="0" lvl="0" marL="0" rtl="0" algn="l">
-              <a:spcBef>
-                <a:spcPts val="0"/>
-              </a:spcBef>
-              <a:spcAft>
-                <a:spcPts val="0"/>
-              </a:spcAft>
-              <a:buNone/>
-            </a:pPr>
-            <a:r>
-              <a:rPr lang="fr">
-                <a:latin typeface="Lato"/>
-                <a:ea typeface="Lato"/>
-                <a:cs typeface="Lato"/>
-                <a:sym typeface="Lato"/>
-              </a:rPr>
-              <a:t>Domaine 2</a:t>
-            </a:r>
-            <a:endParaRPr>
-              <a:latin typeface="Lato"/>
-              <a:ea typeface="Lato"/>
-              <a:cs typeface="Lato"/>
-              <a:sym typeface="Lato"/>
-            </a:endParaRPr>
-          </a:p>
-          <a:p>
-            <a:pPr indent="0" lvl="0" marL="0" rtl="0" algn="l">
-              <a:spcBef>
-                <a:spcPts val="0"/>
-              </a:spcBef>
-              <a:spcAft>
-                <a:spcPts val="0"/>
-              </a:spcAft>
-              <a:buNone/>
-            </a:pPr>
-            <a:r>
-              <a:rPr lang="fr">
-                <a:latin typeface="Lato"/>
-                <a:ea typeface="Lato"/>
-                <a:cs typeface="Lato"/>
-                <a:sym typeface="Lato"/>
-              </a:rPr>
-              <a:t> (modernisation des services) : besoin d’un graphique qui combine le taux de services (d’infrastructures) "basiques" et le taux d’infrastructures de qualité (qualifiées comme "safely managed" dans les données) afin d’identifier les pays qui ont un gros besoin d’améliorer la qualité de leurs services.</a:t>
-            </a:r>
-            <a:endParaRPr>
-              <a:latin typeface="Lato"/>
-              <a:ea typeface="Lato"/>
-              <a:cs typeface="Lato"/>
-              <a:sym typeface="Lato"/>
-            </a:endParaRPr>
           </a:p>
         </p:txBody>
       </p:sp>
@@ -8086,12 +7628,12 @@
           </a:ln>
         </p:spPr>
         <p:txBody>
-          <a:bodyPr anchorCtr="0" anchor="t" bIns="91425" lIns="91425" spcFirstLastPara="1" rIns="91425" wrap="square" tIns="91425">
+          <a:bodyPr spcFirstLastPara="1" wrap="square" lIns="91425" tIns="91425" rIns="91425" bIns="91425" anchor="t" anchorCtr="0">
             <a:noAutofit/>
           </a:bodyPr>
           <a:lstStyle/>
           <a:p>
-            <a:pPr indent="0" lvl="0" marL="0" rtl="0" algn="l">
+            <a:pPr marL="0" lvl="0" indent="0" algn="l" rtl="0">
               <a:spcBef>
                 <a:spcPts val="0"/>
               </a:spcBef>
@@ -8101,7 +7643,7 @@
               <a:buNone/>
             </a:pPr>
             <a:r>
-              <a:rPr b="1" lang="fr" sz="1700">
+              <a:rPr lang="fr" sz="1700" b="1">
                 <a:latin typeface="Open Sans"/>
                 <a:ea typeface="Open Sans"/>
                 <a:cs typeface="Open Sans"/>
@@ -8109,7 +7651,7 @@
               </a:rPr>
               <a:t>Accès à l’eau et taux de popualtion urbaine par pays</a:t>
             </a:r>
-            <a:endParaRPr b="1" sz="1700">
+            <a:endParaRPr sz="1700" b="1">
               <a:latin typeface="Open Sans"/>
               <a:ea typeface="Open Sans"/>
               <a:cs typeface="Open Sans"/>
@@ -8135,23 +7677,23 @@
           <a:solidFill>
             <a:srgbClr val="FF0000"/>
           </a:solidFill>
-          <a:ln cap="flat" cmpd="sng" w="9525">
+          <a:ln w="9525" cap="flat" cmpd="sng">
             <a:solidFill>
               <a:schemeClr val="dk2"/>
             </a:solidFill>
             <a:prstDash val="solid"/>
             <a:round/>
-            <a:headEnd len="sm" w="sm" type="none"/>
-            <a:tailEnd len="sm" w="sm" type="none"/>
+            <a:headEnd type="none" w="sm" len="sm"/>
+            <a:tailEnd type="none" w="sm" len="sm"/>
           </a:ln>
         </p:spPr>
         <p:txBody>
-          <a:bodyPr anchorCtr="0" anchor="ctr" bIns="91425" lIns="91425" spcFirstLastPara="1" rIns="91425" wrap="square" tIns="91425">
+          <a:bodyPr spcFirstLastPara="1" wrap="square" lIns="91425" tIns="91425" rIns="91425" bIns="91425" anchor="ctr" anchorCtr="0">
             <a:noAutofit/>
           </a:bodyPr>
           <a:lstStyle/>
           <a:p>
-            <a:pPr indent="0" lvl="0" marL="0" rtl="0" algn="ctr">
+            <a:pPr marL="0" lvl="0" indent="0" algn="ctr" rtl="0">
               <a:spcBef>
                 <a:spcPts val="0"/>
               </a:spcBef>
@@ -8191,30 +7733,30 @@
           </a:xfrm>
           <a:prstGeom prst="rightArrow">
             <a:avLst>
-              <a:gd fmla="val 50000" name="adj1"/>
-              <a:gd fmla="val 50000" name="adj2"/>
+              <a:gd name="adj1" fmla="val 50000"/>
+              <a:gd name="adj2" fmla="val 50000"/>
             </a:avLst>
           </a:prstGeom>
           <a:solidFill>
             <a:srgbClr val="FF0000"/>
           </a:solidFill>
-          <a:ln cap="flat" cmpd="sng" w="9525">
+          <a:ln w="9525" cap="flat" cmpd="sng">
             <a:solidFill>
               <a:schemeClr val="dk2"/>
             </a:solidFill>
             <a:prstDash val="solid"/>
             <a:round/>
-            <a:headEnd len="sm" w="sm" type="none"/>
-            <a:tailEnd len="sm" w="sm" type="none"/>
+            <a:headEnd type="none" w="sm" len="sm"/>
+            <a:tailEnd type="none" w="sm" len="sm"/>
           </a:ln>
         </p:spPr>
         <p:txBody>
-          <a:bodyPr anchorCtr="0" anchor="ctr" bIns="91425" lIns="91425" spcFirstLastPara="1" rIns="91425" wrap="square" tIns="91425">
+          <a:bodyPr spcFirstLastPara="1" wrap="square" lIns="91425" tIns="91425" rIns="91425" bIns="91425" anchor="ctr" anchorCtr="0">
             <a:noAutofit/>
           </a:bodyPr>
           <a:lstStyle/>
           <a:p>
-            <a:pPr indent="0" lvl="0" marL="0" rtl="0" algn="ctr">
+            <a:pPr marL="0" lvl="0" indent="0" algn="ctr" rtl="0">
               <a:spcBef>
                 <a:spcPts val="0"/>
               </a:spcBef>
@@ -8278,7 +7820,288 @@
 </file>
 
 <file path=ppt/theme/theme1.xml><?xml version="1.0" encoding="utf-8"?>
-<a:theme xmlns:a="http://schemas.openxmlformats.org/drawingml/2006/main" xmlns:r="http://schemas.openxmlformats.org/officeDocument/2006/relationships">
+<a:theme xmlns:a="http://schemas.openxmlformats.org/drawingml/2006/main" name="Luxe">
+  <a:themeElements>
+    <a:clrScheme name="Luxe">
+      <a:dk1>
+        <a:srgbClr val="000000"/>
+      </a:dk1>
+      <a:lt1>
+        <a:srgbClr val="FFFFFF"/>
+      </a:lt1>
+      <a:dk2>
+        <a:srgbClr val="B7B7B7"/>
+      </a:dk2>
+      <a:lt2>
+        <a:srgbClr val="CCA677"/>
+      </a:lt2>
+      <a:accent1>
+        <a:srgbClr val="5D4037"/>
+      </a:accent1>
+      <a:accent2>
+        <a:srgbClr val="455A64"/>
+      </a:accent2>
+      <a:accent3>
+        <a:srgbClr val="57BB8A"/>
+      </a:accent3>
+      <a:accent4>
+        <a:srgbClr val="78909C"/>
+      </a:accent4>
+      <a:accent5>
+        <a:srgbClr val="607D8B"/>
+      </a:accent5>
+      <a:accent6>
+        <a:srgbClr val="DCE755"/>
+      </a:accent6>
+      <a:hlink>
+        <a:srgbClr val="607D8B"/>
+      </a:hlink>
+      <a:folHlink>
+        <a:srgbClr val="607D8B"/>
+      </a:folHlink>
+    </a:clrScheme>
+    <a:fontScheme name="Office">
+      <a:majorFont>
+        <a:latin typeface="Arial"/>
+        <a:ea typeface=""/>
+        <a:cs typeface=""/>
+        <a:font script="Jpan" typeface="ＭＳ Ｐゴシック"/>
+        <a:font script="Hang" typeface="맑은 고딕"/>
+        <a:font script="Hans" typeface="宋体"/>
+        <a:font script="Hant" typeface="新細明體"/>
+        <a:font script="Arab" typeface="Times New Roman"/>
+        <a:font script="Hebr" typeface="Times New Roman"/>
+        <a:font script="Thai" typeface="Angsana New"/>
+        <a:font script="Ethi" typeface="Nyala"/>
+        <a:font script="Beng" typeface="Vrinda"/>
+        <a:font script="Gujr" typeface="Shruti"/>
+        <a:font script="Khmr" typeface="MoolBoran"/>
+        <a:font script="Knda" typeface="Tunga"/>
+        <a:font script="Guru" typeface="Raavi"/>
+        <a:font script="Cans" typeface="Euphemia"/>
+        <a:font script="Cher" typeface="Plantagenet Cherokee"/>
+        <a:font script="Yiii" typeface="Microsoft Yi Baiti"/>
+        <a:font script="Tibt" typeface="Microsoft Himalaya"/>
+        <a:font script="Thaa" typeface="MV Boli"/>
+        <a:font script="Deva" typeface="Mangal"/>
+        <a:font script="Telu" typeface="Gautami"/>
+        <a:font script="Taml" typeface="Latha"/>
+        <a:font script="Syrc" typeface="Estrangelo Edessa"/>
+        <a:font script="Orya" typeface="Kalinga"/>
+        <a:font script="Mlym" typeface="Kartika"/>
+        <a:font script="Laoo" typeface="DokChampa"/>
+        <a:font script="Sinh" typeface="Iskoola Pota"/>
+        <a:font script="Mong" typeface="Mongolian Baiti"/>
+        <a:font script="Viet" typeface="Times New Roman"/>
+        <a:font script="Uigh" typeface="Microsoft Uighur"/>
+        <a:font script="Geor" typeface="Sylfaen"/>
+      </a:majorFont>
+      <a:minorFont>
+        <a:latin typeface="Arial"/>
+        <a:ea typeface=""/>
+        <a:cs typeface=""/>
+        <a:font script="Jpan" typeface="ＭＳ Ｐゴシック"/>
+        <a:font script="Hang" typeface="맑은 고딕"/>
+        <a:font script="Hans" typeface="宋体"/>
+        <a:font script="Hant" typeface="新細明體"/>
+        <a:font script="Arab" typeface="Arial"/>
+        <a:font script="Hebr" typeface="Arial"/>
+        <a:font script="Thai" typeface="Cordia New"/>
+        <a:font script="Ethi" typeface="Nyala"/>
+        <a:font script="Beng" typeface="Vrinda"/>
+        <a:font script="Gujr" typeface="Shruti"/>
+        <a:font script="Khmr" typeface="DaunPenh"/>
+        <a:font script="Knda" typeface="Tunga"/>
+        <a:font script="Guru" typeface="Raavi"/>
+        <a:font script="Cans" typeface="Euphemia"/>
+        <a:font script="Cher" typeface="Plantagenet Cherokee"/>
+        <a:font script="Yiii" typeface="Microsoft Yi Baiti"/>
+        <a:font script="Tibt" typeface="Microsoft Himalaya"/>
+        <a:font script="Thaa" typeface="MV Boli"/>
+        <a:font script="Deva" typeface="Mangal"/>
+        <a:font script="Telu" typeface="Gautami"/>
+        <a:font script="Taml" typeface="Latha"/>
+        <a:font script="Syrc" typeface="Estrangelo Edessa"/>
+        <a:font script="Orya" typeface="Kalinga"/>
+        <a:font script="Mlym" typeface="Kartika"/>
+        <a:font script="Laoo" typeface="DokChampa"/>
+        <a:font script="Sinh" typeface="Iskoola Pota"/>
+        <a:font script="Mong" typeface="Mongolian Baiti"/>
+        <a:font script="Viet" typeface="Arial"/>
+        <a:font script="Uigh" typeface="Microsoft Uighur"/>
+        <a:font script="Geor" typeface="Sylfaen"/>
+      </a:minorFont>
+    </a:fontScheme>
+    <a:fmtScheme name="Office">
+      <a:fillStyleLst>
+        <a:solidFill>
+          <a:schemeClr val="phClr"/>
+        </a:solidFill>
+        <a:gradFill rotWithShape="1">
+          <a:gsLst>
+            <a:gs pos="0">
+              <a:schemeClr val="phClr">
+                <a:tint val="50000"/>
+                <a:satMod val="300000"/>
+              </a:schemeClr>
+            </a:gs>
+            <a:gs pos="35000">
+              <a:schemeClr val="phClr">
+                <a:tint val="37000"/>
+                <a:satMod val="300000"/>
+              </a:schemeClr>
+            </a:gs>
+            <a:gs pos="100000">
+              <a:schemeClr val="phClr">
+                <a:tint val="15000"/>
+                <a:satMod val="350000"/>
+              </a:schemeClr>
+            </a:gs>
+          </a:gsLst>
+          <a:lin ang="16200000" scaled="1"/>
+        </a:gradFill>
+        <a:gradFill rotWithShape="1">
+          <a:gsLst>
+            <a:gs pos="0">
+              <a:schemeClr val="phClr">
+                <a:tint val="100000"/>
+                <a:shade val="100000"/>
+                <a:satMod val="130000"/>
+              </a:schemeClr>
+            </a:gs>
+            <a:gs pos="100000">
+              <a:schemeClr val="phClr">
+                <a:tint val="50000"/>
+                <a:shade val="100000"/>
+                <a:satMod val="350000"/>
+              </a:schemeClr>
+            </a:gs>
+          </a:gsLst>
+          <a:lin ang="16200000" scaled="0"/>
+        </a:gradFill>
+      </a:fillStyleLst>
+      <a:lnStyleLst>
+        <a:ln w="9525" cap="flat" cmpd="sng" algn="ctr">
+          <a:solidFill>
+            <a:schemeClr val="phClr">
+              <a:shade val="95000"/>
+              <a:satMod val="105000"/>
+            </a:schemeClr>
+          </a:solidFill>
+          <a:prstDash val="solid"/>
+        </a:ln>
+        <a:ln w="25400" cap="flat" cmpd="sng" algn="ctr">
+          <a:solidFill>
+            <a:schemeClr val="phClr"/>
+          </a:solidFill>
+          <a:prstDash val="solid"/>
+        </a:ln>
+        <a:ln w="38100" cap="flat" cmpd="sng" algn="ctr">
+          <a:solidFill>
+            <a:schemeClr val="phClr"/>
+          </a:solidFill>
+          <a:prstDash val="solid"/>
+        </a:ln>
+      </a:lnStyleLst>
+      <a:effectStyleLst>
+        <a:effectStyle>
+          <a:effectLst>
+            <a:outerShdw blurRad="40000" dist="20000" dir="5400000" rotWithShape="0">
+              <a:srgbClr val="000000">
+                <a:alpha val="38000"/>
+              </a:srgbClr>
+            </a:outerShdw>
+          </a:effectLst>
+        </a:effectStyle>
+        <a:effectStyle>
+          <a:effectLst>
+            <a:outerShdw blurRad="40000" dist="23000" dir="5400000" rotWithShape="0">
+              <a:srgbClr val="000000">
+                <a:alpha val="35000"/>
+              </a:srgbClr>
+            </a:outerShdw>
+          </a:effectLst>
+        </a:effectStyle>
+        <a:effectStyle>
+          <a:effectLst>
+            <a:outerShdw blurRad="40000" dist="23000" dir="5400000" rotWithShape="0">
+              <a:srgbClr val="000000">
+                <a:alpha val="35000"/>
+              </a:srgbClr>
+            </a:outerShdw>
+          </a:effectLst>
+          <a:scene3d>
+            <a:camera prst="orthographicFront">
+              <a:rot lat="0" lon="0" rev="0"/>
+            </a:camera>
+            <a:lightRig rig="threePt" dir="t">
+              <a:rot lat="0" lon="0" rev="1200000"/>
+            </a:lightRig>
+          </a:scene3d>
+          <a:sp3d>
+            <a:bevelT w="63500" h="25400"/>
+          </a:sp3d>
+        </a:effectStyle>
+      </a:effectStyleLst>
+      <a:bgFillStyleLst>
+        <a:solidFill>
+          <a:schemeClr val="phClr"/>
+        </a:solidFill>
+        <a:gradFill rotWithShape="1">
+          <a:gsLst>
+            <a:gs pos="0">
+              <a:schemeClr val="phClr">
+                <a:tint val="40000"/>
+                <a:satMod val="350000"/>
+              </a:schemeClr>
+            </a:gs>
+            <a:gs pos="40000">
+              <a:schemeClr val="phClr">
+                <a:tint val="45000"/>
+                <a:shade val="99000"/>
+                <a:satMod val="350000"/>
+              </a:schemeClr>
+            </a:gs>
+            <a:gs pos="100000">
+              <a:schemeClr val="phClr">
+                <a:shade val="20000"/>
+                <a:satMod val="255000"/>
+              </a:schemeClr>
+            </a:gs>
+          </a:gsLst>
+          <a:path path="circle">
+            <a:fillToRect l="50000" t="-80000" r="50000" b="180000"/>
+          </a:path>
+        </a:gradFill>
+        <a:gradFill rotWithShape="1">
+          <a:gsLst>
+            <a:gs pos="0">
+              <a:schemeClr val="phClr">
+                <a:tint val="80000"/>
+                <a:satMod val="300000"/>
+              </a:schemeClr>
+            </a:gs>
+            <a:gs pos="100000">
+              <a:schemeClr val="phClr">
+                <a:shade val="30000"/>
+                <a:satMod val="200000"/>
+              </a:schemeClr>
+            </a:gs>
+          </a:gsLst>
+          <a:path path="circle">
+            <a:fillToRect l="50000" t="50000" r="50000" b="50000"/>
+          </a:path>
+        </a:gradFill>
+      </a:bgFillStyleLst>
+    </a:fmtScheme>
+  </a:themeElements>
+  <a:objectDefaults/>
+  <a:extraClrSchemeLst/>
+</a:theme>
+</file>
+
+<file path=ppt/theme/theme2.xml><?xml version="1.0" encoding="utf-8"?>
+<a:theme xmlns:a="http://schemas.openxmlformats.org/drawingml/2006/main">
   <a:themeElements>
     <a:clrScheme name="Default">
       <a:dk1>
@@ -8553,284 +8376,7 @@
       </a:bgFillStyleLst>
     </a:fmtScheme>
   </a:themeElements>
-</a:theme>
-</file>
-
-<file path=ppt/theme/theme2.xml><?xml version="1.0" encoding="utf-8"?>
-<a:theme xmlns:a="http://schemas.openxmlformats.org/drawingml/2006/main" xmlns:r="http://schemas.openxmlformats.org/officeDocument/2006/relationships" name="Luxe">
-  <a:themeElements>
-    <a:clrScheme name="Luxe">
-      <a:dk1>
-        <a:srgbClr val="000000"/>
-      </a:dk1>
-      <a:lt1>
-        <a:srgbClr val="FFFFFF"/>
-      </a:lt1>
-      <a:dk2>
-        <a:srgbClr val="B7B7B7"/>
-      </a:dk2>
-      <a:lt2>
-        <a:srgbClr val="CCA677"/>
-      </a:lt2>
-      <a:accent1>
-        <a:srgbClr val="5D4037"/>
-      </a:accent1>
-      <a:accent2>
-        <a:srgbClr val="455A64"/>
-      </a:accent2>
-      <a:accent3>
-        <a:srgbClr val="57BB8A"/>
-      </a:accent3>
-      <a:accent4>
-        <a:srgbClr val="78909C"/>
-      </a:accent4>
-      <a:accent5>
-        <a:srgbClr val="607D8B"/>
-      </a:accent5>
-      <a:accent6>
-        <a:srgbClr val="DCE755"/>
-      </a:accent6>
-      <a:hlink>
-        <a:srgbClr val="607D8B"/>
-      </a:hlink>
-      <a:folHlink>
-        <a:srgbClr val="607D8B"/>
-      </a:folHlink>
-    </a:clrScheme>
-    <a:fontScheme name="Office">
-      <a:majorFont>
-        <a:latin typeface="Arial"/>
-        <a:ea typeface=""/>
-        <a:cs typeface=""/>
-        <a:font script="Jpan" typeface="ＭＳ Ｐゴシック"/>
-        <a:font script="Hang" typeface="맑은 고딕"/>
-        <a:font script="Hans" typeface="宋体"/>
-        <a:font script="Hant" typeface="新細明體"/>
-        <a:font script="Arab" typeface="Times New Roman"/>
-        <a:font script="Hebr" typeface="Times New Roman"/>
-        <a:font script="Thai" typeface="Angsana New"/>
-        <a:font script="Ethi" typeface="Nyala"/>
-        <a:font script="Beng" typeface="Vrinda"/>
-        <a:font script="Gujr" typeface="Shruti"/>
-        <a:font script="Khmr" typeface="MoolBoran"/>
-        <a:font script="Knda" typeface="Tunga"/>
-        <a:font script="Guru" typeface="Raavi"/>
-        <a:font script="Cans" typeface="Euphemia"/>
-        <a:font script="Cher" typeface="Plantagenet Cherokee"/>
-        <a:font script="Yiii" typeface="Microsoft Yi Baiti"/>
-        <a:font script="Tibt" typeface="Microsoft Himalaya"/>
-        <a:font script="Thaa" typeface="MV Boli"/>
-        <a:font script="Deva" typeface="Mangal"/>
-        <a:font script="Telu" typeface="Gautami"/>
-        <a:font script="Taml" typeface="Latha"/>
-        <a:font script="Syrc" typeface="Estrangelo Edessa"/>
-        <a:font script="Orya" typeface="Kalinga"/>
-        <a:font script="Mlym" typeface="Kartika"/>
-        <a:font script="Laoo" typeface="DokChampa"/>
-        <a:font script="Sinh" typeface="Iskoola Pota"/>
-        <a:font script="Mong" typeface="Mongolian Baiti"/>
-        <a:font script="Viet" typeface="Times New Roman"/>
-        <a:font script="Uigh" typeface="Microsoft Uighur"/>
-        <a:font script="Geor" typeface="Sylfaen"/>
-      </a:majorFont>
-      <a:minorFont>
-        <a:latin typeface="Arial"/>
-        <a:ea typeface=""/>
-        <a:cs typeface=""/>
-        <a:font script="Jpan" typeface="ＭＳ Ｐゴシック"/>
-        <a:font script="Hang" typeface="맑은 고딕"/>
-        <a:font script="Hans" typeface="宋体"/>
-        <a:font script="Hant" typeface="新細明體"/>
-        <a:font script="Arab" typeface="Arial"/>
-        <a:font script="Hebr" typeface="Arial"/>
-        <a:font script="Thai" typeface="Cordia New"/>
-        <a:font script="Ethi" typeface="Nyala"/>
-        <a:font script="Beng" typeface="Vrinda"/>
-        <a:font script="Gujr" typeface="Shruti"/>
-        <a:font script="Khmr" typeface="DaunPenh"/>
-        <a:font script="Knda" typeface="Tunga"/>
-        <a:font script="Guru" typeface="Raavi"/>
-        <a:font script="Cans" typeface="Euphemia"/>
-        <a:font script="Cher" typeface="Plantagenet Cherokee"/>
-        <a:font script="Yiii" typeface="Microsoft Yi Baiti"/>
-        <a:font script="Tibt" typeface="Microsoft Himalaya"/>
-        <a:font script="Thaa" typeface="MV Boli"/>
-        <a:font script="Deva" typeface="Mangal"/>
-        <a:font script="Telu" typeface="Gautami"/>
-        <a:font script="Taml" typeface="Latha"/>
-        <a:font script="Syrc" typeface="Estrangelo Edessa"/>
-        <a:font script="Orya" typeface="Kalinga"/>
-        <a:font script="Mlym" typeface="Kartika"/>
-        <a:font script="Laoo" typeface="DokChampa"/>
-        <a:font script="Sinh" typeface="Iskoola Pota"/>
-        <a:font script="Mong" typeface="Mongolian Baiti"/>
-        <a:font script="Viet" typeface="Arial"/>
-        <a:font script="Uigh" typeface="Microsoft Uighur"/>
-        <a:font script="Geor" typeface="Sylfaen"/>
-      </a:minorFont>
-    </a:fontScheme>
-    <a:fmtScheme name="Office">
-      <a:fillStyleLst>
-        <a:solidFill>
-          <a:schemeClr val="phClr"/>
-        </a:solidFill>
-        <a:gradFill rotWithShape="1">
-          <a:gsLst>
-            <a:gs pos="0">
-              <a:schemeClr val="phClr">
-                <a:tint val="50000"/>
-                <a:satMod val="300000"/>
-              </a:schemeClr>
-            </a:gs>
-            <a:gs pos="35000">
-              <a:schemeClr val="phClr">
-                <a:tint val="37000"/>
-                <a:satMod val="300000"/>
-              </a:schemeClr>
-            </a:gs>
-            <a:gs pos="100000">
-              <a:schemeClr val="phClr">
-                <a:tint val="15000"/>
-                <a:satMod val="350000"/>
-              </a:schemeClr>
-            </a:gs>
-          </a:gsLst>
-          <a:lin ang="16200000" scaled="1"/>
-        </a:gradFill>
-        <a:gradFill rotWithShape="1">
-          <a:gsLst>
-            <a:gs pos="0">
-              <a:schemeClr val="phClr">
-                <a:tint val="100000"/>
-                <a:shade val="100000"/>
-                <a:satMod val="130000"/>
-              </a:schemeClr>
-            </a:gs>
-            <a:gs pos="100000">
-              <a:schemeClr val="phClr">
-                <a:tint val="50000"/>
-                <a:shade val="100000"/>
-                <a:satMod val="350000"/>
-              </a:schemeClr>
-            </a:gs>
-          </a:gsLst>
-          <a:lin ang="16200000" scaled="0"/>
-        </a:gradFill>
-      </a:fillStyleLst>
-      <a:lnStyleLst>
-        <a:ln w="9525" cap="flat" cmpd="sng" algn="ctr">
-          <a:solidFill>
-            <a:schemeClr val="phClr">
-              <a:shade val="95000"/>
-              <a:satMod val="105000"/>
-            </a:schemeClr>
-          </a:solidFill>
-          <a:prstDash val="solid"/>
-        </a:ln>
-        <a:ln w="25400" cap="flat" cmpd="sng" algn="ctr">
-          <a:solidFill>
-            <a:schemeClr val="phClr"/>
-          </a:solidFill>
-          <a:prstDash val="solid"/>
-        </a:ln>
-        <a:ln w="38100" cap="flat" cmpd="sng" algn="ctr">
-          <a:solidFill>
-            <a:schemeClr val="phClr"/>
-          </a:solidFill>
-          <a:prstDash val="solid"/>
-        </a:ln>
-      </a:lnStyleLst>
-      <a:effectStyleLst>
-        <a:effectStyle>
-          <a:effectLst>
-            <a:outerShdw blurRad="40000" dist="20000" dir="5400000" rotWithShape="0">
-              <a:srgbClr val="000000">
-                <a:alpha val="38000"/>
-              </a:srgbClr>
-            </a:outerShdw>
-          </a:effectLst>
-        </a:effectStyle>
-        <a:effectStyle>
-          <a:effectLst>
-            <a:outerShdw blurRad="40000" dist="23000" dir="5400000" rotWithShape="0">
-              <a:srgbClr val="000000">
-                <a:alpha val="35000"/>
-              </a:srgbClr>
-            </a:outerShdw>
-          </a:effectLst>
-        </a:effectStyle>
-        <a:effectStyle>
-          <a:effectLst>
-            <a:outerShdw blurRad="40000" dist="23000" dir="5400000" rotWithShape="0">
-              <a:srgbClr val="000000">
-                <a:alpha val="35000"/>
-              </a:srgbClr>
-            </a:outerShdw>
-          </a:effectLst>
-          <a:scene3d>
-            <a:camera prst="orthographicFront">
-              <a:rot lat="0" lon="0" rev="0"/>
-            </a:camera>
-            <a:lightRig rig="threePt" dir="t">
-              <a:rot lat="0" lon="0" rev="1200000"/>
-            </a:lightRig>
-          </a:scene3d>
-          <a:sp3d>
-            <a:bevelT w="63500" h="25400"/>
-          </a:sp3d>
-        </a:effectStyle>
-      </a:effectStyleLst>
-      <a:bgFillStyleLst>
-        <a:solidFill>
-          <a:schemeClr val="phClr"/>
-        </a:solidFill>
-        <a:gradFill rotWithShape="1">
-          <a:gsLst>
-            <a:gs pos="0">
-              <a:schemeClr val="phClr">
-                <a:tint val="40000"/>
-                <a:satMod val="350000"/>
-              </a:schemeClr>
-            </a:gs>
-            <a:gs pos="40000">
-              <a:schemeClr val="phClr">
-                <a:tint val="45000"/>
-                <a:shade val="99000"/>
-                <a:satMod val="350000"/>
-              </a:schemeClr>
-            </a:gs>
-            <a:gs pos="100000">
-              <a:schemeClr val="phClr">
-                <a:shade val="20000"/>
-                <a:satMod val="255000"/>
-              </a:schemeClr>
-            </a:gs>
-          </a:gsLst>
-          <a:path path="circle">
-            <a:fillToRect l="50000" t="-80000" r="50000" b="180000"/>
-          </a:path>
-        </a:gradFill>
-        <a:gradFill rotWithShape="1">
-          <a:gsLst>
-            <a:gs pos="0">
-              <a:schemeClr val="phClr">
-                <a:tint val="80000"/>
-                <a:satMod val="300000"/>
-              </a:schemeClr>
-            </a:gs>
-            <a:gs pos="100000">
-              <a:schemeClr val="phClr">
-                <a:shade val="30000"/>
-                <a:satMod val="200000"/>
-              </a:schemeClr>
-            </a:gs>
-          </a:gsLst>
-          <a:path path="circle">
-            <a:fillToRect l="50000" t="50000" r="50000" b="50000"/>
-          </a:path>
-        </a:gradFill>
-      </a:bgFillStyleLst>
-    </a:fmtScheme>
-  </a:themeElements>
+  <a:objectDefaults/>
+  <a:extraClrSchemeLst/>
 </a:theme>
 </file>